--- a/presentations/1DmhdShocks.pptx
+++ b/presentations/1DmhdShocks.pptx
@@ -17,21 +17,25 @@
     <p:sldId id="266" r:id="rId11"/>
     <p:sldId id="267" r:id="rId12"/>
     <p:sldId id="271" r:id="rId13"/>
-    <p:sldId id="268" r:id="rId14"/>
-    <p:sldId id="269" r:id="rId15"/>
-    <p:sldId id="273" r:id="rId16"/>
-    <p:sldId id="274" r:id="rId17"/>
-    <p:sldId id="270" r:id="rId18"/>
-    <p:sldId id="272" r:id="rId19"/>
-    <p:sldId id="275" r:id="rId20"/>
-    <p:sldId id="276" r:id="rId21"/>
-    <p:sldId id="279" r:id="rId22"/>
-    <p:sldId id="281" r:id="rId23"/>
-    <p:sldId id="282" r:id="rId24"/>
-    <p:sldId id="277" r:id="rId25"/>
-    <p:sldId id="278" r:id="rId26"/>
-    <p:sldId id="283" r:id="rId27"/>
-    <p:sldId id="280" r:id="rId28"/>
+    <p:sldId id="288" r:id="rId14"/>
+    <p:sldId id="268" r:id="rId15"/>
+    <p:sldId id="269" r:id="rId16"/>
+    <p:sldId id="273" r:id="rId17"/>
+    <p:sldId id="284" r:id="rId18"/>
+    <p:sldId id="270" r:id="rId19"/>
+    <p:sldId id="272" r:id="rId20"/>
+    <p:sldId id="285" r:id="rId21"/>
+    <p:sldId id="286" r:id="rId22"/>
+    <p:sldId id="275" r:id="rId23"/>
+    <p:sldId id="276" r:id="rId24"/>
+    <p:sldId id="279" r:id="rId25"/>
+    <p:sldId id="281" r:id="rId26"/>
+    <p:sldId id="282" r:id="rId27"/>
+    <p:sldId id="277" r:id="rId28"/>
+    <p:sldId id="278" r:id="rId29"/>
+    <p:sldId id="287" r:id="rId30"/>
+    <p:sldId id="283" r:id="rId31"/>
+    <p:sldId id="280" r:id="rId32"/>
   </p:sldIdLst>
   <p:sldSz cx="12192000" cy="6858000"/>
   <p:notesSz cx="6858000" cy="9144000"/>
@@ -131,6 +135,53 @@
     </a:lvl9pPr>
   </p:defaultTextStyle>
   <p:extLst>
+    <p:ext uri="{521415D9-36F7-43E2-AB2F-B90AF26B5E84}">
+      <p14:sectionLst xmlns:p14="http://schemas.microsoft.com/office/powerpoint/2010/main">
+        <p14:section name="Default Section" id="{4F14BD4F-D7DD-3A4A-927F-F334B40920F3}">
+          <p14:sldIdLst>
+            <p14:sldId id="256"/>
+            <p14:sldId id="257"/>
+            <p14:sldId id="258"/>
+            <p14:sldId id="259"/>
+            <p14:sldId id="260"/>
+            <p14:sldId id="262"/>
+            <p14:sldId id="263"/>
+            <p14:sldId id="264"/>
+            <p14:sldId id="265"/>
+            <p14:sldId id="266"/>
+            <p14:sldId id="267"/>
+            <p14:sldId id="271"/>
+            <p14:sldId id="288"/>
+          </p14:sldIdLst>
+        </p14:section>
+        <p14:section name="Cartesian Sims" id="{3FD47A47-AF1D-284A-9FD1-09A16D2502C1}">
+          <p14:sldIdLst>
+            <p14:sldId id="268"/>
+            <p14:sldId id="269"/>
+            <p14:sldId id="273"/>
+            <p14:sldId id="284"/>
+            <p14:sldId id="270"/>
+            <p14:sldId id="272"/>
+          </p14:sldIdLst>
+        </p14:section>
+        <p14:section name="Cylindrical Sims" id="{0A3CD176-AC99-2449-B0B9-0A6D0704404D}">
+          <p14:sldIdLst>
+            <p14:sldId id="285"/>
+            <p14:sldId id="286"/>
+            <p14:sldId id="275"/>
+            <p14:sldId id="276"/>
+            <p14:sldId id="279"/>
+            <p14:sldId id="281"/>
+            <p14:sldId id="282"/>
+            <p14:sldId id="277"/>
+            <p14:sldId id="278"/>
+            <p14:sldId id="287"/>
+            <p14:sldId id="283"/>
+            <p14:sldId id="280"/>
+          </p14:sldIdLst>
+        </p14:section>
+      </p14:sectionLst>
+    </p:ext>
     <p:ext uri="{EFAFB233-063F-42B5-8137-9DF3F51BA10A}">
       <p15:sldGuideLst xmlns:p15="http://schemas.microsoft.com/office/powerpoint/2012/main"/>
     </p:ext>
@@ -285,7 +336,7 @@
           <a:p>
             <a:fld id="{FFBC1972-03B5-E145-A8E8-38CD71105AF8}" type="datetimeFigureOut">
               <a:rPr lang="en-US" smtClean="0"/>
-              <a:t>7/30/18</a:t>
+              <a:t>8/1/18</a:t>
             </a:fld>
             <a:endParaRPr lang="en-US"/>
           </a:p>
@@ -483,7 +534,7 @@
           <a:p>
             <a:fld id="{FFBC1972-03B5-E145-A8E8-38CD71105AF8}" type="datetimeFigureOut">
               <a:rPr lang="en-US" smtClean="0"/>
-              <a:t>7/30/18</a:t>
+              <a:t>8/1/18</a:t>
             </a:fld>
             <a:endParaRPr lang="en-US"/>
           </a:p>
@@ -691,7 +742,7 @@
           <a:p>
             <a:fld id="{FFBC1972-03B5-E145-A8E8-38CD71105AF8}" type="datetimeFigureOut">
               <a:rPr lang="en-US" smtClean="0"/>
-              <a:t>7/30/18</a:t>
+              <a:t>8/1/18</a:t>
             </a:fld>
             <a:endParaRPr lang="en-US"/>
           </a:p>
@@ -889,7 +940,7 @@
           <a:p>
             <a:fld id="{FFBC1972-03B5-E145-A8E8-38CD71105AF8}" type="datetimeFigureOut">
               <a:rPr lang="en-US" smtClean="0"/>
-              <a:t>7/30/18</a:t>
+              <a:t>8/1/18</a:t>
             </a:fld>
             <a:endParaRPr lang="en-US"/>
           </a:p>
@@ -1164,7 +1215,7 @@
           <a:p>
             <a:fld id="{FFBC1972-03B5-E145-A8E8-38CD71105AF8}" type="datetimeFigureOut">
               <a:rPr lang="en-US" smtClean="0"/>
-              <a:t>7/30/18</a:t>
+              <a:t>8/1/18</a:t>
             </a:fld>
             <a:endParaRPr lang="en-US"/>
           </a:p>
@@ -1429,7 +1480,7 @@
           <a:p>
             <a:fld id="{FFBC1972-03B5-E145-A8E8-38CD71105AF8}" type="datetimeFigureOut">
               <a:rPr lang="en-US" smtClean="0"/>
-              <a:t>7/30/18</a:t>
+              <a:t>8/1/18</a:t>
             </a:fld>
             <a:endParaRPr lang="en-US"/>
           </a:p>
@@ -1841,7 +1892,7 @@
           <a:p>
             <a:fld id="{FFBC1972-03B5-E145-A8E8-38CD71105AF8}" type="datetimeFigureOut">
               <a:rPr lang="en-US" smtClean="0"/>
-              <a:t>7/30/18</a:t>
+              <a:t>8/1/18</a:t>
             </a:fld>
             <a:endParaRPr lang="en-US"/>
           </a:p>
@@ -1982,7 +2033,7 @@
           <a:p>
             <a:fld id="{FFBC1972-03B5-E145-A8E8-38CD71105AF8}" type="datetimeFigureOut">
               <a:rPr lang="en-US" smtClean="0"/>
-              <a:t>7/30/18</a:t>
+              <a:t>8/1/18</a:t>
             </a:fld>
             <a:endParaRPr lang="en-US"/>
           </a:p>
@@ -2095,7 +2146,7 @@
           <a:p>
             <a:fld id="{FFBC1972-03B5-E145-A8E8-38CD71105AF8}" type="datetimeFigureOut">
               <a:rPr lang="en-US" smtClean="0"/>
-              <a:t>7/30/18</a:t>
+              <a:t>8/1/18</a:t>
             </a:fld>
             <a:endParaRPr lang="en-US"/>
           </a:p>
@@ -2406,7 +2457,7 @@
           <a:p>
             <a:fld id="{FFBC1972-03B5-E145-A8E8-38CD71105AF8}" type="datetimeFigureOut">
               <a:rPr lang="en-US" smtClean="0"/>
-              <a:t>7/30/18</a:t>
+              <a:t>8/1/18</a:t>
             </a:fld>
             <a:endParaRPr lang="en-US"/>
           </a:p>
@@ -2694,7 +2745,7 @@
           <a:p>
             <a:fld id="{FFBC1972-03B5-E145-A8E8-38CD71105AF8}" type="datetimeFigureOut">
               <a:rPr lang="en-US" smtClean="0"/>
-              <a:t>7/30/18</a:t>
+              <a:t>8/1/18</a:t>
             </a:fld>
             <a:endParaRPr lang="en-US"/>
           </a:p>
@@ -2935,7 +2986,7 @@
           <a:p>
             <a:fld id="{FFBC1972-03B5-E145-A8E8-38CD71105AF8}" type="datetimeFigureOut">
               <a:rPr lang="en-US" smtClean="0"/>
-              <a:t>7/30/18</a:t>
+              <a:t>8/1/18</a:t>
             </a:fld>
             <a:endParaRPr lang="en-US"/>
           </a:p>
@@ -3564,637 +3615,6 @@
       </p:grpSpPr>
       <p:sp>
         <p:nvSpPr>
-          <p:cNvPr id="2" name="Title 1">
-            <a:extLst>
-              <a:ext uri="{FF2B5EF4-FFF2-40B4-BE49-F238E27FC236}">
-                <a16:creationId xmlns:a16="http://schemas.microsoft.com/office/drawing/2014/main" id="{267A41E9-6B2D-A748-928F-EBF42D97CEC9}"/>
-              </a:ext>
-            </a:extLst>
-          </p:cNvPr>
-          <p:cNvSpPr>
-            <a:spLocks noGrp="1"/>
-          </p:cNvSpPr>
-          <p:nvPr>
-            <p:ph type="title"/>
-          </p:nvPr>
-        </p:nvSpPr>
-        <p:spPr/>
-        <p:txBody>
-          <a:bodyPr/>
-          <a:lstStyle/>
-          <a:p>
-            <a:r>
-              <a:rPr lang="en-US" dirty="0"/>
-              <a:t>Magnetic piston diagram</a:t>
-            </a:r>
-          </a:p>
-        </p:txBody>
-      </p:sp>
-      <p:grpSp>
-        <p:nvGrpSpPr>
-          <p:cNvPr id="4" name="Group 3">
-            <a:extLst>
-              <a:ext uri="{FF2B5EF4-FFF2-40B4-BE49-F238E27FC236}">
-                <a16:creationId xmlns:a16="http://schemas.microsoft.com/office/drawing/2014/main" id="{9C1C3389-BA7E-4E40-BDA7-E8F2BF97CD85}"/>
-              </a:ext>
-            </a:extLst>
-          </p:cNvPr>
-          <p:cNvGrpSpPr/>
-          <p:nvPr/>
-        </p:nvGrpSpPr>
-        <p:grpSpPr>
-          <a:xfrm>
-            <a:off x="1211742" y="2439605"/>
-            <a:ext cx="4050145" cy="3333695"/>
-            <a:chOff x="960580" y="1782911"/>
-            <a:chExt cx="4050145" cy="3333695"/>
-          </a:xfrm>
-        </p:grpSpPr>
-        <p:sp>
-          <p:nvSpPr>
-            <p:cNvPr id="5" name="Rectangle 4">
-              <a:extLst>
-                <a:ext uri="{FF2B5EF4-FFF2-40B4-BE49-F238E27FC236}">
-                  <a16:creationId xmlns:a16="http://schemas.microsoft.com/office/drawing/2014/main" id="{D18A3860-4375-9148-A03F-3DAC5DFF89F1}"/>
-                </a:ext>
-              </a:extLst>
-            </p:cNvPr>
-            <p:cNvSpPr/>
-            <p:nvPr/>
-          </p:nvSpPr>
-          <p:spPr>
-            <a:xfrm>
-              <a:off x="2964873" y="2336800"/>
-              <a:ext cx="1948873" cy="2752436"/>
-            </a:xfrm>
-            <a:prstGeom prst="rect">
-              <a:avLst/>
-            </a:prstGeom>
-            <a:solidFill>
-              <a:schemeClr val="accent1">
-                <a:lumMod val="40000"/>
-                <a:lumOff val="60000"/>
-              </a:schemeClr>
-            </a:solidFill>
-          </p:spPr>
-          <p:style>
-            <a:lnRef idx="2">
-              <a:schemeClr val="accent1">
-                <a:shade val="50000"/>
-              </a:schemeClr>
-            </a:lnRef>
-            <a:fillRef idx="1">
-              <a:schemeClr val="accent1"/>
-            </a:fillRef>
-            <a:effectRef idx="0">
-              <a:schemeClr val="accent1"/>
-            </a:effectRef>
-            <a:fontRef idx="minor">
-              <a:schemeClr val="lt1"/>
-            </a:fontRef>
-          </p:style>
-          <p:txBody>
-            <a:bodyPr rtlCol="0" anchor="ctr"/>
-            <a:lstStyle/>
-            <a:p>
-              <a:pPr algn="ctr"/>
-              <a:endParaRPr lang="en-US"/>
-            </a:p>
-          </p:txBody>
-        </p:sp>
-        <p:sp>
-          <p:nvSpPr>
-            <p:cNvPr id="6" name="Rectangle 5">
-              <a:extLst>
-                <a:ext uri="{FF2B5EF4-FFF2-40B4-BE49-F238E27FC236}">
-                  <a16:creationId xmlns:a16="http://schemas.microsoft.com/office/drawing/2014/main" id="{AFAD0AD7-684C-894C-8C0B-D95E1E3EA55E}"/>
-                </a:ext>
-              </a:extLst>
-            </p:cNvPr>
-            <p:cNvSpPr/>
-            <p:nvPr/>
-          </p:nvSpPr>
-          <p:spPr>
-            <a:xfrm>
-              <a:off x="960580" y="2336800"/>
-              <a:ext cx="1948873" cy="2752436"/>
-            </a:xfrm>
-            <a:prstGeom prst="rect">
-              <a:avLst/>
-            </a:prstGeom>
-            <a:solidFill>
-              <a:schemeClr val="accent2">
-                <a:lumMod val="40000"/>
-                <a:lumOff val="60000"/>
-              </a:schemeClr>
-            </a:solidFill>
-          </p:spPr>
-          <p:style>
-            <a:lnRef idx="2">
-              <a:schemeClr val="accent1">
-                <a:shade val="50000"/>
-              </a:schemeClr>
-            </a:lnRef>
-            <a:fillRef idx="1">
-              <a:schemeClr val="accent1"/>
-            </a:fillRef>
-            <a:effectRef idx="0">
-              <a:schemeClr val="accent1"/>
-            </a:effectRef>
-            <a:fontRef idx="minor">
-              <a:schemeClr val="lt1"/>
-            </a:fontRef>
-          </p:style>
-          <p:txBody>
-            <a:bodyPr rtlCol="0" anchor="ctr"/>
-            <a:lstStyle/>
-            <a:p>
-              <a:pPr algn="ctr"/>
-              <a:endParaRPr lang="en-US"/>
-            </a:p>
-          </p:txBody>
-        </p:sp>
-        <p:cxnSp>
-          <p:nvCxnSpPr>
-            <p:cNvPr id="7" name="Straight Connector 6">
-              <a:extLst>
-                <a:ext uri="{FF2B5EF4-FFF2-40B4-BE49-F238E27FC236}">
-                  <a16:creationId xmlns:a16="http://schemas.microsoft.com/office/drawing/2014/main" id="{A5FEA0E0-71CB-AB42-BCD6-A7EEE8978F30}"/>
-                </a:ext>
-              </a:extLst>
-            </p:cNvPr>
-            <p:cNvCxnSpPr/>
-            <p:nvPr/>
-          </p:nvCxnSpPr>
-          <p:spPr>
-            <a:xfrm>
-              <a:off x="2937164" y="2336800"/>
-              <a:ext cx="0" cy="2770909"/>
-            </a:xfrm>
-            <a:prstGeom prst="line">
-              <a:avLst/>
-            </a:prstGeom>
-            <a:ln w="57150">
-              <a:solidFill>
-                <a:schemeClr val="tx1"/>
-              </a:solidFill>
-            </a:ln>
-          </p:spPr>
-          <p:style>
-            <a:lnRef idx="1">
-              <a:schemeClr val="accent1"/>
-            </a:lnRef>
-            <a:fillRef idx="0">
-              <a:schemeClr val="accent1"/>
-            </a:fillRef>
-            <a:effectRef idx="0">
-              <a:schemeClr val="accent1"/>
-            </a:effectRef>
-            <a:fontRef idx="minor">
-              <a:schemeClr val="tx1"/>
-            </a:fontRef>
-          </p:style>
-        </p:cxnSp>
-        <p:sp>
-          <p:nvSpPr>
-            <p:cNvPr id="8" name="TextBox 7">
-              <a:extLst>
-                <a:ext uri="{FF2B5EF4-FFF2-40B4-BE49-F238E27FC236}">
-                  <a16:creationId xmlns:a16="http://schemas.microsoft.com/office/drawing/2014/main" id="{808E0E46-9A48-6E4D-A3EF-D915AE14A67E}"/>
-                </a:ext>
-              </a:extLst>
-            </p:cNvPr>
-            <p:cNvSpPr txBox="1"/>
-            <p:nvPr/>
-          </p:nvSpPr>
-          <p:spPr>
-            <a:xfrm>
-              <a:off x="1119906" y="4285609"/>
-              <a:ext cx="1630219" cy="830997"/>
-            </a:xfrm>
-            <a:prstGeom prst="rect">
-              <a:avLst/>
-            </a:prstGeom>
-            <a:noFill/>
-          </p:spPr>
-          <p:txBody>
-            <a:bodyPr wrap="square" rtlCol="0">
-              <a:spAutoFit/>
-            </a:bodyPr>
-            <a:lstStyle/>
-            <a:p>
-              <a:pPr algn="ctr"/>
-              <a:r>
-                <a:rPr lang="en-US" sz="2400" dirty="0"/>
-                <a:t>𝜌</a:t>
-              </a:r>
-              <a:r>
-                <a:rPr lang="en-US" sz="2400" baseline="-25000" dirty="0"/>
-                <a:t>1</a:t>
-              </a:r>
-              <a:r>
-                <a:rPr lang="en-US" sz="2400" dirty="0"/>
-                <a:t>, P</a:t>
-              </a:r>
-              <a:r>
-                <a:rPr lang="en-US" sz="2400" baseline="-25000" dirty="0"/>
-                <a:t>1</a:t>
-              </a:r>
-            </a:p>
-            <a:p>
-              <a:pPr algn="ctr"/>
-              <a:r>
-                <a:rPr lang="en-US" sz="2400" dirty="0"/>
-                <a:t>(up stream)</a:t>
-              </a:r>
-            </a:p>
-          </p:txBody>
-        </p:sp>
-        <p:cxnSp>
-          <p:nvCxnSpPr>
-            <p:cNvPr id="9" name="Straight Arrow Connector 8">
-              <a:extLst>
-                <a:ext uri="{FF2B5EF4-FFF2-40B4-BE49-F238E27FC236}">
-                  <a16:creationId xmlns:a16="http://schemas.microsoft.com/office/drawing/2014/main" id="{EE437F55-5C3D-A545-9BC5-648082475C6B}"/>
-                </a:ext>
-              </a:extLst>
-            </p:cNvPr>
-            <p:cNvCxnSpPr>
-              <a:cxnSpLocks/>
-            </p:cNvCxnSpPr>
-            <p:nvPr/>
-          </p:nvCxnSpPr>
-          <p:spPr>
-            <a:xfrm flipH="1">
-              <a:off x="2410691" y="3713018"/>
-              <a:ext cx="526474" cy="0"/>
-            </a:xfrm>
-            <a:prstGeom prst="straightConnector1">
-              <a:avLst/>
-            </a:prstGeom>
-            <a:ln w="38100">
-              <a:solidFill>
-                <a:schemeClr val="tx1"/>
-              </a:solidFill>
-              <a:tailEnd type="triangle"/>
-            </a:ln>
-          </p:spPr>
-          <p:style>
-            <a:lnRef idx="1">
-              <a:schemeClr val="accent1"/>
-            </a:lnRef>
-            <a:fillRef idx="0">
-              <a:schemeClr val="accent1"/>
-            </a:fillRef>
-            <a:effectRef idx="0">
-              <a:schemeClr val="accent1"/>
-            </a:effectRef>
-            <a:fontRef idx="minor">
-              <a:schemeClr val="tx1"/>
-            </a:fontRef>
-          </p:style>
-        </p:cxnSp>
-        <p:grpSp>
-          <p:nvGrpSpPr>
-            <p:cNvPr id="10" name="Group 9">
-              <a:extLst>
-                <a:ext uri="{FF2B5EF4-FFF2-40B4-BE49-F238E27FC236}">
-                  <a16:creationId xmlns:a16="http://schemas.microsoft.com/office/drawing/2014/main" id="{BC70ED3F-9514-F543-B0B8-8DCD6B31A93F}"/>
-                </a:ext>
-              </a:extLst>
-            </p:cNvPr>
-            <p:cNvGrpSpPr/>
-            <p:nvPr/>
-          </p:nvGrpSpPr>
-          <p:grpSpPr>
-            <a:xfrm>
-              <a:off x="1565566" y="2948830"/>
-              <a:ext cx="678870" cy="461665"/>
-              <a:chOff x="1394691" y="2711333"/>
-              <a:chExt cx="678870" cy="461665"/>
-            </a:xfrm>
-          </p:grpSpPr>
-          <p:sp>
-            <p:nvSpPr>
-              <p:cNvPr id="17" name="TextBox 16">
-                <a:extLst>
-                  <a:ext uri="{FF2B5EF4-FFF2-40B4-BE49-F238E27FC236}">
-                    <a16:creationId xmlns:a16="http://schemas.microsoft.com/office/drawing/2014/main" id="{9B071131-7FED-6644-A637-1969DAE27335}"/>
-                  </a:ext>
-                </a:extLst>
-              </p:cNvPr>
-              <p:cNvSpPr txBox="1"/>
-              <p:nvPr/>
-            </p:nvSpPr>
-            <p:spPr>
-              <a:xfrm>
-                <a:off x="1602511" y="2711333"/>
-                <a:ext cx="471050" cy="461665"/>
-              </a:xfrm>
-              <a:prstGeom prst="rect">
-                <a:avLst/>
-              </a:prstGeom>
-              <a:noFill/>
-            </p:spPr>
-            <p:txBody>
-              <a:bodyPr wrap="square" rtlCol="0">
-                <a:spAutoFit/>
-              </a:bodyPr>
-              <a:lstStyle/>
-              <a:p>
-                <a:r>
-                  <a:rPr lang="en-US" sz="2400" dirty="0"/>
-                  <a:t>u</a:t>
-                </a:r>
-                <a:r>
-                  <a:rPr lang="en-US" sz="2400" baseline="-25000" dirty="0"/>
-                  <a:t>1</a:t>
-                </a:r>
-              </a:p>
-            </p:txBody>
-          </p:sp>
-          <p:cxnSp>
-            <p:nvCxnSpPr>
-              <p:cNvPr id="18" name="Straight Arrow Connector 17">
-                <a:extLst>
-                  <a:ext uri="{FF2B5EF4-FFF2-40B4-BE49-F238E27FC236}">
-                    <a16:creationId xmlns:a16="http://schemas.microsoft.com/office/drawing/2014/main" id="{53EA10E9-BE08-5143-A515-A91E330A606D}"/>
-                  </a:ext>
-                </a:extLst>
-              </p:cNvPr>
-              <p:cNvCxnSpPr>
-                <a:cxnSpLocks/>
-              </p:cNvCxnSpPr>
-              <p:nvPr/>
-            </p:nvCxnSpPr>
-            <p:spPr>
-              <a:xfrm flipH="1">
-                <a:off x="1394691" y="2835747"/>
-                <a:ext cx="235528" cy="0"/>
-              </a:xfrm>
-              <a:prstGeom prst="straightConnector1">
-                <a:avLst/>
-              </a:prstGeom>
-              <a:ln w="38100">
-                <a:solidFill>
-                  <a:schemeClr val="tx1"/>
-                </a:solidFill>
-                <a:tailEnd type="triangle"/>
-              </a:ln>
-            </p:spPr>
-            <p:style>
-              <a:lnRef idx="1">
-                <a:schemeClr val="accent1"/>
-              </a:lnRef>
-              <a:fillRef idx="0">
-                <a:schemeClr val="accent1"/>
-              </a:fillRef>
-              <a:effectRef idx="0">
-                <a:schemeClr val="accent1"/>
-              </a:effectRef>
-              <a:fontRef idx="minor">
-                <a:schemeClr val="tx1"/>
-              </a:fontRef>
-            </p:style>
-          </p:cxnSp>
-        </p:grpSp>
-        <p:grpSp>
-          <p:nvGrpSpPr>
-            <p:cNvPr id="11" name="Group 10">
-              <a:extLst>
-                <a:ext uri="{FF2B5EF4-FFF2-40B4-BE49-F238E27FC236}">
-                  <a16:creationId xmlns:a16="http://schemas.microsoft.com/office/drawing/2014/main" id="{4048A2B6-E550-814B-BEE4-1E9CC14AD7D6}"/>
-                </a:ext>
-              </a:extLst>
-            </p:cNvPr>
-            <p:cNvGrpSpPr/>
-            <p:nvPr/>
-          </p:nvGrpSpPr>
-          <p:grpSpPr>
-            <a:xfrm>
-              <a:off x="3556001" y="2947598"/>
-              <a:ext cx="831272" cy="461665"/>
-              <a:chOff x="6881091" y="5089236"/>
-              <a:chExt cx="831272" cy="461665"/>
-            </a:xfrm>
-          </p:grpSpPr>
-          <p:cxnSp>
-            <p:nvCxnSpPr>
-              <p:cNvPr id="15" name="Straight Arrow Connector 14">
-                <a:extLst>
-                  <a:ext uri="{FF2B5EF4-FFF2-40B4-BE49-F238E27FC236}">
-                    <a16:creationId xmlns:a16="http://schemas.microsoft.com/office/drawing/2014/main" id="{4A6663A6-3262-FF4E-A873-A8FE94B3F805}"/>
-                  </a:ext>
-                </a:extLst>
-              </p:cNvPr>
-              <p:cNvCxnSpPr>
-                <a:cxnSpLocks/>
-              </p:cNvCxnSpPr>
-              <p:nvPr/>
-            </p:nvCxnSpPr>
-            <p:spPr>
-              <a:xfrm flipH="1">
-                <a:off x="6881091" y="5186001"/>
-                <a:ext cx="341745" cy="0"/>
-              </a:xfrm>
-              <a:prstGeom prst="straightConnector1">
-                <a:avLst/>
-              </a:prstGeom>
-              <a:ln w="38100">
-                <a:solidFill>
-                  <a:schemeClr val="tx1"/>
-                </a:solidFill>
-                <a:tailEnd type="triangle"/>
-              </a:ln>
-            </p:spPr>
-            <p:style>
-              <a:lnRef idx="1">
-                <a:schemeClr val="accent1"/>
-              </a:lnRef>
-              <a:fillRef idx="0">
-                <a:schemeClr val="accent1"/>
-              </a:fillRef>
-              <a:effectRef idx="0">
-                <a:schemeClr val="accent1"/>
-              </a:effectRef>
-              <a:fontRef idx="minor">
-                <a:schemeClr val="tx1"/>
-              </a:fontRef>
-            </p:style>
-          </p:cxnSp>
-          <p:sp>
-            <p:nvSpPr>
-              <p:cNvPr id="16" name="TextBox 15">
-                <a:extLst>
-                  <a:ext uri="{FF2B5EF4-FFF2-40B4-BE49-F238E27FC236}">
-                    <a16:creationId xmlns:a16="http://schemas.microsoft.com/office/drawing/2014/main" id="{6A237E96-41C6-6C4A-B8C5-B6E2AFEF95ED}"/>
-                  </a:ext>
-                </a:extLst>
-              </p:cNvPr>
-              <p:cNvSpPr txBox="1"/>
-              <p:nvPr/>
-            </p:nvSpPr>
-            <p:spPr>
-              <a:xfrm>
-                <a:off x="7222836" y="5089236"/>
-                <a:ext cx="489527" cy="461665"/>
-              </a:xfrm>
-              <a:prstGeom prst="rect">
-                <a:avLst/>
-              </a:prstGeom>
-              <a:noFill/>
-            </p:spPr>
-            <p:txBody>
-              <a:bodyPr wrap="square" rtlCol="0">
-                <a:spAutoFit/>
-              </a:bodyPr>
-              <a:lstStyle/>
-              <a:p>
-                <a:r>
-                  <a:rPr lang="en-US" sz="2400" dirty="0"/>
-                  <a:t>u</a:t>
-                </a:r>
-                <a:r>
-                  <a:rPr lang="en-US" sz="2400" baseline="-25000" dirty="0"/>
-                  <a:t>2</a:t>
-                </a:r>
-              </a:p>
-            </p:txBody>
-          </p:sp>
-        </p:grpSp>
-        <p:sp>
-          <p:nvSpPr>
-            <p:cNvPr id="12" name="TextBox 11">
-              <a:extLst>
-                <a:ext uri="{FF2B5EF4-FFF2-40B4-BE49-F238E27FC236}">
-                  <a16:creationId xmlns:a16="http://schemas.microsoft.com/office/drawing/2014/main" id="{0D1A665C-FE4F-1C49-804D-5498C2F3F2D5}"/>
-                </a:ext>
-              </a:extLst>
-            </p:cNvPr>
-            <p:cNvSpPr txBox="1"/>
-            <p:nvPr/>
-          </p:nvSpPr>
-          <p:spPr>
-            <a:xfrm>
-              <a:off x="2521527" y="3685648"/>
-              <a:ext cx="424871" cy="461665"/>
-            </a:xfrm>
-            <a:prstGeom prst="rect">
-              <a:avLst/>
-            </a:prstGeom>
-            <a:noFill/>
-          </p:spPr>
-          <p:txBody>
-            <a:bodyPr wrap="square" rtlCol="0">
-              <a:spAutoFit/>
-            </a:bodyPr>
-            <a:lstStyle/>
-            <a:p>
-              <a:r>
-                <a:rPr lang="en-US" sz="2400" dirty="0"/>
-                <a:t>u</a:t>
-              </a:r>
-              <a:r>
-                <a:rPr lang="en-US" sz="2400" baseline="-25000" dirty="0"/>
-                <a:t>s</a:t>
-              </a:r>
-            </a:p>
-          </p:txBody>
-        </p:sp>
-        <p:sp>
-          <p:nvSpPr>
-            <p:cNvPr id="13" name="TextBox 12">
-              <a:extLst>
-                <a:ext uri="{FF2B5EF4-FFF2-40B4-BE49-F238E27FC236}">
-                  <a16:creationId xmlns:a16="http://schemas.microsoft.com/office/drawing/2014/main" id="{AFB7ACCD-BDC0-C64F-8EFE-9C79E490B371}"/>
-                </a:ext>
-              </a:extLst>
-            </p:cNvPr>
-            <p:cNvSpPr txBox="1"/>
-            <p:nvPr/>
-          </p:nvSpPr>
-          <p:spPr>
-            <a:xfrm>
-              <a:off x="2918690" y="4272090"/>
-              <a:ext cx="2092035" cy="830997"/>
-            </a:xfrm>
-            <a:prstGeom prst="rect">
-              <a:avLst/>
-            </a:prstGeom>
-            <a:noFill/>
-          </p:spPr>
-          <p:txBody>
-            <a:bodyPr wrap="square" rtlCol="0">
-              <a:spAutoFit/>
-            </a:bodyPr>
-            <a:lstStyle/>
-            <a:p>
-              <a:pPr algn="ctr"/>
-              <a:r>
-                <a:rPr lang="en-US" sz="2400" dirty="0"/>
-                <a:t>𝜌</a:t>
-              </a:r>
-              <a:r>
-                <a:rPr lang="en-US" sz="2400" baseline="-25000" dirty="0"/>
-                <a:t>2</a:t>
-              </a:r>
-              <a:r>
-                <a:rPr lang="en-US" sz="2400" dirty="0"/>
-                <a:t>, P</a:t>
-              </a:r>
-              <a:r>
-                <a:rPr lang="en-US" sz="2400" baseline="-25000" dirty="0"/>
-                <a:t>2</a:t>
-              </a:r>
-            </a:p>
-            <a:p>
-              <a:pPr algn="ctr"/>
-              <a:r>
-                <a:rPr lang="en-US" sz="2400" dirty="0"/>
-                <a:t>(down stream)</a:t>
-              </a:r>
-            </a:p>
-          </p:txBody>
-        </p:sp>
-        <p:sp>
-          <p:nvSpPr>
-            <p:cNvPr id="14" name="TextBox 13">
-              <a:extLst>
-                <a:ext uri="{FF2B5EF4-FFF2-40B4-BE49-F238E27FC236}">
-                  <a16:creationId xmlns:a16="http://schemas.microsoft.com/office/drawing/2014/main" id="{7042EFB9-4957-3642-A193-1ED5A8241B67}"/>
-                </a:ext>
-              </a:extLst>
-            </p:cNvPr>
-            <p:cNvSpPr txBox="1"/>
-            <p:nvPr/>
-          </p:nvSpPr>
-          <p:spPr>
-            <a:xfrm>
-              <a:off x="1863435" y="1782911"/>
-              <a:ext cx="2092035" cy="461665"/>
-            </a:xfrm>
-            <a:prstGeom prst="rect">
-              <a:avLst/>
-            </a:prstGeom>
-            <a:noFill/>
-          </p:spPr>
-          <p:txBody>
-            <a:bodyPr wrap="square" rtlCol="0">
-              <a:spAutoFit/>
-            </a:bodyPr>
-            <a:lstStyle/>
-            <a:p>
-              <a:pPr algn="ctr"/>
-              <a:r>
-                <a:rPr lang="en-US" sz="2400" b="1" dirty="0"/>
-                <a:t>Lab Frame</a:t>
-              </a:r>
-            </a:p>
-          </p:txBody>
-        </p:sp>
-      </p:grpSp>
-      <p:sp>
-        <p:nvSpPr>
           <p:cNvPr id="19" name="Rectangle 18">
             <a:extLst>
               <a:ext uri="{FF2B5EF4-FFF2-40B4-BE49-F238E27FC236}">
@@ -4207,7 +3627,7 @@
         </p:nvSpPr>
         <p:spPr>
           <a:xfrm>
-            <a:off x="5448926" y="2993494"/>
+            <a:off x="5183611" y="2993494"/>
             <a:ext cx="404089" cy="2752436"/>
           </a:xfrm>
           <a:prstGeom prst="rect">
@@ -4247,10 +3667,38 @@
       </p:sp>
       <p:sp>
         <p:nvSpPr>
-          <p:cNvPr id="20" name="Rectangle 19">
-            <a:extLst>
-              <a:ext uri="{FF2B5EF4-FFF2-40B4-BE49-F238E27FC236}">
-                <a16:creationId xmlns:a16="http://schemas.microsoft.com/office/drawing/2014/main" id="{07EF90B7-943C-7D4F-B12F-E2E4C6E7B38D}"/>
+          <p:cNvPr id="2" name="Title 1">
+            <a:extLst>
+              <a:ext uri="{FF2B5EF4-FFF2-40B4-BE49-F238E27FC236}">
+                <a16:creationId xmlns:a16="http://schemas.microsoft.com/office/drawing/2014/main" id="{267A41E9-6B2D-A748-928F-EBF42D97CEC9}"/>
+              </a:ext>
+            </a:extLst>
+          </p:cNvPr>
+          <p:cNvSpPr>
+            <a:spLocks noGrp="1"/>
+          </p:cNvSpPr>
+          <p:nvPr>
+            <p:ph type="title"/>
+          </p:nvPr>
+        </p:nvSpPr>
+        <p:spPr/>
+        <p:txBody>
+          <a:bodyPr/>
+          <a:lstStyle/>
+          <a:p>
+            <a:r>
+              <a:rPr lang="en-US" dirty="0"/>
+              <a:t>Magnetic piston diagram (lab frame, u1=0)</a:t>
+            </a:r>
+          </a:p>
+        </p:txBody>
+      </p:sp>
+      <p:sp>
+        <p:nvSpPr>
+          <p:cNvPr id="5" name="Rectangle 4">
+            <a:extLst>
+              <a:ext uri="{FF2B5EF4-FFF2-40B4-BE49-F238E27FC236}">
+                <a16:creationId xmlns:a16="http://schemas.microsoft.com/office/drawing/2014/main" id="{D18A3860-4375-9148-A03F-3DAC5DFF89F1}"/>
               </a:ext>
             </a:extLst>
           </p:cNvPr>
@@ -4259,16 +3707,16 @@
         </p:nvSpPr>
         <p:spPr>
           <a:xfrm>
-            <a:off x="6137033" y="2993494"/>
-            <a:ext cx="1494690" cy="2752436"/>
+            <a:off x="3216035" y="2993494"/>
+            <a:ext cx="1948873" cy="2752436"/>
           </a:xfrm>
           <a:prstGeom prst="rect">
             <a:avLst/>
           </a:prstGeom>
           <a:solidFill>
-            <a:schemeClr val="accent6">
-              <a:lumMod val="60000"/>
-              <a:lumOff val="40000"/>
+            <a:schemeClr val="accent1">
+              <a:lumMod val="40000"/>
+              <a:lumOff val="60000"/>
             </a:schemeClr>
           </a:solidFill>
         </p:spPr>
@@ -4299,46 +3747,62 @@
       </p:sp>
       <p:sp>
         <p:nvSpPr>
-          <p:cNvPr id="21" name="TextBox 20">
-            <a:extLst>
-              <a:ext uri="{FF2B5EF4-FFF2-40B4-BE49-F238E27FC236}">
-                <a16:creationId xmlns:a16="http://schemas.microsoft.com/office/drawing/2014/main" id="{6C763A41-7D6F-E94E-A1FF-72CAB020E4D5}"/>
-              </a:ext>
-            </a:extLst>
-          </p:cNvPr>
-          <p:cNvSpPr txBox="1"/>
+          <p:cNvPr id="6" name="Rectangle 5">
+            <a:extLst>
+              <a:ext uri="{FF2B5EF4-FFF2-40B4-BE49-F238E27FC236}">
+                <a16:creationId xmlns:a16="http://schemas.microsoft.com/office/drawing/2014/main" id="{AFAD0AD7-684C-894C-8C0B-D95E1E3EA55E}"/>
+              </a:ext>
+            </a:extLst>
+          </p:cNvPr>
+          <p:cNvSpPr/>
           <p:nvPr/>
         </p:nvSpPr>
         <p:spPr>
           <a:xfrm>
-            <a:off x="5853015" y="1860325"/>
-            <a:ext cx="1639270" cy="461665"/>
+            <a:off x="1211742" y="2993494"/>
+            <a:ext cx="1948873" cy="2752436"/>
           </a:xfrm>
           <a:prstGeom prst="rect">
             <a:avLst/>
           </a:prstGeom>
-          <a:noFill/>
-        </p:spPr>
-        <p:txBody>
-          <a:bodyPr wrap="square" rtlCol="0">
-            <a:spAutoFit/>
-          </a:bodyPr>
+          <a:solidFill>
+            <a:schemeClr val="accent2">
+              <a:lumMod val="40000"/>
+              <a:lumOff val="60000"/>
+            </a:schemeClr>
+          </a:solidFill>
+        </p:spPr>
+        <p:style>
+          <a:lnRef idx="2">
+            <a:schemeClr val="accent1">
+              <a:shade val="50000"/>
+            </a:schemeClr>
+          </a:lnRef>
+          <a:fillRef idx="1">
+            <a:schemeClr val="accent1"/>
+          </a:fillRef>
+          <a:effectRef idx="0">
+            <a:schemeClr val="accent1"/>
+          </a:effectRef>
+          <a:fontRef idx="minor">
+            <a:schemeClr val="lt1"/>
+          </a:fontRef>
+        </p:style>
+        <p:txBody>
+          <a:bodyPr rtlCol="0" anchor="ctr"/>
           <a:lstStyle/>
           <a:p>
             <a:pPr algn="ctr"/>
-            <a:r>
-              <a:rPr lang="en-US" sz="2400" dirty="0"/>
-              <a:t>Skin layer</a:t>
-            </a:r>
+            <a:endParaRPr lang="en-US"/>
           </a:p>
         </p:txBody>
       </p:sp>
       <p:cxnSp>
         <p:nvCxnSpPr>
-          <p:cNvPr id="23" name="Straight Arrow Connector 22">
-            <a:extLst>
-              <a:ext uri="{FF2B5EF4-FFF2-40B4-BE49-F238E27FC236}">
-                <a16:creationId xmlns:a16="http://schemas.microsoft.com/office/drawing/2014/main" id="{0490B8D9-88A5-334F-BD8D-D22A6C5A3B74}"/>
+          <p:cNvPr id="7" name="Straight Connector 6">
+            <a:extLst>
+              <a:ext uri="{FF2B5EF4-FFF2-40B4-BE49-F238E27FC236}">
+                <a16:creationId xmlns:a16="http://schemas.microsoft.com/office/drawing/2014/main" id="{A5FEA0E0-71CB-AB42-BCD6-A7EEE8978F30}"/>
               </a:ext>
             </a:extLst>
           </p:cNvPr>
@@ -4346,15 +3810,17 @@
           <p:nvPr/>
         </p:nvCxnSpPr>
         <p:spPr>
-          <a:xfrm flipH="1">
-            <a:off x="5650970" y="2439605"/>
-            <a:ext cx="486063" cy="725626"/>
-          </a:xfrm>
-          <a:prstGeom prst="straightConnector1">
+          <a:xfrm>
+            <a:off x="3188326" y="2982861"/>
+            <a:ext cx="0" cy="2770909"/>
+          </a:xfrm>
+          <a:prstGeom prst="line">
             <a:avLst/>
           </a:prstGeom>
-          <a:ln>
-            <a:tailEnd type="triangle"/>
+          <a:ln w="57150">
+            <a:solidFill>
+              <a:schemeClr val="tx1"/>
+            </a:solidFill>
           </a:ln>
         </p:spPr>
         <p:style>
@@ -4374,10 +3840,10 @@
       </p:cxnSp>
       <p:sp>
         <p:nvSpPr>
-          <p:cNvPr id="24" name="TextBox 23">
-            <a:extLst>
-              <a:ext uri="{FF2B5EF4-FFF2-40B4-BE49-F238E27FC236}">
-                <a16:creationId xmlns:a16="http://schemas.microsoft.com/office/drawing/2014/main" id="{48A44655-D34C-B349-9DD1-800CF078D139}"/>
+          <p:cNvPr id="8" name="TextBox 7">
+            <a:extLst>
+              <a:ext uri="{FF2B5EF4-FFF2-40B4-BE49-F238E27FC236}">
+                <a16:creationId xmlns:a16="http://schemas.microsoft.com/office/drawing/2014/main" id="{808E0E46-9A48-6E4D-A3EF-D915AE14A67E}"/>
               </a:ext>
             </a:extLst>
           </p:cNvPr>
@@ -4386,8 +3852,8 @@
         </p:nvSpPr>
         <p:spPr>
           <a:xfrm>
-            <a:off x="7793497" y="2009618"/>
-            <a:ext cx="1414889" cy="830997"/>
+            <a:off x="1371068" y="4942303"/>
+            <a:ext cx="1630219" cy="830997"/>
           </a:xfrm>
           <a:prstGeom prst="rect">
             <a:avLst/>
@@ -4403,6 +3869,406 @@
             <a:pPr algn="ctr"/>
             <a:r>
               <a:rPr lang="en-US" sz="2400" dirty="0"/>
+              <a:t>𝜌</a:t>
+            </a:r>
+            <a:r>
+              <a:rPr lang="en-US" sz="2400" baseline="-25000" dirty="0"/>
+              <a:t>1</a:t>
+            </a:r>
+            <a:r>
+              <a:rPr lang="en-US" sz="2400" dirty="0"/>
+              <a:t>, P</a:t>
+            </a:r>
+            <a:r>
+              <a:rPr lang="en-US" sz="2400" baseline="-25000" dirty="0"/>
+              <a:t>1</a:t>
+            </a:r>
+          </a:p>
+          <a:p>
+            <a:pPr algn="ctr"/>
+            <a:r>
+              <a:rPr lang="en-US" sz="2400" dirty="0"/>
+              <a:t>(up stream)</a:t>
+            </a:r>
+          </a:p>
+        </p:txBody>
+      </p:sp>
+      <p:cxnSp>
+        <p:nvCxnSpPr>
+          <p:cNvPr id="9" name="Straight Arrow Connector 8">
+            <a:extLst>
+              <a:ext uri="{FF2B5EF4-FFF2-40B4-BE49-F238E27FC236}">
+                <a16:creationId xmlns:a16="http://schemas.microsoft.com/office/drawing/2014/main" id="{EE437F55-5C3D-A545-9BC5-648082475C6B}"/>
+              </a:ext>
+            </a:extLst>
+          </p:cNvPr>
+          <p:cNvCxnSpPr>
+            <a:cxnSpLocks/>
+          </p:cNvCxnSpPr>
+          <p:nvPr/>
+        </p:nvCxnSpPr>
+        <p:spPr>
+          <a:xfrm flipH="1">
+            <a:off x="2661853" y="4369712"/>
+            <a:ext cx="526474" cy="0"/>
+          </a:xfrm>
+          <a:prstGeom prst="straightConnector1">
+            <a:avLst/>
+          </a:prstGeom>
+          <a:ln w="38100">
+            <a:solidFill>
+              <a:schemeClr val="tx1"/>
+            </a:solidFill>
+            <a:tailEnd type="triangle"/>
+          </a:ln>
+        </p:spPr>
+        <p:style>
+          <a:lnRef idx="1">
+            <a:schemeClr val="accent1"/>
+          </a:lnRef>
+          <a:fillRef idx="0">
+            <a:schemeClr val="accent1"/>
+          </a:fillRef>
+          <a:effectRef idx="0">
+            <a:schemeClr val="accent1"/>
+          </a:effectRef>
+          <a:fontRef idx="minor">
+            <a:schemeClr val="tx1"/>
+          </a:fontRef>
+        </p:style>
+      </p:cxnSp>
+      <p:sp>
+        <p:nvSpPr>
+          <p:cNvPr id="16" name="TextBox 15">
+            <a:extLst>
+              <a:ext uri="{FF2B5EF4-FFF2-40B4-BE49-F238E27FC236}">
+                <a16:creationId xmlns:a16="http://schemas.microsoft.com/office/drawing/2014/main" id="{6A237E96-41C6-6C4A-B8C5-B6E2AFEF95ED}"/>
+              </a:ext>
+            </a:extLst>
+          </p:cNvPr>
+          <p:cNvSpPr txBox="1"/>
+          <p:nvPr/>
+        </p:nvSpPr>
+        <p:spPr>
+          <a:xfrm>
+            <a:off x="4510947" y="3755901"/>
+            <a:ext cx="489527" cy="461665"/>
+          </a:xfrm>
+          <a:prstGeom prst="rect">
+            <a:avLst/>
+          </a:prstGeom>
+          <a:noFill/>
+        </p:spPr>
+        <p:txBody>
+          <a:bodyPr wrap="square" rtlCol="0">
+            <a:spAutoFit/>
+          </a:bodyPr>
+          <a:lstStyle/>
+          <a:p>
+            <a:r>
+              <a:rPr lang="en-US" sz="2400" dirty="0"/>
+              <a:t>u</a:t>
+            </a:r>
+            <a:r>
+              <a:rPr lang="en-US" sz="2400" baseline="-25000" dirty="0"/>
+              <a:t>2</a:t>
+            </a:r>
+          </a:p>
+        </p:txBody>
+      </p:sp>
+      <p:cxnSp>
+        <p:nvCxnSpPr>
+          <p:cNvPr id="15" name="Straight Arrow Connector 14">
+            <a:extLst>
+              <a:ext uri="{FF2B5EF4-FFF2-40B4-BE49-F238E27FC236}">
+                <a16:creationId xmlns:a16="http://schemas.microsoft.com/office/drawing/2014/main" id="{4A6663A6-3262-FF4E-A873-A8FE94B3F805}"/>
+              </a:ext>
+            </a:extLst>
+          </p:cNvPr>
+          <p:cNvCxnSpPr>
+            <a:cxnSpLocks/>
+          </p:cNvCxnSpPr>
+          <p:nvPr/>
+        </p:nvCxnSpPr>
+        <p:spPr>
+          <a:xfrm flipH="1">
+            <a:off x="4823163" y="4342342"/>
+            <a:ext cx="341745" cy="0"/>
+          </a:xfrm>
+          <a:prstGeom prst="straightConnector1">
+            <a:avLst/>
+          </a:prstGeom>
+          <a:ln w="38100">
+            <a:solidFill>
+              <a:schemeClr val="tx1"/>
+            </a:solidFill>
+            <a:tailEnd type="triangle"/>
+          </a:ln>
+        </p:spPr>
+        <p:style>
+          <a:lnRef idx="1">
+            <a:schemeClr val="accent1"/>
+          </a:lnRef>
+          <a:fillRef idx="0">
+            <a:schemeClr val="accent1"/>
+          </a:fillRef>
+          <a:effectRef idx="0">
+            <a:schemeClr val="accent1"/>
+          </a:effectRef>
+          <a:fontRef idx="minor">
+            <a:schemeClr val="tx1"/>
+          </a:fontRef>
+        </p:style>
+      </p:cxnSp>
+      <p:sp>
+        <p:nvSpPr>
+          <p:cNvPr id="12" name="TextBox 11">
+            <a:extLst>
+              <a:ext uri="{FF2B5EF4-FFF2-40B4-BE49-F238E27FC236}">
+                <a16:creationId xmlns:a16="http://schemas.microsoft.com/office/drawing/2014/main" id="{0D1A665C-FE4F-1C49-804D-5498C2F3F2D5}"/>
+              </a:ext>
+            </a:extLst>
+          </p:cNvPr>
+          <p:cNvSpPr txBox="1"/>
+          <p:nvPr/>
+        </p:nvSpPr>
+        <p:spPr>
+          <a:xfrm>
+            <a:off x="2772689" y="4342342"/>
+            <a:ext cx="424871" cy="461665"/>
+          </a:xfrm>
+          <a:prstGeom prst="rect">
+            <a:avLst/>
+          </a:prstGeom>
+          <a:noFill/>
+        </p:spPr>
+        <p:txBody>
+          <a:bodyPr wrap="square" rtlCol="0">
+            <a:spAutoFit/>
+          </a:bodyPr>
+          <a:lstStyle/>
+          <a:p>
+            <a:r>
+              <a:rPr lang="en-US" sz="2400" dirty="0"/>
+              <a:t>u</a:t>
+            </a:r>
+            <a:r>
+              <a:rPr lang="en-US" sz="2400" baseline="-25000" dirty="0"/>
+              <a:t>s</a:t>
+            </a:r>
+          </a:p>
+        </p:txBody>
+      </p:sp>
+      <p:sp>
+        <p:nvSpPr>
+          <p:cNvPr id="13" name="TextBox 12">
+            <a:extLst>
+              <a:ext uri="{FF2B5EF4-FFF2-40B4-BE49-F238E27FC236}">
+                <a16:creationId xmlns:a16="http://schemas.microsoft.com/office/drawing/2014/main" id="{AFB7ACCD-BDC0-C64F-8EFE-9C79E490B371}"/>
+              </a:ext>
+            </a:extLst>
+          </p:cNvPr>
+          <p:cNvSpPr txBox="1"/>
+          <p:nvPr/>
+        </p:nvSpPr>
+        <p:spPr>
+          <a:xfrm>
+            <a:off x="3169852" y="4928784"/>
+            <a:ext cx="2092035" cy="830997"/>
+          </a:xfrm>
+          <a:prstGeom prst="rect">
+            <a:avLst/>
+          </a:prstGeom>
+          <a:noFill/>
+        </p:spPr>
+        <p:txBody>
+          <a:bodyPr wrap="square" rtlCol="0">
+            <a:spAutoFit/>
+          </a:bodyPr>
+          <a:lstStyle/>
+          <a:p>
+            <a:pPr algn="ctr"/>
+            <a:r>
+              <a:rPr lang="en-US" sz="2400" dirty="0"/>
+              <a:t>𝜌</a:t>
+            </a:r>
+            <a:r>
+              <a:rPr lang="en-US" sz="2400" baseline="-25000" dirty="0"/>
+              <a:t>2</a:t>
+            </a:r>
+            <a:r>
+              <a:rPr lang="en-US" sz="2400" dirty="0"/>
+              <a:t>, P</a:t>
+            </a:r>
+            <a:r>
+              <a:rPr lang="en-US" sz="2400" baseline="-25000" dirty="0"/>
+              <a:t>2</a:t>
+            </a:r>
+          </a:p>
+          <a:p>
+            <a:pPr algn="ctr"/>
+            <a:r>
+              <a:rPr lang="en-US" sz="2400" dirty="0"/>
+              <a:t>(down stream)</a:t>
+            </a:r>
+          </a:p>
+        </p:txBody>
+      </p:sp>
+      <p:sp>
+        <p:nvSpPr>
+          <p:cNvPr id="14" name="TextBox 13">
+            <a:extLst>
+              <a:ext uri="{FF2B5EF4-FFF2-40B4-BE49-F238E27FC236}">
+                <a16:creationId xmlns:a16="http://schemas.microsoft.com/office/drawing/2014/main" id="{7042EFB9-4957-3642-A193-1ED5A8241B67}"/>
+              </a:ext>
+            </a:extLst>
+          </p:cNvPr>
+          <p:cNvSpPr txBox="1"/>
+          <p:nvPr/>
+        </p:nvSpPr>
+        <p:spPr>
+          <a:xfrm>
+            <a:off x="3054463" y="2091157"/>
+            <a:ext cx="2188889" cy="830997"/>
+          </a:xfrm>
+          <a:prstGeom prst="rect">
+            <a:avLst/>
+          </a:prstGeom>
+          <a:noFill/>
+        </p:spPr>
+        <p:txBody>
+          <a:bodyPr wrap="square" rtlCol="0">
+            <a:spAutoFit/>
+          </a:bodyPr>
+          <a:lstStyle/>
+          <a:p>
+            <a:pPr algn="ctr"/>
+            <a:r>
+              <a:rPr lang="en-US" sz="2400" dirty="0"/>
+              <a:t>Post-shock plasma</a:t>
+            </a:r>
+          </a:p>
+        </p:txBody>
+      </p:sp>
+      <p:sp>
+        <p:nvSpPr>
+          <p:cNvPr id="20" name="Rectangle 19">
+            <a:extLst>
+              <a:ext uri="{FF2B5EF4-FFF2-40B4-BE49-F238E27FC236}">
+                <a16:creationId xmlns:a16="http://schemas.microsoft.com/office/drawing/2014/main" id="{07EF90B7-943C-7D4F-B12F-E2E4C6E7B38D}"/>
+              </a:ext>
+            </a:extLst>
+          </p:cNvPr>
+          <p:cNvSpPr/>
+          <p:nvPr/>
+        </p:nvSpPr>
+        <p:spPr>
+          <a:xfrm>
+            <a:off x="5597777" y="2993494"/>
+            <a:ext cx="1566106" cy="2752436"/>
+          </a:xfrm>
+          <a:prstGeom prst="rect">
+            <a:avLst/>
+          </a:prstGeom>
+          <a:solidFill>
+            <a:schemeClr val="accent6">
+              <a:lumMod val="60000"/>
+              <a:lumOff val="40000"/>
+            </a:schemeClr>
+          </a:solidFill>
+        </p:spPr>
+        <p:style>
+          <a:lnRef idx="2">
+            <a:schemeClr val="accent1">
+              <a:shade val="50000"/>
+            </a:schemeClr>
+          </a:lnRef>
+          <a:fillRef idx="1">
+            <a:schemeClr val="accent1"/>
+          </a:fillRef>
+          <a:effectRef idx="0">
+            <a:schemeClr val="accent1"/>
+          </a:effectRef>
+          <a:fontRef idx="minor">
+            <a:schemeClr val="lt1"/>
+          </a:fontRef>
+        </p:style>
+        <p:txBody>
+          <a:bodyPr rtlCol="0" anchor="ctr"/>
+          <a:lstStyle/>
+          <a:p>
+            <a:pPr algn="ctr"/>
+            <a:endParaRPr lang="en-US"/>
+          </a:p>
+        </p:txBody>
+      </p:sp>
+      <p:sp>
+        <p:nvSpPr>
+          <p:cNvPr id="21" name="TextBox 20">
+            <a:extLst>
+              <a:ext uri="{FF2B5EF4-FFF2-40B4-BE49-F238E27FC236}">
+                <a16:creationId xmlns:a16="http://schemas.microsoft.com/office/drawing/2014/main" id="{6C763A41-7D6F-E94E-A1FF-72CAB020E4D5}"/>
+              </a:ext>
+            </a:extLst>
+          </p:cNvPr>
+          <p:cNvSpPr txBox="1"/>
+          <p:nvPr/>
+        </p:nvSpPr>
+        <p:spPr>
+          <a:xfrm>
+            <a:off x="5385175" y="1860325"/>
+            <a:ext cx="1639270" cy="461665"/>
+          </a:xfrm>
+          <a:prstGeom prst="rect">
+            <a:avLst/>
+          </a:prstGeom>
+          <a:noFill/>
+        </p:spPr>
+        <p:txBody>
+          <a:bodyPr wrap="square" rtlCol="0">
+            <a:spAutoFit/>
+          </a:bodyPr>
+          <a:lstStyle/>
+          <a:p>
+            <a:pPr algn="ctr"/>
+            <a:r>
+              <a:rPr lang="en-US" sz="2400" dirty="0"/>
+              <a:t>Skin layer</a:t>
+            </a:r>
+          </a:p>
+        </p:txBody>
+      </p:sp>
+      <p:sp>
+        <p:nvSpPr>
+          <p:cNvPr id="24" name="TextBox 23">
+            <a:extLst>
+              <a:ext uri="{FF2B5EF4-FFF2-40B4-BE49-F238E27FC236}">
+                <a16:creationId xmlns:a16="http://schemas.microsoft.com/office/drawing/2014/main" id="{48A44655-D34C-B349-9DD1-800CF078D139}"/>
+              </a:ext>
+            </a:extLst>
+          </p:cNvPr>
+          <p:cNvSpPr txBox="1"/>
+          <p:nvPr/>
+        </p:nvSpPr>
+        <p:spPr>
+          <a:xfrm>
+            <a:off x="5738917" y="3973010"/>
+            <a:ext cx="1414889" cy="830997"/>
+          </a:xfrm>
+          <a:prstGeom prst="rect">
+            <a:avLst/>
+          </a:prstGeom>
+          <a:noFill/>
+        </p:spPr>
+        <p:txBody>
+          <a:bodyPr wrap="square" rtlCol="0">
+            <a:spAutoFit/>
+          </a:bodyPr>
+          <a:lstStyle/>
+          <a:p>
+            <a:pPr algn="ctr"/>
+            <a:r>
+              <a:rPr lang="en-US" sz="2400" dirty="0"/>
               <a:t>Vacuum region</a:t>
             </a:r>
           </a:p>
@@ -4422,14 +4288,248 @@
         </p:nvCxnSpPr>
         <p:spPr>
           <a:xfrm flipH="1">
-            <a:off x="7429678" y="2840615"/>
+            <a:off x="7268948" y="3015752"/>
             <a:ext cx="486063" cy="725626"/>
           </a:xfrm>
           <a:prstGeom prst="straightConnector1">
             <a:avLst/>
           </a:prstGeom>
-          <a:ln>
+          <a:ln w="28575">
             <a:tailEnd type="triangle"/>
+          </a:ln>
+        </p:spPr>
+        <p:style>
+          <a:lnRef idx="1">
+            <a:schemeClr val="accent1"/>
+          </a:lnRef>
+          <a:fillRef idx="0">
+            <a:schemeClr val="accent1"/>
+          </a:fillRef>
+          <a:effectRef idx="0">
+            <a:schemeClr val="accent1"/>
+          </a:effectRef>
+          <a:fontRef idx="minor">
+            <a:schemeClr val="tx1"/>
+          </a:fontRef>
+        </p:style>
+      </p:cxnSp>
+      <p:cxnSp>
+        <p:nvCxnSpPr>
+          <p:cNvPr id="26" name="Straight Connector 25">
+            <a:extLst>
+              <a:ext uri="{FF2B5EF4-FFF2-40B4-BE49-F238E27FC236}">
+                <a16:creationId xmlns:a16="http://schemas.microsoft.com/office/drawing/2014/main" id="{52BE0EEF-6398-774A-BED8-C5098BC4BB74}"/>
+              </a:ext>
+            </a:extLst>
+          </p:cNvPr>
+          <p:cNvCxnSpPr/>
+          <p:nvPr/>
+        </p:nvCxnSpPr>
+        <p:spPr>
+          <a:xfrm>
+            <a:off x="7163883" y="2984257"/>
+            <a:ext cx="0" cy="2770909"/>
+          </a:xfrm>
+          <a:prstGeom prst="line">
+            <a:avLst/>
+          </a:prstGeom>
+          <a:ln w="57150">
+            <a:solidFill>
+              <a:schemeClr val="tx1"/>
+            </a:solidFill>
+          </a:ln>
+        </p:spPr>
+        <p:style>
+          <a:lnRef idx="1">
+            <a:schemeClr val="accent1"/>
+          </a:lnRef>
+          <a:fillRef idx="0">
+            <a:schemeClr val="accent1"/>
+          </a:fillRef>
+          <a:effectRef idx="0">
+            <a:schemeClr val="accent1"/>
+          </a:effectRef>
+          <a:fontRef idx="minor">
+            <a:schemeClr val="tx1"/>
+          </a:fontRef>
+        </p:style>
+      </p:cxnSp>
+      <p:sp>
+        <p:nvSpPr>
+          <p:cNvPr id="27" name="TextBox 26">
+            <a:extLst>
+              <a:ext uri="{FF2B5EF4-FFF2-40B4-BE49-F238E27FC236}">
+                <a16:creationId xmlns:a16="http://schemas.microsoft.com/office/drawing/2014/main" id="{DC0D4CB7-0231-B54B-811C-B13867EDC9D9}"/>
+              </a:ext>
+            </a:extLst>
+          </p:cNvPr>
+          <p:cNvSpPr txBox="1"/>
+          <p:nvPr/>
+        </p:nvSpPr>
+        <p:spPr>
+          <a:xfrm>
+            <a:off x="7268947" y="2254938"/>
+            <a:ext cx="2686582" cy="830997"/>
+          </a:xfrm>
+          <a:prstGeom prst="rect">
+            <a:avLst/>
+          </a:prstGeom>
+          <a:noFill/>
+        </p:spPr>
+        <p:txBody>
+          <a:bodyPr wrap="square" rtlCol="0">
+            <a:spAutoFit/>
+          </a:bodyPr>
+          <a:lstStyle/>
+          <a:p>
+            <a:pPr algn="ctr"/>
+            <a:r>
+              <a:rPr lang="en-US" sz="2400" dirty="0"/>
+              <a:t>Power input (dielectric surface)</a:t>
+            </a:r>
+          </a:p>
+        </p:txBody>
+      </p:sp>
+      <p:cxnSp>
+        <p:nvCxnSpPr>
+          <p:cNvPr id="28" name="Straight Arrow Connector 27">
+            <a:extLst>
+              <a:ext uri="{FF2B5EF4-FFF2-40B4-BE49-F238E27FC236}">
+                <a16:creationId xmlns:a16="http://schemas.microsoft.com/office/drawing/2014/main" id="{3ACEC0ED-74F1-3E4D-A596-083FB1181B8A}"/>
+              </a:ext>
+            </a:extLst>
+          </p:cNvPr>
+          <p:cNvCxnSpPr/>
+          <p:nvPr/>
+        </p:nvCxnSpPr>
+        <p:spPr>
+          <a:xfrm flipH="1">
+            <a:off x="5378408" y="2254938"/>
+            <a:ext cx="486063" cy="725626"/>
+          </a:xfrm>
+          <a:prstGeom prst="straightConnector1">
+            <a:avLst/>
+          </a:prstGeom>
+          <a:ln w="28575">
+            <a:tailEnd type="triangle"/>
+          </a:ln>
+        </p:spPr>
+        <p:style>
+          <a:lnRef idx="1">
+            <a:schemeClr val="accent1"/>
+          </a:lnRef>
+          <a:fillRef idx="0">
+            <a:schemeClr val="accent1"/>
+          </a:fillRef>
+          <a:effectRef idx="0">
+            <a:schemeClr val="accent1"/>
+          </a:effectRef>
+          <a:fontRef idx="minor">
+            <a:schemeClr val="tx1"/>
+          </a:fontRef>
+        </p:style>
+      </p:cxnSp>
+      <p:sp>
+        <p:nvSpPr>
+          <p:cNvPr id="29" name="TextBox 28">
+            <a:extLst>
+              <a:ext uri="{FF2B5EF4-FFF2-40B4-BE49-F238E27FC236}">
+                <a16:creationId xmlns:a16="http://schemas.microsoft.com/office/drawing/2014/main" id="{2DC36C3D-C033-0F49-B101-48884E6CF62B}"/>
+              </a:ext>
+            </a:extLst>
+          </p:cNvPr>
+          <p:cNvSpPr txBox="1"/>
+          <p:nvPr/>
+        </p:nvSpPr>
+        <p:spPr>
+          <a:xfrm>
+            <a:off x="1364490" y="2126036"/>
+            <a:ext cx="1689972" cy="830997"/>
+          </a:xfrm>
+          <a:prstGeom prst="rect">
+            <a:avLst/>
+          </a:prstGeom>
+          <a:noFill/>
+        </p:spPr>
+        <p:txBody>
+          <a:bodyPr wrap="square" rtlCol="0">
+            <a:spAutoFit/>
+          </a:bodyPr>
+          <a:lstStyle/>
+          <a:p>
+            <a:pPr algn="ctr"/>
+            <a:r>
+              <a:rPr lang="en-US" sz="2400" dirty="0"/>
+              <a:t>Background gas</a:t>
+            </a:r>
+          </a:p>
+        </p:txBody>
+      </p:sp>
+      <p:cxnSp>
+        <p:nvCxnSpPr>
+          <p:cNvPr id="30" name="Straight Connector 29">
+            <a:extLst>
+              <a:ext uri="{FF2B5EF4-FFF2-40B4-BE49-F238E27FC236}">
+                <a16:creationId xmlns:a16="http://schemas.microsoft.com/office/drawing/2014/main" id="{362C99C7-2437-ED44-949C-00D62866D2DF}"/>
+              </a:ext>
+            </a:extLst>
+          </p:cNvPr>
+          <p:cNvCxnSpPr/>
+          <p:nvPr/>
+        </p:nvCxnSpPr>
+        <p:spPr>
+          <a:xfrm>
+            <a:off x="5165998" y="2992420"/>
+            <a:ext cx="0" cy="2770909"/>
+          </a:xfrm>
+          <a:prstGeom prst="line">
+            <a:avLst/>
+          </a:prstGeom>
+          <a:ln w="57150">
+            <a:solidFill>
+              <a:schemeClr val="tx1"/>
+            </a:solidFill>
+          </a:ln>
+        </p:spPr>
+        <p:style>
+          <a:lnRef idx="1">
+            <a:schemeClr val="accent1"/>
+          </a:lnRef>
+          <a:fillRef idx="0">
+            <a:schemeClr val="accent1"/>
+          </a:fillRef>
+          <a:effectRef idx="0">
+            <a:schemeClr val="accent1"/>
+          </a:effectRef>
+          <a:fontRef idx="minor">
+            <a:schemeClr val="tx1"/>
+          </a:fontRef>
+        </p:style>
+      </p:cxnSp>
+      <p:cxnSp>
+        <p:nvCxnSpPr>
+          <p:cNvPr id="31" name="Straight Connector 30">
+            <a:extLst>
+              <a:ext uri="{FF2B5EF4-FFF2-40B4-BE49-F238E27FC236}">
+                <a16:creationId xmlns:a16="http://schemas.microsoft.com/office/drawing/2014/main" id="{78A59FC0-740A-4744-BDBA-0E308C500A50}"/>
+              </a:ext>
+            </a:extLst>
+          </p:cNvPr>
+          <p:cNvCxnSpPr/>
+          <p:nvPr/>
+        </p:nvCxnSpPr>
+        <p:spPr>
+          <a:xfrm>
+            <a:off x="5628160" y="2982861"/>
+            <a:ext cx="0" cy="2770909"/>
+          </a:xfrm>
+          <a:prstGeom prst="line">
+            <a:avLst/>
+          </a:prstGeom>
+          <a:ln w="57150">
+            <a:solidFill>
+              <a:schemeClr val="tx1"/>
+            </a:solidFill>
           </a:ln>
         </p:spPr>
         <p:style>
@@ -4595,7 +4695,7 @@
           <p:cNvPr id="2" name="Title 1">
             <a:extLst>
               <a:ext uri="{FF2B5EF4-FFF2-40B4-BE49-F238E27FC236}">
-                <a16:creationId xmlns:a16="http://schemas.microsoft.com/office/drawing/2014/main" id="{2378CF8F-4E90-404E-9626-15FCEB3D943F}"/>
+                <a16:creationId xmlns:a16="http://schemas.microsoft.com/office/drawing/2014/main" id="{4BF65E56-3595-124B-8694-FA6B42B27336}"/>
               </a:ext>
             </a:extLst>
           </p:cNvPr>
@@ -4606,6 +4706,89 @@
             <p:ph type="title"/>
           </p:nvPr>
         </p:nvSpPr>
+        <p:spPr/>
+        <p:txBody>
+          <a:bodyPr/>
+          <a:lstStyle/>
+          <a:p>
+            <a:r>
+              <a:rPr lang="en-US" dirty="0"/>
+              <a:t>Equations</a:t>
+            </a:r>
+          </a:p>
+        </p:txBody>
+      </p:sp>
+      <p:sp>
+        <p:nvSpPr>
+          <p:cNvPr id="3" name="Content Placeholder 2">
+            <a:extLst>
+              <a:ext uri="{FF2B5EF4-FFF2-40B4-BE49-F238E27FC236}">
+                <a16:creationId xmlns:a16="http://schemas.microsoft.com/office/drawing/2014/main" id="{4E383D05-3FD2-E841-BD34-E059DF746BBE}"/>
+              </a:ext>
+            </a:extLst>
+          </p:cNvPr>
+          <p:cNvSpPr>
+            <a:spLocks noGrp="1"/>
+          </p:cNvSpPr>
+          <p:nvPr>
+            <p:ph idx="1"/>
+          </p:nvPr>
+        </p:nvSpPr>
+        <p:spPr/>
+        <p:txBody>
+          <a:bodyPr/>
+          <a:lstStyle/>
+          <a:p>
+            <a:endParaRPr lang="en-US"/>
+          </a:p>
+        </p:txBody>
+      </p:sp>
+    </p:spTree>
+    <p:extLst>
+      <p:ext uri="{BB962C8B-B14F-4D97-AF65-F5344CB8AC3E}">
+        <p14:creationId xmlns:p14="http://schemas.microsoft.com/office/powerpoint/2010/main" val="1730703969"/>
+      </p:ext>
+    </p:extLst>
+  </p:cSld>
+  <p:clrMapOvr>
+    <a:masterClrMapping/>
+  </p:clrMapOvr>
+</p:sld>
+</file>
+
+<file path=ppt/slides/slide14.xml><?xml version="1.0" encoding="utf-8"?>
+<p:sld xmlns:a="http://schemas.openxmlformats.org/drawingml/2006/main" xmlns:r="http://schemas.openxmlformats.org/officeDocument/2006/relationships" xmlns:p="http://schemas.openxmlformats.org/presentationml/2006/main">
+  <p:cSld>
+    <p:spTree>
+      <p:nvGrpSpPr>
+        <p:cNvPr id="1" name=""/>
+        <p:cNvGrpSpPr/>
+        <p:nvPr/>
+      </p:nvGrpSpPr>
+      <p:grpSpPr>
+        <a:xfrm>
+          <a:off x="0" y="0"/>
+          <a:ext cx="0" cy="0"/>
+          <a:chOff x="0" y="0"/>
+          <a:chExt cx="0" cy="0"/>
+        </a:xfrm>
+      </p:grpSpPr>
+      <p:sp>
+        <p:nvSpPr>
+          <p:cNvPr id="2" name="Title 1">
+            <a:extLst>
+              <a:ext uri="{FF2B5EF4-FFF2-40B4-BE49-F238E27FC236}">
+                <a16:creationId xmlns:a16="http://schemas.microsoft.com/office/drawing/2014/main" id="{2378CF8F-4E90-404E-9626-15FCEB3D943F}"/>
+              </a:ext>
+            </a:extLst>
+          </p:cNvPr>
+          <p:cNvSpPr>
+            <a:spLocks noGrp="1"/>
+          </p:cNvSpPr>
+          <p:nvPr>
+            <p:ph type="title"/>
+          </p:nvPr>
+        </p:nvSpPr>
         <p:spPr>
           <a:xfrm>
             <a:off x="419725" y="365125"/>
@@ -4625,11 +4808,11 @@
       </p:sp>
       <p:pic>
         <p:nvPicPr>
-          <p:cNvPr id="13" name="dpf1Dmovie_vSX2gY.mp4">
+          <p:cNvPr id="15" name="dpf1Dmovie_5YImyk.mp4">
             <a:hlinkClick r:id="" action="ppaction://media"/>
             <a:extLst>
               <a:ext uri="{FF2B5EF4-FFF2-40B4-BE49-F238E27FC236}">
-                <a16:creationId xmlns:a16="http://schemas.microsoft.com/office/drawing/2014/main" id="{45E12ED5-60FA-3941-A8F8-0BA87BCEA65C}"/>
+                <a16:creationId xmlns:a16="http://schemas.microsoft.com/office/drawing/2014/main" id="{66EE5771-2FAB-294B-9160-BB457E00153C}"/>
               </a:ext>
             </a:extLst>
           </p:cNvPr>
@@ -4648,13 +4831,13 @@
         </p:nvPicPr>
         <p:blipFill rotWithShape="1">
           <a:blip r:embed="rId4"/>
-          <a:srcRect l="8190" r="1461"/>
+          <a:srcRect l="8553" t="5619" r="1013" b="1691"/>
           <a:stretch/>
         </p:blipFill>
         <p:spPr>
           <a:xfrm>
-            <a:off x="570867" y="1813809"/>
-            <a:ext cx="11289351" cy="4138743"/>
+            <a:off x="535031" y="2052084"/>
+            <a:ext cx="11190555" cy="3766052"/>
           </a:xfrm>
         </p:spPr>
       </p:pic>
@@ -4696,9 +4879,9 @@
                                   <p:childTnLst>
                                     <p:cmd type="call" cmd="playFrom(0.0)">
                                       <p:cBhvr>
-                                        <p:cTn id="6" dur="40500" fill="hold"/>
+                                        <p:cTn id="6" dur="40250" fill="hold"/>
                                         <p:tgtEl>
-                                          <p:spTgt spid="13"/>
+                                          <p:spTgt spid="15"/>
                                         </p:tgtEl>
                                       </p:cBhvr>
                                     </p:cmd>
@@ -4736,7 +4919,7 @@
                   </p:stCondLst>
                 </p:cTn>
                 <p:tgtEl>
-                  <p:spTgt spid="13"/>
+                  <p:spTgt spid="15"/>
                 </p:tgtEl>
               </p:cMediaNode>
             </p:video>
@@ -4745,7 +4928,7 @@
                 <p:stCondLst>
                   <p:cond evt="onClick" delay="0">
                     <p:tgtEl>
-                      <p:spTgt spid="13"/>
+                      <p:spTgt spid="15"/>
                     </p:tgtEl>
                   </p:cond>
                 </p:stCondLst>
@@ -4775,7 +4958,7 @@
                                       <p:cBhvr>
                                         <p:cTn id="12" dur="1" fill="hold"/>
                                         <p:tgtEl>
-                                          <p:spTgt spid="13"/>
+                                          <p:spTgt spid="15"/>
                                         </p:tgtEl>
                                       </p:cBhvr>
                                     </p:cmd>
@@ -4793,7 +4976,7 @@
               <p:nextCondLst>
                 <p:cond evt="onClick" delay="0">
                   <p:tgtEl>
-                    <p:spTgt spid="13"/>
+                    <p:spTgt spid="15"/>
                   </p:tgtEl>
                 </p:cond>
               </p:nextCondLst>
@@ -4803,92 +4986,6 @@
       </p:par>
     </p:tnLst>
   </p:timing>
-</p:sld>
-</file>
-
-<file path=ppt/slides/slide14.xml><?xml version="1.0" encoding="utf-8"?>
-<p:sld xmlns:a="http://schemas.openxmlformats.org/drawingml/2006/main" xmlns:r="http://schemas.openxmlformats.org/officeDocument/2006/relationships" xmlns:p="http://schemas.openxmlformats.org/presentationml/2006/main">
-  <p:cSld>
-    <p:spTree>
-      <p:nvGrpSpPr>
-        <p:cNvPr id="1" name=""/>
-        <p:cNvGrpSpPr/>
-        <p:nvPr/>
-      </p:nvGrpSpPr>
-      <p:grpSpPr>
-        <a:xfrm>
-          <a:off x="0" y="0"/>
-          <a:ext cx="0" cy="0"/>
-          <a:chOff x="0" y="0"/>
-          <a:chExt cx="0" cy="0"/>
-        </a:xfrm>
-      </p:grpSpPr>
-      <p:sp>
-        <p:nvSpPr>
-          <p:cNvPr id="2" name="Title 1">
-            <a:extLst>
-              <a:ext uri="{FF2B5EF4-FFF2-40B4-BE49-F238E27FC236}">
-                <a16:creationId xmlns:a16="http://schemas.microsoft.com/office/drawing/2014/main" id="{688CBED5-E0A6-8C42-995C-08B1271878F7}"/>
-              </a:ext>
-            </a:extLst>
-          </p:cNvPr>
-          <p:cNvSpPr>
-            <a:spLocks noGrp="1"/>
-          </p:cNvSpPr>
-          <p:nvPr>
-            <p:ph type="title"/>
-          </p:nvPr>
-        </p:nvSpPr>
-        <p:spPr/>
-        <p:txBody>
-          <a:bodyPr/>
-          <a:lstStyle/>
-          <a:p>
-            <a:r>
-              <a:rPr lang="en-US" dirty="0"/>
-              <a:t>Stagnation in Cartesian occur at r=R/10</a:t>
-            </a:r>
-          </a:p>
-        </p:txBody>
-      </p:sp>
-      <p:pic>
-        <p:nvPicPr>
-          <p:cNvPr id="5" name="Content Placeholder 4">
-            <a:extLst>
-              <a:ext uri="{FF2B5EF4-FFF2-40B4-BE49-F238E27FC236}">
-                <a16:creationId xmlns:a16="http://schemas.microsoft.com/office/drawing/2014/main" id="{C13AE91D-3427-DC46-A156-EB3B91C1E44C}"/>
-              </a:ext>
-            </a:extLst>
-          </p:cNvPr>
-          <p:cNvPicPr>
-            <a:picLocks noGrp="1" noChangeAspect="1"/>
-          </p:cNvPicPr>
-          <p:nvPr>
-            <p:ph idx="1"/>
-          </p:nvPr>
-        </p:nvPicPr>
-        <p:blipFill rotWithShape="1">
-          <a:blip r:embed="rId2"/>
-          <a:srcRect l="8280" r="6474"/>
-          <a:stretch/>
-        </p:blipFill>
-        <p:spPr>
-          <a:xfrm>
-            <a:off x="314983" y="1690688"/>
-            <a:ext cx="11562034" cy="4453572"/>
-          </a:xfrm>
-        </p:spPr>
-      </p:pic>
-    </p:spTree>
-    <p:extLst>
-      <p:ext uri="{BB962C8B-B14F-4D97-AF65-F5344CB8AC3E}">
-        <p14:creationId xmlns:p14="http://schemas.microsoft.com/office/powerpoint/2010/main" val="2079241950"/>
-      </p:ext>
-    </p:extLst>
-  </p:cSld>
-  <p:clrMapOvr>
-    <a:masterClrMapping/>
-  </p:clrMapOvr>
 </p:sld>
 </file>
 
@@ -4914,7 +5011,7 @@
           <p:cNvPr id="2" name="Title 1">
             <a:extLst>
               <a:ext uri="{FF2B5EF4-FFF2-40B4-BE49-F238E27FC236}">
-                <a16:creationId xmlns:a16="http://schemas.microsoft.com/office/drawing/2014/main" id="{E6A1D61F-CE23-2342-A1E7-F8D58540638E}"/>
+                <a16:creationId xmlns:a16="http://schemas.microsoft.com/office/drawing/2014/main" id="{688CBED5-E0A6-8C42-995C-08B1271878F7}"/>
               </a:ext>
             </a:extLst>
           </p:cNvPr>
@@ -4925,306 +5022,24 @@
             <p:ph type="title"/>
           </p:nvPr>
         </p:nvSpPr>
-        <p:spPr>
-          <a:xfrm>
-            <a:off x="838200" y="257549"/>
-            <a:ext cx="10515600" cy="1325563"/>
-          </a:xfrm>
-        </p:spPr>
-        <p:txBody>
-          <a:bodyPr>
-            <a:normAutofit/>
-          </a:bodyPr>
-          <a:lstStyle/>
-          <a:p>
-            <a:r>
-              <a:rPr lang="en-US" sz="3600" dirty="0"/>
-              <a:t>Rate of Energy input into magnetic field is the same as rate of energy input into plasma for small skin layer</a:t>
-            </a:r>
-          </a:p>
-        </p:txBody>
-      </p:sp>
-      <p:sp>
-        <p:nvSpPr>
-          <p:cNvPr id="5" name="TextBox 4">
-            <a:extLst>
-              <a:ext uri="{FF2B5EF4-FFF2-40B4-BE49-F238E27FC236}">
-                <a16:creationId xmlns:a16="http://schemas.microsoft.com/office/drawing/2014/main" id="{B962A51E-370B-2044-AC42-629FE708C269}"/>
-              </a:ext>
-            </a:extLst>
-          </p:cNvPr>
-          <p:cNvSpPr txBox="1"/>
-          <p:nvPr/>
-        </p:nvSpPr>
-        <p:spPr>
-          <a:xfrm>
-            <a:off x="7249555" y="2592459"/>
-            <a:ext cx="4076242" cy="1107996"/>
-          </a:xfrm>
-          <a:prstGeom prst="rect">
-            <a:avLst/>
-          </a:prstGeom>
-          <a:noFill/>
-        </p:spPr>
-        <p:txBody>
-          <a:bodyPr wrap="square" rtlCol="0">
-            <a:spAutoFit/>
-          </a:bodyPr>
-          <a:lstStyle/>
-          <a:p>
-            <a:pPr marL="285750" indent="-285750">
-              <a:buFont typeface="Arial" panose="020B0604020202020204" pitchFamily="34" charset="0"/>
-              <a:buChar char="•"/>
-            </a:pPr>
-            <a:r>
-              <a:rPr lang="en-US" sz="2200" dirty="0" err="1"/>
-              <a:t>E</a:t>
-            </a:r>
-            <a:r>
-              <a:rPr lang="en-US" sz="2200" baseline="-25000" dirty="0" err="1"/>
-              <a:t>z</a:t>
-            </a:r>
-            <a:r>
-              <a:rPr lang="en-US" sz="2200" dirty="0"/>
-              <a:t>(R) and B</a:t>
-            </a:r>
-            <a:r>
-              <a:rPr lang="en-US" sz="2200" baseline="-25000" dirty="0"/>
-              <a:t>y</a:t>
-            </a:r>
-            <a:r>
-              <a:rPr lang="en-US" sz="2200" dirty="0"/>
-              <a:t>(R) are fields at r=R</a:t>
-            </a:r>
-          </a:p>
-          <a:p>
-            <a:pPr marL="285750" indent="-285750">
-              <a:buFont typeface="Arial" panose="020B0604020202020204" pitchFamily="34" charset="0"/>
-              <a:buChar char="•"/>
-            </a:pPr>
-            <a:r>
-              <a:rPr lang="en-US" sz="2200" dirty="0"/>
-              <a:t>u</a:t>
-            </a:r>
-            <a:r>
-              <a:rPr lang="en-US" sz="2200" baseline="-25000" dirty="0"/>
-              <a:t>x2</a:t>
-            </a:r>
-            <a:r>
-              <a:rPr lang="en-US" sz="2200" dirty="0"/>
-              <a:t> is piston velocity at skin layer</a:t>
-            </a:r>
-          </a:p>
-        </p:txBody>
-      </p:sp>
-      <p:sp>
-        <p:nvSpPr>
-          <p:cNvPr id="9" name="TextBox 8">
-            <a:extLst>
-              <a:ext uri="{FF2B5EF4-FFF2-40B4-BE49-F238E27FC236}">
-                <a16:creationId xmlns:a16="http://schemas.microsoft.com/office/drawing/2014/main" id="{95CDD9B4-2C0D-8F4B-821D-7BD58071118A}"/>
-              </a:ext>
-            </a:extLst>
-          </p:cNvPr>
-          <p:cNvSpPr txBox="1"/>
-          <p:nvPr/>
-        </p:nvSpPr>
-        <p:spPr>
-          <a:xfrm>
-            <a:off x="838196" y="2001233"/>
-            <a:ext cx="2731265" cy="461665"/>
-          </a:xfrm>
-          <a:prstGeom prst="rect">
-            <a:avLst/>
-          </a:prstGeom>
-          <a:noFill/>
-        </p:spPr>
-        <p:txBody>
-          <a:bodyPr wrap="square" rtlCol="0">
-            <a:spAutoFit/>
-          </a:bodyPr>
-          <a:lstStyle/>
-          <a:p>
-            <a:r>
-              <a:rPr lang="en-US" sz="2400" b="1" dirty="0"/>
-              <a:t>From Ampere’s law</a:t>
-            </a:r>
-          </a:p>
-        </p:txBody>
-      </p:sp>
-      <p:sp>
-        <p:nvSpPr>
-          <p:cNvPr id="10" name="TextBox 9">
-            <a:extLst>
-              <a:ext uri="{FF2B5EF4-FFF2-40B4-BE49-F238E27FC236}">
-                <a16:creationId xmlns:a16="http://schemas.microsoft.com/office/drawing/2014/main" id="{D8CDD6DF-431D-8641-AD58-D046502E1669}"/>
-              </a:ext>
-            </a:extLst>
-          </p:cNvPr>
-          <p:cNvSpPr txBox="1"/>
-          <p:nvPr/>
-        </p:nvSpPr>
-        <p:spPr>
-          <a:xfrm>
-            <a:off x="838196" y="3534651"/>
-            <a:ext cx="6928693" cy="461665"/>
-          </a:xfrm>
-          <a:prstGeom prst="rect">
-            <a:avLst/>
-          </a:prstGeom>
-          <a:noFill/>
-        </p:spPr>
-        <p:txBody>
-          <a:bodyPr wrap="square" rtlCol="0">
-            <a:spAutoFit/>
-          </a:bodyPr>
-          <a:lstStyle/>
-          <a:p>
-            <a:r>
-              <a:rPr lang="en-US" sz="2400" b="1" dirty="0"/>
-              <a:t>From Logic (B propagates in like a square pulse)</a:t>
+        <p:spPr/>
+        <p:txBody>
+          <a:bodyPr/>
+          <a:lstStyle/>
+          <a:p>
+            <a:r>
+              <a:rPr lang="en-US" dirty="0"/>
+              <a:t>Stagnation occurs at x=R/10 in Cartesian</a:t>
             </a:r>
           </a:p>
         </p:txBody>
       </p:sp>
       <p:pic>
         <p:nvPicPr>
-          <p:cNvPr id="13" name="Picture 12">
-            <a:extLst>
-              <a:ext uri="{FF2B5EF4-FFF2-40B4-BE49-F238E27FC236}">
-                <a16:creationId xmlns:a16="http://schemas.microsoft.com/office/drawing/2014/main" id="{177DE85A-B755-C743-85EC-F1E658EC27A7}"/>
-              </a:ext>
-            </a:extLst>
-          </p:cNvPr>
-          <p:cNvPicPr>
-            <a:picLocks noChangeAspect="1"/>
-          </p:cNvPicPr>
-          <p:nvPr/>
-        </p:nvPicPr>
-        <p:blipFill>
-          <a:blip r:embed="rId2"/>
-          <a:stretch>
-            <a:fillRect/>
-          </a:stretch>
-        </p:blipFill>
-        <p:spPr>
-          <a:xfrm>
-            <a:off x="838198" y="5507885"/>
-            <a:ext cx="9836225" cy="740946"/>
-          </a:xfrm>
-          <a:prstGeom prst="rect">
-            <a:avLst/>
-          </a:prstGeom>
-        </p:spPr>
-      </p:pic>
-      <p:pic>
-        <p:nvPicPr>
-          <p:cNvPr id="14" name="Picture 13">
-            <a:extLst>
-              <a:ext uri="{FF2B5EF4-FFF2-40B4-BE49-F238E27FC236}">
-                <a16:creationId xmlns:a16="http://schemas.microsoft.com/office/drawing/2014/main" id="{9A77C91F-CEB4-634C-A7F9-604775C66B46}"/>
-              </a:ext>
-            </a:extLst>
-          </p:cNvPr>
-          <p:cNvPicPr>
-            <a:picLocks noChangeAspect="1"/>
-          </p:cNvPicPr>
-          <p:nvPr/>
-        </p:nvPicPr>
-        <p:blipFill>
-          <a:blip r:embed="rId3"/>
-          <a:stretch>
-            <a:fillRect/>
-          </a:stretch>
-        </p:blipFill>
-        <p:spPr>
-          <a:xfrm>
-            <a:off x="838197" y="3996316"/>
-            <a:ext cx="9970265" cy="661710"/>
-          </a:xfrm>
-          <a:prstGeom prst="rect">
-            <a:avLst/>
-          </a:prstGeom>
-        </p:spPr>
-      </p:pic>
-      <p:sp>
-        <p:nvSpPr>
-          <p:cNvPr id="15" name="TextBox 14">
-            <a:extLst>
-              <a:ext uri="{FF2B5EF4-FFF2-40B4-BE49-F238E27FC236}">
-                <a16:creationId xmlns:a16="http://schemas.microsoft.com/office/drawing/2014/main" id="{A13BDA67-A6C7-B24E-9752-8A4C85607383}"/>
-              </a:ext>
-            </a:extLst>
-          </p:cNvPr>
-          <p:cNvSpPr txBox="1"/>
-          <p:nvPr/>
-        </p:nvSpPr>
-        <p:spPr>
-          <a:xfrm>
-            <a:off x="838197" y="5007994"/>
-            <a:ext cx="6928693" cy="461665"/>
-          </a:xfrm>
-          <a:prstGeom prst="rect">
-            <a:avLst/>
-          </a:prstGeom>
-          <a:noFill/>
-        </p:spPr>
-        <p:txBody>
-          <a:bodyPr wrap="square" rtlCol="0">
-            <a:spAutoFit/>
-          </a:bodyPr>
-          <a:lstStyle/>
-          <a:p>
-            <a:r>
-              <a:rPr lang="en-US" sz="2400" b="1" dirty="0"/>
-              <a:t>From total energy conservation</a:t>
-            </a:r>
-          </a:p>
-        </p:txBody>
-      </p:sp>
-      <p:pic>
-        <p:nvPicPr>
-          <p:cNvPr id="16" name="Picture 15">
-            <a:extLst>
-              <a:ext uri="{FF2B5EF4-FFF2-40B4-BE49-F238E27FC236}">
-                <a16:creationId xmlns:a16="http://schemas.microsoft.com/office/drawing/2014/main" id="{E2DAA73F-635E-6946-A78E-29025CCF0887}"/>
-              </a:ext>
-            </a:extLst>
-          </p:cNvPr>
-          <p:cNvPicPr>
-            <a:picLocks noChangeAspect="1"/>
-          </p:cNvPicPr>
-          <p:nvPr/>
-        </p:nvPicPr>
-        <p:blipFill rotWithShape="1">
-          <a:blip r:embed="rId4"/>
-          <a:srcRect l="5198"/>
-          <a:stretch/>
-        </p:blipFill>
-        <p:spPr>
-          <a:xfrm>
-            <a:off x="5720663" y="1526939"/>
-            <a:ext cx="4953760" cy="718874"/>
-          </a:xfrm>
-          <a:prstGeom prst="rect">
-            <a:avLst/>
-          </a:prstGeom>
-          <a:solidFill>
-            <a:srgbClr val="FFFF00"/>
-          </a:solidFill>
-          <a:ln>
-            <a:solidFill>
-              <a:srgbClr val="FF0000"/>
-            </a:solidFill>
-          </a:ln>
-        </p:spPr>
-      </p:pic>
-      <p:pic>
-        <p:nvPicPr>
-          <p:cNvPr id="19" name="Content Placeholder 18">
-            <a:extLst>
-              <a:ext uri="{FF2B5EF4-FFF2-40B4-BE49-F238E27FC236}">
-                <a16:creationId xmlns:a16="http://schemas.microsoft.com/office/drawing/2014/main" id="{70C307D2-E482-BF46-87DE-85EC914F20B0}"/>
+          <p:cNvPr id="7" name="Content Placeholder 6">
+            <a:extLst>
+              <a:ext uri="{FF2B5EF4-FFF2-40B4-BE49-F238E27FC236}">
+                <a16:creationId xmlns:a16="http://schemas.microsoft.com/office/drawing/2014/main" id="{14F4037B-4A9D-C543-AAFE-1DC3B38F4D83}"/>
               </a:ext>
             </a:extLst>
           </p:cNvPr>
@@ -5235,26 +5050,22 @@
             <p:ph idx="1"/>
           </p:nvPr>
         </p:nvPicPr>
-        <p:blipFill>
-          <a:blip r:embed="rId5"/>
-          <a:stretch>
-            <a:fillRect/>
-          </a:stretch>
+        <p:blipFill rotWithShape="1">
+          <a:blip r:embed="rId2"/>
+          <a:srcRect l="8106" t="5866" r="6251" b="2986"/>
+          <a:stretch/>
         </p:blipFill>
         <p:spPr>
           <a:xfrm>
-            <a:off x="838196" y="2556958"/>
-            <a:ext cx="5320688" cy="617200"/>
-          </a:xfrm>
-          <a:prstGeom prst="rect">
-            <a:avLst/>
-          </a:prstGeom>
+            <a:off x="431249" y="1967023"/>
+            <a:ext cx="11318073" cy="3955312"/>
+          </a:xfrm>
         </p:spPr>
       </p:pic>
     </p:spTree>
     <p:extLst>
       <p:ext uri="{BB962C8B-B14F-4D97-AF65-F5344CB8AC3E}">
-        <p14:creationId xmlns:p14="http://schemas.microsoft.com/office/powerpoint/2010/main" val="2260145392"/>
+        <p14:creationId xmlns:p14="http://schemas.microsoft.com/office/powerpoint/2010/main" val="2079241950"/>
       </p:ext>
     </p:extLst>
   </p:cSld>
@@ -5286,7 +5097,7 @@
           <p:cNvPr id="2" name="Title 1">
             <a:extLst>
               <a:ext uri="{FF2B5EF4-FFF2-40B4-BE49-F238E27FC236}">
-                <a16:creationId xmlns:a16="http://schemas.microsoft.com/office/drawing/2014/main" id="{7DA3F17B-C6E8-E045-8A2D-BB18B6162417}"/>
+                <a16:creationId xmlns:a16="http://schemas.microsoft.com/office/drawing/2014/main" id="{E6A1D61F-CE23-2342-A1E7-F8D58540638E}"/>
               </a:ext>
             </a:extLst>
           </p:cNvPr>
@@ -5297,24 +5108,174 @@
             <p:ph type="title"/>
           </p:nvPr>
         </p:nvSpPr>
-        <p:spPr/>
-        <p:txBody>
-          <a:bodyPr/>
-          <a:lstStyle/>
-          <a:p>
-            <a:r>
-              <a:rPr lang="en-US" dirty="0"/>
-              <a:t>Total thermal energy at stagnation equals total energy in magnetic field</a:t>
+        <p:spPr>
+          <a:xfrm>
+            <a:off x="838200" y="257549"/>
+            <a:ext cx="10515600" cy="1325563"/>
+          </a:xfrm>
+        </p:spPr>
+        <p:txBody>
+          <a:bodyPr>
+            <a:normAutofit/>
+          </a:bodyPr>
+          <a:lstStyle/>
+          <a:p>
+            <a:r>
+              <a:rPr lang="en-US" sz="3600" dirty="0"/>
+              <a:t>Rate of Energy input into magnetic field is the same as rate of energy input into plasma for small skin layer</a:t>
+            </a:r>
+          </a:p>
+        </p:txBody>
+      </p:sp>
+      <p:sp>
+        <p:nvSpPr>
+          <p:cNvPr id="5" name="TextBox 4">
+            <a:extLst>
+              <a:ext uri="{FF2B5EF4-FFF2-40B4-BE49-F238E27FC236}">
+                <a16:creationId xmlns:a16="http://schemas.microsoft.com/office/drawing/2014/main" id="{B962A51E-370B-2044-AC42-629FE708C269}"/>
+              </a:ext>
+            </a:extLst>
+          </p:cNvPr>
+          <p:cNvSpPr txBox="1"/>
+          <p:nvPr/>
+        </p:nvSpPr>
+        <p:spPr>
+          <a:xfrm>
+            <a:off x="7249555" y="2592459"/>
+            <a:ext cx="4076242" cy="1107996"/>
+          </a:xfrm>
+          <a:prstGeom prst="rect">
+            <a:avLst/>
+          </a:prstGeom>
+          <a:noFill/>
+        </p:spPr>
+        <p:txBody>
+          <a:bodyPr wrap="square" rtlCol="0">
+            <a:spAutoFit/>
+          </a:bodyPr>
+          <a:lstStyle/>
+          <a:p>
+            <a:pPr marL="285750" indent="-285750">
+              <a:buFont typeface="Arial" panose="020B0604020202020204" pitchFamily="34" charset="0"/>
+              <a:buChar char="•"/>
+            </a:pPr>
+            <a:r>
+              <a:rPr lang="en-US" sz="2200" dirty="0" err="1"/>
+              <a:t>E</a:t>
+            </a:r>
+            <a:r>
+              <a:rPr lang="en-US" sz="2200" baseline="-25000" dirty="0" err="1"/>
+              <a:t>z</a:t>
+            </a:r>
+            <a:r>
+              <a:rPr lang="en-US" sz="2200" dirty="0"/>
+              <a:t>(R) and B</a:t>
+            </a:r>
+            <a:r>
+              <a:rPr lang="en-US" sz="2200" baseline="-25000" dirty="0"/>
+              <a:t>y</a:t>
+            </a:r>
+            <a:r>
+              <a:rPr lang="en-US" sz="2200" dirty="0"/>
+              <a:t>(R) are fields at r=R</a:t>
+            </a:r>
+          </a:p>
+          <a:p>
+            <a:pPr marL="285750" indent="-285750">
+              <a:buFont typeface="Arial" panose="020B0604020202020204" pitchFamily="34" charset="0"/>
+              <a:buChar char="•"/>
+            </a:pPr>
+            <a:r>
+              <a:rPr lang="en-US" sz="2200" dirty="0"/>
+              <a:t>u</a:t>
+            </a:r>
+            <a:r>
+              <a:rPr lang="en-US" sz="2200" baseline="-25000" dirty="0"/>
+              <a:t>x2</a:t>
+            </a:r>
+            <a:r>
+              <a:rPr lang="en-US" sz="2200" dirty="0"/>
+              <a:t> is piston velocity at skin layer</a:t>
+            </a:r>
+          </a:p>
+        </p:txBody>
+      </p:sp>
+      <p:sp>
+        <p:nvSpPr>
+          <p:cNvPr id="9" name="TextBox 8">
+            <a:extLst>
+              <a:ext uri="{FF2B5EF4-FFF2-40B4-BE49-F238E27FC236}">
+                <a16:creationId xmlns:a16="http://schemas.microsoft.com/office/drawing/2014/main" id="{95CDD9B4-2C0D-8F4B-821D-7BD58071118A}"/>
+              </a:ext>
+            </a:extLst>
+          </p:cNvPr>
+          <p:cNvSpPr txBox="1"/>
+          <p:nvPr/>
+        </p:nvSpPr>
+        <p:spPr>
+          <a:xfrm>
+            <a:off x="838196" y="2001233"/>
+            <a:ext cx="2731265" cy="461665"/>
+          </a:xfrm>
+          <a:prstGeom prst="rect">
+            <a:avLst/>
+          </a:prstGeom>
+          <a:noFill/>
+        </p:spPr>
+        <p:txBody>
+          <a:bodyPr wrap="square" rtlCol="0">
+            <a:spAutoFit/>
+          </a:bodyPr>
+          <a:lstStyle/>
+          <a:p>
+            <a:r>
+              <a:rPr lang="en-US" sz="2400" b="1" dirty="0"/>
+              <a:t>From Ampere’s law</a:t>
+            </a:r>
+          </a:p>
+        </p:txBody>
+      </p:sp>
+      <p:sp>
+        <p:nvSpPr>
+          <p:cNvPr id="10" name="TextBox 9">
+            <a:extLst>
+              <a:ext uri="{FF2B5EF4-FFF2-40B4-BE49-F238E27FC236}">
+                <a16:creationId xmlns:a16="http://schemas.microsoft.com/office/drawing/2014/main" id="{D8CDD6DF-431D-8641-AD58-D046502E1669}"/>
+              </a:ext>
+            </a:extLst>
+          </p:cNvPr>
+          <p:cNvSpPr txBox="1"/>
+          <p:nvPr/>
+        </p:nvSpPr>
+        <p:spPr>
+          <a:xfrm>
+            <a:off x="838196" y="3534651"/>
+            <a:ext cx="6928693" cy="461665"/>
+          </a:xfrm>
+          <a:prstGeom prst="rect">
+            <a:avLst/>
+          </a:prstGeom>
+          <a:noFill/>
+        </p:spPr>
+        <p:txBody>
+          <a:bodyPr wrap="square" rtlCol="0">
+            <a:spAutoFit/>
+          </a:bodyPr>
+          <a:lstStyle/>
+          <a:p>
+            <a:r>
+              <a:rPr lang="en-US" sz="2400" b="1" dirty="0"/>
+              <a:t>From Logic (B propagates in like a square pulse)</a:t>
             </a:r>
           </a:p>
         </p:txBody>
       </p:sp>
       <p:pic>
         <p:nvPicPr>
-          <p:cNvPr id="4" name="Picture 3">
-            <a:extLst>
-              <a:ext uri="{FF2B5EF4-FFF2-40B4-BE49-F238E27FC236}">
-                <a16:creationId xmlns:a16="http://schemas.microsoft.com/office/drawing/2014/main" id="{9DFFA495-D9A2-6A4D-91EC-7044242D734A}"/>
+          <p:cNvPr id="14" name="Picture 13">
+            <a:extLst>
+              <a:ext uri="{FF2B5EF4-FFF2-40B4-BE49-F238E27FC236}">
+                <a16:creationId xmlns:a16="http://schemas.microsoft.com/office/drawing/2014/main" id="{9A77C91F-CEB4-634C-A7F9-604775C66B46}"/>
               </a:ext>
             </a:extLst>
           </p:cNvPr>
@@ -5331,27 +5292,64 @@
         </p:blipFill>
         <p:spPr>
           <a:xfrm>
-            <a:off x="838200" y="2078411"/>
-            <a:ext cx="4442012" cy="730311"/>
+            <a:off x="838197" y="3996316"/>
+            <a:ext cx="9970265" cy="661710"/>
           </a:xfrm>
           <a:prstGeom prst="rect">
             <a:avLst/>
           </a:prstGeom>
         </p:spPr>
       </p:pic>
+      <p:sp>
+        <p:nvSpPr>
+          <p:cNvPr id="15" name="TextBox 14">
+            <a:extLst>
+              <a:ext uri="{FF2B5EF4-FFF2-40B4-BE49-F238E27FC236}">
+                <a16:creationId xmlns:a16="http://schemas.microsoft.com/office/drawing/2014/main" id="{A13BDA67-A6C7-B24E-9752-8A4C85607383}"/>
+              </a:ext>
+            </a:extLst>
+          </p:cNvPr>
+          <p:cNvSpPr txBox="1"/>
+          <p:nvPr/>
+        </p:nvSpPr>
+        <p:spPr>
+          <a:xfrm>
+            <a:off x="838197" y="5007994"/>
+            <a:ext cx="6928693" cy="461665"/>
+          </a:xfrm>
+          <a:prstGeom prst="rect">
+            <a:avLst/>
+          </a:prstGeom>
+          <a:noFill/>
+        </p:spPr>
+        <p:txBody>
+          <a:bodyPr wrap="square" rtlCol="0">
+            <a:spAutoFit/>
+          </a:bodyPr>
+          <a:lstStyle/>
+          <a:p>
+            <a:r>
+              <a:rPr lang="en-US" sz="2400" b="1" dirty="0"/>
+              <a:t>From total energy conservation</a:t>
+            </a:r>
+          </a:p>
+        </p:txBody>
+      </p:sp>
       <p:pic>
         <p:nvPicPr>
-          <p:cNvPr id="5" name="Picture 4">
-            <a:extLst>
-              <a:ext uri="{FF2B5EF4-FFF2-40B4-BE49-F238E27FC236}">
-                <a16:creationId xmlns:a16="http://schemas.microsoft.com/office/drawing/2014/main" id="{0A5C070A-6ABA-D945-A2E9-E6BD2988B675}"/>
+          <p:cNvPr id="19" name="Content Placeholder 18">
+            <a:extLst>
+              <a:ext uri="{FF2B5EF4-FFF2-40B4-BE49-F238E27FC236}">
+                <a16:creationId xmlns:a16="http://schemas.microsoft.com/office/drawing/2014/main" id="{70C307D2-E482-BF46-87DE-85EC914F20B0}"/>
               </a:ext>
             </a:extLst>
           </p:cNvPr>
           <p:cNvPicPr>
-            <a:picLocks noChangeAspect="1"/>
+            <a:picLocks noGrp="1" noChangeAspect="1"/>
           </p:cNvPicPr>
-          <p:nvPr/>
+          <p:nvPr>
+            <p:ph idx="1"/>
+          </p:nvPr>
         </p:nvPicPr>
         <p:blipFill>
           <a:blip r:embed="rId3"/>
@@ -5361,8 +5359,8 @@
         </p:blipFill>
         <p:spPr>
           <a:xfrm>
-            <a:off x="838200" y="3196445"/>
-            <a:ext cx="5713879" cy="729967"/>
+            <a:off x="838196" y="2556958"/>
+            <a:ext cx="5320688" cy="617200"/>
           </a:xfrm>
           <a:prstGeom prst="rect">
             <a:avLst/>
@@ -5371,10 +5369,10 @@
       </p:pic>
       <p:pic>
         <p:nvPicPr>
-          <p:cNvPr id="6" name="Picture 5">
-            <a:extLst>
-              <a:ext uri="{FF2B5EF4-FFF2-40B4-BE49-F238E27FC236}">
-                <a16:creationId xmlns:a16="http://schemas.microsoft.com/office/drawing/2014/main" id="{5CC3C9AE-9FA5-0B4D-8280-08201B477264}"/>
+          <p:cNvPr id="3" name="Picture 2">
+            <a:extLst>
+              <a:ext uri="{FF2B5EF4-FFF2-40B4-BE49-F238E27FC236}">
+                <a16:creationId xmlns:a16="http://schemas.microsoft.com/office/drawing/2014/main" id="{9D17F5D2-6785-4041-AF5B-60FEAC92B8AF}"/>
               </a:ext>
             </a:extLst>
           </p:cNvPr>
@@ -5385,13 +5383,13 @@
         </p:nvPicPr>
         <p:blipFill rotWithShape="1">
           <a:blip r:embed="rId4"/>
-          <a:srcRect l="-727" t="-5094" r="-2924" b="-5024"/>
+          <a:srcRect l="-1490" t="-4755" r="-1920" b="-5634"/>
           <a:stretch/>
         </p:blipFill>
         <p:spPr>
           <a:xfrm>
-            <a:off x="7108483" y="2315962"/>
-            <a:ext cx="4245317" cy="985520"/>
+            <a:off x="4297680" y="1554480"/>
+            <a:ext cx="6309360" cy="914400"/>
           </a:xfrm>
           <a:prstGeom prst="rect">
             <a:avLst/>
@@ -5406,61 +5404,12 @@
           </a:ln>
         </p:spPr>
       </p:pic>
-      <p:sp>
-        <p:nvSpPr>
-          <p:cNvPr id="7" name="TextBox 6">
-            <a:extLst>
-              <a:ext uri="{FF2B5EF4-FFF2-40B4-BE49-F238E27FC236}">
-                <a16:creationId xmlns:a16="http://schemas.microsoft.com/office/drawing/2014/main" id="{7E46A50B-46A5-EE4B-9501-DB5318BA154E}"/>
-              </a:ext>
-            </a:extLst>
-          </p:cNvPr>
-          <p:cNvSpPr txBox="1"/>
-          <p:nvPr/>
-        </p:nvSpPr>
-        <p:spPr>
-          <a:xfrm>
-            <a:off x="838200" y="4303059"/>
-            <a:ext cx="9354671" cy="646331"/>
-          </a:xfrm>
-          <a:prstGeom prst="rect">
-            <a:avLst/>
-          </a:prstGeom>
-          <a:noFill/>
-        </p:spPr>
-        <p:txBody>
-          <a:bodyPr wrap="square" rtlCol="0">
-            <a:spAutoFit/>
-          </a:bodyPr>
-          <a:lstStyle/>
-          <a:p>
-            <a:pPr marL="285750" indent="-285750">
-              <a:buFont typeface="Arial" panose="020B0604020202020204" pitchFamily="34" charset="0"/>
-              <a:buChar char="•"/>
-            </a:pPr>
-            <a:r>
-              <a:rPr lang="en-US" dirty="0"/>
-              <a:t>In my normalized simulation units R=n0 = 1 and B(R) = 25</a:t>
-            </a:r>
-          </a:p>
-          <a:p>
-            <a:pPr marL="285750" indent="-285750">
-              <a:buFont typeface="Arial" panose="020B0604020202020204" pitchFamily="34" charset="0"/>
-              <a:buChar char="•"/>
-            </a:pPr>
-            <a:r>
-              <a:rPr lang="en-US" dirty="0"/>
-              <a:t>Dimensional form below ….. Note I just found factor 2 error in my temp normalization…</a:t>
-            </a:r>
-          </a:p>
-        </p:txBody>
-      </p:sp>
       <p:pic>
         <p:nvPicPr>
-          <p:cNvPr id="8" name="Picture 7">
-            <a:extLst>
-              <a:ext uri="{FF2B5EF4-FFF2-40B4-BE49-F238E27FC236}">
-                <a16:creationId xmlns:a16="http://schemas.microsoft.com/office/drawing/2014/main" id="{59AFEE36-E9FB-4940-8BB1-31967980AE8A}"/>
+          <p:cNvPr id="4" name="Picture 3">
+            <a:extLst>
+              <a:ext uri="{FF2B5EF4-FFF2-40B4-BE49-F238E27FC236}">
+                <a16:creationId xmlns:a16="http://schemas.microsoft.com/office/drawing/2014/main" id="{83065DBA-AC02-9741-806B-4ECF862A4CC2}"/>
               </a:ext>
             </a:extLst>
           </p:cNvPr>
@@ -5477,8 +5426,8 @@
         </p:blipFill>
         <p:spPr>
           <a:xfrm>
-            <a:off x="3350933" y="5144995"/>
-            <a:ext cx="4737100" cy="1193800"/>
+            <a:off x="838196" y="5576298"/>
+            <a:ext cx="9008481" cy="754746"/>
           </a:xfrm>
           <a:prstGeom prst="rect">
             <a:avLst/>
@@ -5488,7 +5437,7 @@
     </p:spTree>
     <p:extLst>
       <p:ext uri="{BB962C8B-B14F-4D97-AF65-F5344CB8AC3E}">
-        <p14:creationId xmlns:p14="http://schemas.microsoft.com/office/powerpoint/2010/main" val="3281194011"/>
+        <p14:creationId xmlns:p14="http://schemas.microsoft.com/office/powerpoint/2010/main" val="2260145392"/>
       </p:ext>
     </p:extLst>
   </p:cSld>
@@ -5517,10 +5466,10 @@
       </p:grpSpPr>
       <p:sp>
         <p:nvSpPr>
-          <p:cNvPr id="4" name="Title 3">
-            <a:extLst>
-              <a:ext uri="{FF2B5EF4-FFF2-40B4-BE49-F238E27FC236}">
-                <a16:creationId xmlns:a16="http://schemas.microsoft.com/office/drawing/2014/main" id="{37567213-E01F-2447-AB24-E6D531764A10}"/>
+          <p:cNvPr id="2" name="Title 1">
+            <a:extLst>
+              <a:ext uri="{FF2B5EF4-FFF2-40B4-BE49-F238E27FC236}">
+                <a16:creationId xmlns:a16="http://schemas.microsoft.com/office/drawing/2014/main" id="{7E9A0ABD-082A-4644-87C5-9042DE5D5550}"/>
               </a:ext>
             </a:extLst>
           </p:cNvPr>
@@ -5538,26 +5487,24 @@
           <a:p>
             <a:r>
               <a:rPr lang="en-US" dirty="0"/>
-              <a:t>Average temperate at stagnation is what formula predicts</a:t>
+              <a:t>thermal energy at stagnation equals energy stored in magnetic field</a:t>
             </a:r>
           </a:p>
         </p:txBody>
       </p:sp>
       <p:pic>
         <p:nvPicPr>
-          <p:cNvPr id="8" name="Content Placeholder 7">
-            <a:extLst>
-              <a:ext uri="{FF2B5EF4-FFF2-40B4-BE49-F238E27FC236}">
-                <a16:creationId xmlns:a16="http://schemas.microsoft.com/office/drawing/2014/main" id="{79B8780A-F953-A74C-9117-07A0CFEC4957}"/>
+          <p:cNvPr id="5" name="Picture 4">
+            <a:extLst>
+              <a:ext uri="{FF2B5EF4-FFF2-40B4-BE49-F238E27FC236}">
+                <a16:creationId xmlns:a16="http://schemas.microsoft.com/office/drawing/2014/main" id="{5C467604-4EC7-A647-BA13-1F45EF951D47}"/>
               </a:ext>
             </a:extLst>
           </p:cNvPr>
           <p:cNvPicPr>
-            <a:picLocks noGrp="1" noChangeAspect="1"/>
+            <a:picLocks noChangeAspect="1"/>
           </p:cNvPicPr>
-          <p:nvPr>
-            <p:ph sz="half" idx="1"/>
-          </p:nvPr>
+          <p:nvPr/>
         </p:nvPicPr>
         <p:blipFill>
           <a:blip r:embed="rId2"/>
@@ -5567,26 +5514,27 @@
         </p:blipFill>
         <p:spPr>
           <a:xfrm>
-            <a:off x="838200" y="2058194"/>
-            <a:ext cx="5181600" cy="3886200"/>
-          </a:xfrm>
+            <a:off x="1392865" y="2190715"/>
+            <a:ext cx="8608828" cy="851029"/>
+          </a:xfrm>
+          <a:prstGeom prst="rect">
+            <a:avLst/>
+          </a:prstGeom>
         </p:spPr>
       </p:pic>
       <p:pic>
         <p:nvPicPr>
-          <p:cNvPr id="10" name="Content Placeholder 9">
-            <a:extLst>
-              <a:ext uri="{FF2B5EF4-FFF2-40B4-BE49-F238E27FC236}">
-                <a16:creationId xmlns:a16="http://schemas.microsoft.com/office/drawing/2014/main" id="{C45B9CC6-302D-4643-8B31-DC4ECC2908C3}"/>
+          <p:cNvPr id="12" name="Picture 11">
+            <a:extLst>
+              <a:ext uri="{FF2B5EF4-FFF2-40B4-BE49-F238E27FC236}">
+                <a16:creationId xmlns:a16="http://schemas.microsoft.com/office/drawing/2014/main" id="{99F2D8F2-9DFB-0D4A-8C48-1E2E10C3BB9E}"/>
               </a:ext>
             </a:extLst>
           </p:cNvPr>
           <p:cNvPicPr>
-            <a:picLocks noGrp="1" noChangeAspect="1"/>
+            <a:picLocks noChangeAspect="1"/>
           </p:cNvPicPr>
-          <p:nvPr>
-            <p:ph sz="half" idx="2"/>
-          </p:nvPr>
+          <p:nvPr/>
         </p:nvPicPr>
         <p:blipFill>
           <a:blip r:embed="rId3"/>
@@ -5596,17 +5544,20 @@
         </p:blipFill>
         <p:spPr>
           <a:xfrm>
-            <a:off x="6172200" y="2058194"/>
-            <a:ext cx="5181600" cy="3886200"/>
-          </a:xfrm>
+            <a:off x="1392865" y="3369342"/>
+            <a:ext cx="6952069" cy="739582"/>
+          </a:xfrm>
+          <a:prstGeom prst="rect">
+            <a:avLst/>
+          </a:prstGeom>
         </p:spPr>
       </p:pic>
       <p:pic>
         <p:nvPicPr>
-          <p:cNvPr id="12" name="Picture 11">
-            <a:extLst>
-              <a:ext uri="{FF2B5EF4-FFF2-40B4-BE49-F238E27FC236}">
-                <a16:creationId xmlns:a16="http://schemas.microsoft.com/office/drawing/2014/main" id="{534C0171-209F-CC4F-87FA-96F6499CB854}"/>
+          <p:cNvPr id="13" name="Picture 12">
+            <a:extLst>
+              <a:ext uri="{FF2B5EF4-FFF2-40B4-BE49-F238E27FC236}">
+                <a16:creationId xmlns:a16="http://schemas.microsoft.com/office/drawing/2014/main" id="{686468F2-DABC-E74D-BA3D-DE47893E2412}"/>
               </a:ext>
             </a:extLst>
           </p:cNvPr>
@@ -5615,15 +5566,16 @@
           </p:cNvPicPr>
           <p:nvPr/>
         </p:nvPicPr>
-        <p:blipFill rotWithShape="1">
+        <p:blipFill>
           <a:blip r:embed="rId4"/>
-          <a:srcRect l="9245" t="-5094" r="-2924" b="-5024"/>
-          <a:stretch/>
+          <a:stretch>
+            <a:fillRect/>
+          </a:stretch>
         </p:blipFill>
         <p:spPr>
           <a:xfrm>
-            <a:off x="6347011" y="1108588"/>
-            <a:ext cx="2958353" cy="759864"/>
+            <a:off x="2705987" y="4582175"/>
+            <a:ext cx="5087679" cy="1695893"/>
           </a:xfrm>
           <a:prstGeom prst="rect">
             <a:avLst/>
@@ -5638,69 +5590,40 @@
           </a:ln>
         </p:spPr>
       </p:pic>
-      <p:sp>
-        <p:nvSpPr>
-          <p:cNvPr id="13" name="TextBox 12">
-            <a:extLst>
-              <a:ext uri="{FF2B5EF4-FFF2-40B4-BE49-F238E27FC236}">
-                <a16:creationId xmlns:a16="http://schemas.microsoft.com/office/drawing/2014/main" id="{2A2A10D0-4ADB-7445-A9B7-1F91FCF78410}"/>
-              </a:ext>
-            </a:extLst>
-          </p:cNvPr>
-          <p:cNvSpPr txBox="1"/>
+      <p:pic>
+        <p:nvPicPr>
+          <p:cNvPr id="14" name="Picture 13">
+            <a:extLst>
+              <a:ext uri="{FF2B5EF4-FFF2-40B4-BE49-F238E27FC236}">
+                <a16:creationId xmlns:a16="http://schemas.microsoft.com/office/drawing/2014/main" id="{BADB2E2A-1FCA-BA40-8601-EAB9D7A79A40}"/>
+              </a:ext>
+            </a:extLst>
+          </p:cNvPr>
+          <p:cNvPicPr>
+            <a:picLocks noChangeAspect="1"/>
+          </p:cNvPicPr>
           <p:nvPr/>
-        </p:nvSpPr>
-        <p:spPr>
-          <a:xfrm>
-            <a:off x="340659" y="6088559"/>
-            <a:ext cx="10269070" cy="769441"/>
+        </p:nvPicPr>
+        <p:blipFill>
+          <a:blip r:embed="rId5"/>
+          <a:stretch>
+            <a:fillRect/>
+          </a:stretch>
+        </p:blipFill>
+        <p:spPr>
+          <a:xfrm>
+            <a:off x="8703192" y="5015466"/>
+            <a:ext cx="1918734" cy="657101"/>
           </a:xfrm>
           <a:prstGeom prst="rect">
             <a:avLst/>
           </a:prstGeom>
-          <a:noFill/>
-        </p:spPr>
-        <p:txBody>
-          <a:bodyPr wrap="square" rtlCol="0">
-            <a:spAutoFit/>
-          </a:bodyPr>
-          <a:lstStyle/>
-          <a:p>
-            <a:r>
-              <a:rPr lang="en-US" sz="2200" dirty="0"/>
-              <a:t>In my normalized simulation units R=n0=1 and B(R) = 25 </a:t>
-            </a:r>
-            <a:r>
-              <a:rPr lang="en-US" sz="2200" dirty="0">
-                <a:sym typeface="Wingdings" pitchFamily="2" charset="2"/>
-              </a:rPr>
-              <a:t> </a:t>
-            </a:r>
-            <a:r>
-              <a:rPr lang="en-US" sz="2200" dirty="0"/>
-              <a:t>&lt;T&gt; = 25</a:t>
-            </a:r>
-            <a:r>
-              <a:rPr lang="en-US" sz="2200" baseline="30000" dirty="0"/>
-              <a:t>2</a:t>
-            </a:r>
-            <a:r>
-              <a:rPr lang="en-US" sz="2200" dirty="0"/>
-              <a:t>/6*0.9 = 94 eV</a:t>
-            </a:r>
-          </a:p>
-          <a:p>
-            <a:r>
-              <a:rPr lang="en-US" sz="2200" dirty="0"/>
-              <a:t>(actually a factor of two higher…just found bug in my temperature normalization…. </a:t>
-            </a:r>
-          </a:p>
-        </p:txBody>
-      </p:sp>
+        </p:spPr>
+      </p:pic>
     </p:spTree>
     <p:extLst>
       <p:ext uri="{BB962C8B-B14F-4D97-AF65-F5344CB8AC3E}">
-        <p14:creationId xmlns:p14="http://schemas.microsoft.com/office/powerpoint/2010/main" val="3136619844"/>
+        <p14:creationId xmlns:p14="http://schemas.microsoft.com/office/powerpoint/2010/main" val="30393967"/>
       </p:ext>
     </p:extLst>
   </p:cSld>
@@ -5729,10 +5652,10 @@
       </p:grpSpPr>
       <p:sp>
         <p:nvSpPr>
-          <p:cNvPr id="2" name="Title 1">
-            <a:extLst>
-              <a:ext uri="{FF2B5EF4-FFF2-40B4-BE49-F238E27FC236}">
-                <a16:creationId xmlns:a16="http://schemas.microsoft.com/office/drawing/2014/main" id="{B90B8EF0-500A-2745-B88A-682330798E0B}"/>
+          <p:cNvPr id="4" name="Title 3">
+            <a:extLst>
+              <a:ext uri="{FF2B5EF4-FFF2-40B4-BE49-F238E27FC236}">
+                <a16:creationId xmlns:a16="http://schemas.microsoft.com/office/drawing/2014/main" id="{37567213-E01F-2447-AB24-E6D531764A10}"/>
               </a:ext>
             </a:extLst>
           </p:cNvPr>
@@ -5750,95 +5673,73 @@
           <a:p>
             <a:r>
               <a:rPr lang="en-US" dirty="0"/>
-              <a:t>Pressure increase by factor of 6 at stagnation</a:t>
-            </a:r>
-          </a:p>
-        </p:txBody>
-      </p:sp>
-      <p:sp>
-        <p:nvSpPr>
-          <p:cNvPr id="3" name="Content Placeholder 2">
-            <a:extLst>
-              <a:ext uri="{FF2B5EF4-FFF2-40B4-BE49-F238E27FC236}">
-                <a16:creationId xmlns:a16="http://schemas.microsoft.com/office/drawing/2014/main" id="{F5F83CA5-D5BD-FF45-94CC-6F228A2B5C9A}"/>
-              </a:ext>
-            </a:extLst>
-          </p:cNvPr>
-          <p:cNvSpPr>
-            <a:spLocks noGrp="1"/>
-          </p:cNvSpPr>
+              <a:t>Average temperate at stagnation is what formula predicts</a:t>
+            </a:r>
+          </a:p>
+        </p:txBody>
+      </p:sp>
+      <p:pic>
+        <p:nvPicPr>
+          <p:cNvPr id="14" name="Content Placeholder 13">
+            <a:extLst>
+              <a:ext uri="{FF2B5EF4-FFF2-40B4-BE49-F238E27FC236}">
+                <a16:creationId xmlns:a16="http://schemas.microsoft.com/office/drawing/2014/main" id="{99366E35-D1B7-3443-A7F2-1E74775267FD}"/>
+              </a:ext>
+            </a:extLst>
+          </p:cNvPr>
+          <p:cNvPicPr>
+            <a:picLocks noGrp="1" noChangeAspect="1"/>
+          </p:cNvPicPr>
           <p:nvPr>
             <p:ph sz="half" idx="1"/>
           </p:nvPr>
-        </p:nvSpPr>
-        <p:spPr/>
-        <p:txBody>
-          <a:bodyPr/>
-          <a:lstStyle/>
-          <a:p>
-            <a:r>
-              <a:rPr lang="en-US" dirty="0"/>
-              <a:t>All energy in plasma is thermal</a:t>
-            </a:r>
-          </a:p>
-          <a:p>
-            <a:r>
-              <a:rPr lang="en-US" dirty="0"/>
-              <a:t>Energy in plasma equals that in magnetic field</a:t>
-            </a:r>
-          </a:p>
-          <a:p>
-            <a:r>
-              <a:rPr lang="en-US" dirty="0"/>
-              <a:t>Magnetic field energy known from radius at stagnation</a:t>
-            </a:r>
-          </a:p>
-        </p:txBody>
-      </p:sp>
-      <p:sp>
-        <p:nvSpPr>
-          <p:cNvPr id="4" name="Content Placeholder 3">
-            <a:extLst>
-              <a:ext uri="{FF2B5EF4-FFF2-40B4-BE49-F238E27FC236}">
-                <a16:creationId xmlns:a16="http://schemas.microsoft.com/office/drawing/2014/main" id="{F4C987F8-08BC-F446-843D-61C29185FA3B}"/>
-              </a:ext>
-            </a:extLst>
-          </p:cNvPr>
-          <p:cNvSpPr>
-            <a:spLocks noGrp="1"/>
-          </p:cNvSpPr>
+        </p:nvPicPr>
+        <p:blipFill>
+          <a:blip r:embed="rId2"/>
+          <a:stretch>
+            <a:fillRect/>
+          </a:stretch>
+        </p:blipFill>
+        <p:spPr>
+          <a:xfrm>
+            <a:off x="838200" y="2058194"/>
+            <a:ext cx="5181600" cy="3886200"/>
+          </a:xfrm>
+        </p:spPr>
+      </p:pic>
+      <p:pic>
+        <p:nvPicPr>
+          <p:cNvPr id="18" name="Content Placeholder 17">
+            <a:extLst>
+              <a:ext uri="{FF2B5EF4-FFF2-40B4-BE49-F238E27FC236}">
+                <a16:creationId xmlns:a16="http://schemas.microsoft.com/office/drawing/2014/main" id="{CF112308-D312-914B-A281-B270D1BCD879}"/>
+              </a:ext>
+            </a:extLst>
+          </p:cNvPr>
+          <p:cNvPicPr>
+            <a:picLocks noGrp="1" noChangeAspect="1"/>
+          </p:cNvPicPr>
           <p:nvPr>
             <p:ph sz="half" idx="2"/>
           </p:nvPr>
-        </p:nvSpPr>
-        <p:spPr/>
-        <p:txBody>
-          <a:bodyPr/>
-          <a:lstStyle/>
-          <a:p>
-            <a:r>
-              <a:rPr lang="en-US" dirty="0"/>
-              <a:t>Total ram energy turns into thermal (factor 2)</a:t>
-            </a:r>
-          </a:p>
-          <a:p>
-            <a:r>
-              <a:rPr lang="en-US" dirty="0"/>
-              <a:t>R goes from ¼ to 1/10 during stagnation (factor 2.5)</a:t>
-            </a:r>
-          </a:p>
-          <a:p>
-            <a:r>
-              <a:rPr lang="en-US" dirty="0"/>
-              <a:t>This only gives total of factor of 5 though… the rest of the energy comes from return shock heating, which must come from piston</a:t>
-            </a:r>
-          </a:p>
-        </p:txBody>
-      </p:sp>
+        </p:nvPicPr>
+        <p:blipFill>
+          <a:blip r:embed="rId3"/>
+          <a:stretch>
+            <a:fillRect/>
+          </a:stretch>
+        </p:blipFill>
+        <p:spPr>
+          <a:xfrm>
+            <a:off x="6172200" y="2058194"/>
+            <a:ext cx="5181600" cy="3886200"/>
+          </a:xfrm>
+        </p:spPr>
+      </p:pic>
     </p:spTree>
     <p:extLst>
       <p:ext uri="{BB962C8B-B14F-4D97-AF65-F5344CB8AC3E}">
-        <p14:creationId xmlns:p14="http://schemas.microsoft.com/office/powerpoint/2010/main" val="4074554371"/>
+        <p14:creationId xmlns:p14="http://schemas.microsoft.com/office/powerpoint/2010/main" val="3136619844"/>
       </p:ext>
     </p:extLst>
   </p:cSld>
@@ -5870,7 +5771,7 @@
           <p:cNvPr id="2" name="Title 1">
             <a:extLst>
               <a:ext uri="{FF2B5EF4-FFF2-40B4-BE49-F238E27FC236}">
-                <a16:creationId xmlns:a16="http://schemas.microsoft.com/office/drawing/2014/main" id="{E6A1D61F-CE23-2342-A1E7-F8D58540638E}"/>
+                <a16:creationId xmlns:a16="http://schemas.microsoft.com/office/drawing/2014/main" id="{B90B8EF0-500A-2745-B88A-682330798E0B}"/>
               </a:ext>
             </a:extLst>
           </p:cNvPr>
@@ -5881,329 +5782,102 @@
             <p:ph type="title"/>
           </p:nvPr>
         </p:nvSpPr>
-        <p:spPr>
-          <a:xfrm>
-            <a:off x="838200" y="257549"/>
-            <a:ext cx="10515600" cy="1325563"/>
-          </a:xfrm>
-        </p:spPr>
-        <p:txBody>
-          <a:bodyPr>
-            <a:normAutofit fontScale="90000"/>
-          </a:bodyPr>
-          <a:lstStyle/>
-          <a:p>
-            <a:r>
-              <a:rPr lang="en-US" sz="3600" dirty="0"/>
-              <a:t>Rate of Energy input into magnetic field is the same as rate of energy input into plasma for small skin layer even for cylindrical</a:t>
-            </a:r>
-          </a:p>
-        </p:txBody>
-      </p:sp>
-      <p:sp>
-        <p:nvSpPr>
-          <p:cNvPr id="9" name="TextBox 8">
-            <a:extLst>
-              <a:ext uri="{FF2B5EF4-FFF2-40B4-BE49-F238E27FC236}">
-                <a16:creationId xmlns:a16="http://schemas.microsoft.com/office/drawing/2014/main" id="{95CDD9B4-2C0D-8F4B-821D-7BD58071118A}"/>
-              </a:ext>
-            </a:extLst>
-          </p:cNvPr>
-          <p:cNvSpPr txBox="1"/>
-          <p:nvPr/>
-        </p:nvSpPr>
-        <p:spPr>
-          <a:xfrm>
-            <a:off x="838196" y="2255757"/>
-            <a:ext cx="2731265" cy="461665"/>
-          </a:xfrm>
-          <a:prstGeom prst="rect">
-            <a:avLst/>
-          </a:prstGeom>
-          <a:noFill/>
-        </p:spPr>
-        <p:txBody>
-          <a:bodyPr wrap="square" rtlCol="0">
-            <a:spAutoFit/>
-          </a:bodyPr>
-          <a:lstStyle/>
-          <a:p>
-            <a:r>
-              <a:rPr lang="en-US" sz="2400" b="1" dirty="0"/>
-              <a:t>From Ampere’s law:</a:t>
-            </a:r>
-          </a:p>
-        </p:txBody>
-      </p:sp>
-      <p:sp>
-        <p:nvSpPr>
-          <p:cNvPr id="10" name="TextBox 9">
-            <a:extLst>
-              <a:ext uri="{FF2B5EF4-FFF2-40B4-BE49-F238E27FC236}">
-                <a16:creationId xmlns:a16="http://schemas.microsoft.com/office/drawing/2014/main" id="{D8CDD6DF-431D-8641-AD58-D046502E1669}"/>
-              </a:ext>
-            </a:extLst>
-          </p:cNvPr>
-          <p:cNvSpPr txBox="1"/>
-          <p:nvPr/>
-        </p:nvSpPr>
-        <p:spPr>
-          <a:xfrm>
-            <a:off x="838197" y="3633205"/>
-            <a:ext cx="3733804" cy="461665"/>
-          </a:xfrm>
-          <a:prstGeom prst="rect">
-            <a:avLst/>
-          </a:prstGeom>
-          <a:noFill/>
-        </p:spPr>
-        <p:txBody>
-          <a:bodyPr wrap="square" rtlCol="0">
-            <a:spAutoFit/>
-          </a:bodyPr>
-          <a:lstStyle/>
-          <a:p>
-            <a:r>
-              <a:rPr lang="en-US" sz="2400" b="1" dirty="0"/>
-              <a:t>Also from thin skin current</a:t>
-            </a:r>
-          </a:p>
-        </p:txBody>
-      </p:sp>
-      <p:sp>
-        <p:nvSpPr>
-          <p:cNvPr id="15" name="TextBox 14">
-            <a:extLst>
-              <a:ext uri="{FF2B5EF4-FFF2-40B4-BE49-F238E27FC236}">
-                <a16:creationId xmlns:a16="http://schemas.microsoft.com/office/drawing/2014/main" id="{A13BDA67-A6C7-B24E-9752-8A4C85607383}"/>
-              </a:ext>
-            </a:extLst>
-          </p:cNvPr>
-          <p:cNvSpPr txBox="1"/>
-          <p:nvPr/>
-        </p:nvSpPr>
-        <p:spPr>
-          <a:xfrm>
-            <a:off x="838197" y="5262518"/>
-            <a:ext cx="6928693" cy="461665"/>
-          </a:xfrm>
-          <a:prstGeom prst="rect">
-            <a:avLst/>
-          </a:prstGeom>
-          <a:noFill/>
-        </p:spPr>
-        <p:txBody>
-          <a:bodyPr wrap="square" rtlCol="0">
-            <a:spAutoFit/>
-          </a:bodyPr>
-          <a:lstStyle/>
-          <a:p>
-            <a:r>
-              <a:rPr lang="en-US" sz="2400" b="1" dirty="0"/>
-              <a:t>From total energy conservation</a:t>
-            </a:r>
-          </a:p>
-        </p:txBody>
-      </p:sp>
-      <p:pic>
-        <p:nvPicPr>
-          <p:cNvPr id="11" name="Content Placeholder 10">
-            <a:extLst>
-              <a:ext uri="{FF2B5EF4-FFF2-40B4-BE49-F238E27FC236}">
-                <a16:creationId xmlns:a16="http://schemas.microsoft.com/office/drawing/2014/main" id="{C85747A4-2F38-C544-83C1-8F26A3869AB1}"/>
-              </a:ext>
-            </a:extLst>
-          </p:cNvPr>
-          <p:cNvPicPr>
-            <a:picLocks noGrp="1" noChangeAspect="1"/>
-          </p:cNvPicPr>
-          <p:nvPr>
-            <p:ph idx="1"/>
-          </p:nvPr>
-        </p:nvPicPr>
-        <p:blipFill>
-          <a:blip r:embed="rId2"/>
-          <a:stretch>
-            <a:fillRect/>
-          </a:stretch>
-        </p:blipFill>
-        <p:spPr>
-          <a:xfrm>
-            <a:off x="913681" y="2777497"/>
-            <a:ext cx="4478451" cy="528906"/>
-          </a:xfrm>
-          <a:prstGeom prst="rect">
-            <a:avLst/>
-          </a:prstGeom>
-        </p:spPr>
-      </p:pic>
-      <p:sp>
-        <p:nvSpPr>
-          <p:cNvPr id="18" name="TextBox 17">
-            <a:extLst>
-              <a:ext uri="{FF2B5EF4-FFF2-40B4-BE49-F238E27FC236}">
-                <a16:creationId xmlns:a16="http://schemas.microsoft.com/office/drawing/2014/main" id="{1C090803-81D5-9C41-A8EA-8BE8923BBB45}"/>
-              </a:ext>
-            </a:extLst>
-          </p:cNvPr>
-          <p:cNvSpPr txBox="1"/>
-          <p:nvPr/>
-        </p:nvSpPr>
-        <p:spPr>
-          <a:xfrm>
-            <a:off x="6401257" y="2255757"/>
-            <a:ext cx="3704277" cy="461665"/>
-          </a:xfrm>
-          <a:prstGeom prst="rect">
-            <a:avLst/>
-          </a:prstGeom>
-          <a:noFill/>
-        </p:spPr>
-        <p:txBody>
-          <a:bodyPr wrap="square" rtlCol="0">
-            <a:spAutoFit/>
-          </a:bodyPr>
-          <a:lstStyle/>
-          <a:p>
-            <a:r>
-              <a:rPr lang="en-US" sz="2400" b="1" dirty="0"/>
-              <a:t>From thin skin current</a:t>
-            </a:r>
-          </a:p>
-        </p:txBody>
-      </p:sp>
-      <p:pic>
-        <p:nvPicPr>
-          <p:cNvPr id="25" name="Picture 24">
-            <a:extLst>
-              <a:ext uri="{FF2B5EF4-FFF2-40B4-BE49-F238E27FC236}">
-                <a16:creationId xmlns:a16="http://schemas.microsoft.com/office/drawing/2014/main" id="{9723E32C-4AFA-F048-A2EC-B207F8798123}"/>
-              </a:ext>
-            </a:extLst>
-          </p:cNvPr>
-          <p:cNvPicPr>
-            <a:picLocks noChangeAspect="1"/>
-          </p:cNvPicPr>
-          <p:nvPr/>
-        </p:nvPicPr>
-        <p:blipFill>
-          <a:blip r:embed="rId3"/>
-          <a:stretch>
-            <a:fillRect/>
-          </a:stretch>
-        </p:blipFill>
-        <p:spPr>
-          <a:xfrm>
-            <a:off x="838196" y="5796226"/>
-            <a:ext cx="8484124" cy="592690"/>
-          </a:xfrm>
-          <a:prstGeom prst="rect">
-            <a:avLst/>
-          </a:prstGeom>
-        </p:spPr>
-      </p:pic>
-      <p:pic>
-        <p:nvPicPr>
-          <p:cNvPr id="26" name="Picture 25">
-            <a:extLst>
-              <a:ext uri="{FF2B5EF4-FFF2-40B4-BE49-F238E27FC236}">
-                <a16:creationId xmlns:a16="http://schemas.microsoft.com/office/drawing/2014/main" id="{3894A379-950F-3741-94AC-E39C8C0F6527}"/>
-              </a:ext>
-            </a:extLst>
-          </p:cNvPr>
-          <p:cNvPicPr>
-            <a:picLocks noChangeAspect="1"/>
-          </p:cNvPicPr>
-          <p:nvPr/>
-        </p:nvPicPr>
-        <p:blipFill>
-          <a:blip r:embed="rId4"/>
-          <a:stretch>
-            <a:fillRect/>
-          </a:stretch>
-        </p:blipFill>
-        <p:spPr>
-          <a:xfrm>
-            <a:off x="6447148" y="2772982"/>
-            <a:ext cx="3658386" cy="657155"/>
-          </a:xfrm>
-          <a:prstGeom prst="rect">
-            <a:avLst/>
-          </a:prstGeom>
-        </p:spPr>
-      </p:pic>
-      <p:pic>
-        <p:nvPicPr>
-          <p:cNvPr id="27" name="Picture 26">
-            <a:extLst>
-              <a:ext uri="{FF2B5EF4-FFF2-40B4-BE49-F238E27FC236}">
-                <a16:creationId xmlns:a16="http://schemas.microsoft.com/office/drawing/2014/main" id="{EA16D5F5-34DC-D746-9EDB-FBE6C405D506}"/>
-              </a:ext>
-            </a:extLst>
-          </p:cNvPr>
-          <p:cNvPicPr>
-            <a:picLocks noChangeAspect="1"/>
-          </p:cNvPicPr>
-          <p:nvPr/>
-        </p:nvPicPr>
-        <p:blipFill>
-          <a:blip r:embed="rId5"/>
-          <a:stretch>
-            <a:fillRect/>
-          </a:stretch>
-        </p:blipFill>
-        <p:spPr>
-          <a:xfrm>
-            <a:off x="3303641" y="1476098"/>
-            <a:ext cx="5188790" cy="690837"/>
-          </a:xfrm>
-          <a:prstGeom prst="rect">
-            <a:avLst/>
-          </a:prstGeom>
-          <a:solidFill>
-            <a:srgbClr val="FFFF00"/>
-          </a:solidFill>
-          <a:ln>
-            <a:solidFill>
-              <a:srgbClr val="FF0000"/>
-            </a:solidFill>
-          </a:ln>
-        </p:spPr>
-      </p:pic>
-      <p:pic>
-        <p:nvPicPr>
-          <p:cNvPr id="28" name="Picture 27">
-            <a:extLst>
-              <a:ext uri="{FF2B5EF4-FFF2-40B4-BE49-F238E27FC236}">
-                <a16:creationId xmlns:a16="http://schemas.microsoft.com/office/drawing/2014/main" id="{946F1CBA-5FE7-864F-8628-B61276217A6A}"/>
-              </a:ext>
-            </a:extLst>
-          </p:cNvPr>
-          <p:cNvPicPr>
-            <a:picLocks noChangeAspect="1"/>
-          </p:cNvPicPr>
-          <p:nvPr/>
-        </p:nvPicPr>
-        <p:blipFill>
-          <a:blip r:embed="rId6"/>
-          <a:stretch>
-            <a:fillRect/>
-          </a:stretch>
-        </p:blipFill>
-        <p:spPr>
-          <a:xfrm>
-            <a:off x="950522" y="4094870"/>
-            <a:ext cx="8399282" cy="692209"/>
-          </a:xfrm>
-          <a:prstGeom prst="rect">
-            <a:avLst/>
-          </a:prstGeom>
-        </p:spPr>
-      </p:pic>
+        <p:spPr/>
+        <p:txBody>
+          <a:bodyPr/>
+          <a:lstStyle/>
+          <a:p>
+            <a:r>
+              <a:rPr lang="en-US" dirty="0"/>
+              <a:t>Pressure increase by factor of 6 at stagnation</a:t>
+            </a:r>
+          </a:p>
+        </p:txBody>
+      </p:sp>
+      <p:sp>
+        <p:nvSpPr>
+          <p:cNvPr id="3" name="Content Placeholder 2">
+            <a:extLst>
+              <a:ext uri="{FF2B5EF4-FFF2-40B4-BE49-F238E27FC236}">
+                <a16:creationId xmlns:a16="http://schemas.microsoft.com/office/drawing/2014/main" id="{F5F83CA5-D5BD-FF45-94CC-6F228A2B5C9A}"/>
+              </a:ext>
+            </a:extLst>
+          </p:cNvPr>
+          <p:cNvSpPr>
+            <a:spLocks noGrp="1"/>
+          </p:cNvSpPr>
+          <p:nvPr>
+            <p:ph sz="half" idx="1"/>
+          </p:nvPr>
+        </p:nvSpPr>
+        <p:spPr/>
+        <p:txBody>
+          <a:bodyPr/>
+          <a:lstStyle/>
+          <a:p>
+            <a:r>
+              <a:rPr lang="en-US" dirty="0"/>
+              <a:t>All energy in plasma is thermal</a:t>
+            </a:r>
+          </a:p>
+          <a:p>
+            <a:r>
+              <a:rPr lang="en-US" dirty="0"/>
+              <a:t>Energy in plasma equals that in magnetic field</a:t>
+            </a:r>
+          </a:p>
+          <a:p>
+            <a:r>
+              <a:rPr lang="en-US" dirty="0"/>
+              <a:t>Magnetic field energy known from radius at stagnation</a:t>
+            </a:r>
+          </a:p>
+        </p:txBody>
+      </p:sp>
+      <p:sp>
+        <p:nvSpPr>
+          <p:cNvPr id="4" name="Content Placeholder 3">
+            <a:extLst>
+              <a:ext uri="{FF2B5EF4-FFF2-40B4-BE49-F238E27FC236}">
+                <a16:creationId xmlns:a16="http://schemas.microsoft.com/office/drawing/2014/main" id="{F4C987F8-08BC-F446-843D-61C29185FA3B}"/>
+              </a:ext>
+            </a:extLst>
+          </p:cNvPr>
+          <p:cNvSpPr>
+            <a:spLocks noGrp="1"/>
+          </p:cNvSpPr>
+          <p:nvPr>
+            <p:ph sz="half" idx="2"/>
+          </p:nvPr>
+        </p:nvSpPr>
+        <p:spPr/>
+        <p:txBody>
+          <a:bodyPr/>
+          <a:lstStyle/>
+          <a:p>
+            <a:r>
+              <a:rPr lang="en-US" dirty="0"/>
+              <a:t>Total ram energy turns into thermal (factor 2)</a:t>
+            </a:r>
+          </a:p>
+          <a:p>
+            <a:r>
+              <a:rPr lang="en-US" dirty="0"/>
+              <a:t>R goes from ¼ to 1/10 during stagnation (factor 2.5)</a:t>
+            </a:r>
+          </a:p>
+          <a:p>
+            <a:r>
+              <a:rPr lang="en-US" dirty="0"/>
+              <a:t>This only gives total of factor of 5 though… the rest of the energy comes from return shock heating, which must come from piston</a:t>
+            </a:r>
+          </a:p>
+        </p:txBody>
+      </p:sp>
     </p:spTree>
     <p:extLst>
       <p:ext uri="{BB962C8B-B14F-4D97-AF65-F5344CB8AC3E}">
-        <p14:creationId xmlns:p14="http://schemas.microsoft.com/office/powerpoint/2010/main" val="2625907330"/>
+        <p14:creationId xmlns:p14="http://schemas.microsoft.com/office/powerpoint/2010/main" val="4074554371"/>
       </p:ext>
     </p:extLst>
   </p:cSld>
@@ -7409,10 +7083,10 @@
       </p:grpSpPr>
       <p:sp>
         <p:nvSpPr>
-          <p:cNvPr id="9" name="Title 8">
-            <a:extLst>
-              <a:ext uri="{FF2B5EF4-FFF2-40B4-BE49-F238E27FC236}">
-                <a16:creationId xmlns:a16="http://schemas.microsoft.com/office/drawing/2014/main" id="{7BC9B4AD-7694-1F41-90FC-1E7AD3D95C09}"/>
+          <p:cNvPr id="5" name="Title 4">
+            <a:extLst>
+              <a:ext uri="{FF2B5EF4-FFF2-40B4-BE49-F238E27FC236}">
+                <a16:creationId xmlns:a16="http://schemas.microsoft.com/office/drawing/2014/main" id="{D936682D-8B67-634C-847A-3E8D325861E5}"/>
               </a:ext>
             </a:extLst>
           </p:cNvPr>
@@ -7423,106 +7097,30 @@
             <p:ph type="title"/>
           </p:nvPr>
         </p:nvSpPr>
-        <p:spPr/>
+        <p:spPr>
+          <a:xfrm>
+            <a:off x="838200" y="365125"/>
+            <a:ext cx="10942674" cy="1325563"/>
+          </a:xfrm>
+        </p:spPr>
         <p:txBody>
           <a:bodyPr/>
           <a:lstStyle/>
           <a:p>
             <a:r>
               <a:rPr lang="en-US" dirty="0"/>
-              <a:t>Example B</a:t>
-            </a:r>
-            <a:r>
-              <a:rPr lang="en-US" baseline="-25000" dirty="0"/>
-              <a:t>𝜃</a:t>
-            </a:r>
-            <a:r>
-              <a:rPr lang="en-US" dirty="0"/>
-              <a:t> from 1MA/3Torr/3cm run</a:t>
-            </a:r>
-          </a:p>
-        </p:txBody>
-      </p:sp>
-      <p:sp>
-        <p:nvSpPr>
-          <p:cNvPr id="10" name="TextBox 9">
-            <a:extLst>
-              <a:ext uri="{FF2B5EF4-FFF2-40B4-BE49-F238E27FC236}">
-                <a16:creationId xmlns:a16="http://schemas.microsoft.com/office/drawing/2014/main" id="{B1C52584-1FF9-7F44-A3C0-39DA660D2284}"/>
-              </a:ext>
-            </a:extLst>
-          </p:cNvPr>
-          <p:cNvSpPr txBox="1"/>
-          <p:nvPr/>
-        </p:nvSpPr>
-        <p:spPr>
-          <a:xfrm>
-            <a:off x="7390614" y="1690688"/>
-            <a:ext cx="3733015" cy="3416320"/>
-          </a:xfrm>
-          <a:prstGeom prst="rect">
-            <a:avLst/>
-          </a:prstGeom>
-          <a:noFill/>
-        </p:spPr>
-        <p:txBody>
-          <a:bodyPr wrap="square" rtlCol="0">
-            <a:spAutoFit/>
-          </a:bodyPr>
-          <a:lstStyle/>
-          <a:p>
-            <a:pPr marL="285750" indent="-285750">
-              <a:buFont typeface="Arial" panose="020B0604020202020204" pitchFamily="34" charset="0"/>
-              <a:buChar char="•"/>
-            </a:pPr>
-            <a:r>
-              <a:rPr lang="en-US" sz="2400" dirty="0"/>
-              <a:t>Skin layer between r1(t) and r2(t)</a:t>
-            </a:r>
-          </a:p>
-          <a:p>
-            <a:pPr marL="285750" indent="-285750">
-              <a:buFont typeface="Arial" panose="020B0604020202020204" pitchFamily="34" charset="0"/>
-              <a:buChar char="•"/>
-            </a:pPr>
-            <a:r>
-              <a:rPr lang="en-US" sz="2400" dirty="0"/>
-              <a:t>Magnetic flux/energy in skin layer is much less than that in vacuum for thin skin layer</a:t>
-            </a:r>
-          </a:p>
-          <a:p>
-            <a:pPr marL="285750" indent="-285750">
-              <a:buFont typeface="Arial" panose="020B0604020202020204" pitchFamily="34" charset="0"/>
-              <a:buChar char="•"/>
-            </a:pPr>
-            <a:r>
-              <a:rPr lang="en-US" sz="2400" dirty="0" err="1"/>
-              <a:t>rB</a:t>
-            </a:r>
-            <a:r>
-              <a:rPr lang="en-US" sz="2400" baseline="-25000" dirty="0"/>
-              <a:t>𝜃</a:t>
-            </a:r>
-            <a:r>
-              <a:rPr lang="en-US" sz="2400" dirty="0"/>
-              <a:t> propagates in like a square pulse</a:t>
-            </a:r>
-          </a:p>
-          <a:p>
-            <a:pPr marL="285750" indent="-285750">
-              <a:buFont typeface="Arial" panose="020B0604020202020204" pitchFamily="34" charset="0"/>
-              <a:buChar char="•"/>
-            </a:pPr>
-            <a:endParaRPr lang="en-US" sz="2400" dirty="0"/>
+              <a:t>1D MHD Shock in Cylindrical at 1MA/3Torr/3cm</a:t>
+            </a:r>
           </a:p>
         </p:txBody>
       </p:sp>
       <p:pic>
         <p:nvPicPr>
-          <p:cNvPr id="14" name="Content Placeholder 13">
-            <a:extLst>
-              <a:ext uri="{FF2B5EF4-FFF2-40B4-BE49-F238E27FC236}">
-                <a16:creationId xmlns:a16="http://schemas.microsoft.com/office/drawing/2014/main" id="{CEB7BFE3-F8BB-2C4E-9035-4C098E241769}"/>
+          <p:cNvPr id="10" name="dpf1Dmovie_4AeOBm.mp4">
+            <a:hlinkClick r:id="" action="ppaction://media"/>
+            <a:extLst>
+              <a:ext uri="{FF2B5EF4-FFF2-40B4-BE49-F238E27FC236}">
+                <a16:creationId xmlns:a16="http://schemas.microsoft.com/office/drawing/2014/main" id="{84F21FFF-1B89-0F45-9C9D-F1A44265FF2A}"/>
               </a:ext>
             </a:extLst>
           </p:cNvPr>
@@ -7531,31 +7129,171 @@
           </p:cNvPicPr>
           <p:nvPr>
             <p:ph idx="1"/>
+            <a:videoFile r:link="rId2"/>
+            <p:extLst>
+              <p:ext uri="{DAA4B4D4-6D71-4841-9C94-3DE7FCFB9230}">
+                <p14:media xmlns:p14="http://schemas.microsoft.com/office/powerpoint/2010/main" r:embed="rId1"/>
+              </p:ext>
+            </p:extLst>
           </p:nvPr>
         </p:nvPicPr>
-        <p:blipFill>
-          <a:blip r:embed="rId2"/>
-          <a:stretch>
-            <a:fillRect/>
-          </a:stretch>
+        <p:blipFill rotWithShape="1">
+          <a:blip r:embed="rId4"/>
+          <a:srcRect l="8547" t="8267" r="148" b="4338"/>
+          <a:stretch/>
         </p:blipFill>
         <p:spPr>
           <a:xfrm>
-            <a:off x="1213515" y="1690688"/>
-            <a:ext cx="5801784" cy="4351338"/>
+            <a:off x="506791" y="2249715"/>
+            <a:ext cx="11605491" cy="3647440"/>
           </a:xfrm>
         </p:spPr>
       </p:pic>
     </p:spTree>
     <p:extLst>
       <p:ext uri="{BB962C8B-B14F-4D97-AF65-F5344CB8AC3E}">
-        <p14:creationId xmlns:p14="http://schemas.microsoft.com/office/powerpoint/2010/main" val="3645496105"/>
+        <p14:creationId xmlns:p14="http://schemas.microsoft.com/office/powerpoint/2010/main" val="575646670"/>
       </p:ext>
     </p:extLst>
   </p:cSld>
   <p:clrMapOvr>
     <a:masterClrMapping/>
   </p:clrMapOvr>
+  <p:timing>
+    <p:tnLst>
+      <p:par>
+        <p:cTn id="1" dur="indefinite" restart="never" nodeType="tmRoot">
+          <p:childTnLst>
+            <p:seq concurrent="1" nextAc="seek">
+              <p:cTn id="2" dur="indefinite" nodeType="mainSeq">
+                <p:childTnLst>
+                  <p:par>
+                    <p:cTn id="3" fill="hold">
+                      <p:stCondLst>
+                        <p:cond delay="indefinite"/>
+                      </p:stCondLst>
+                      <p:childTnLst>
+                        <p:par>
+                          <p:cTn id="4" fill="hold">
+                            <p:stCondLst>
+                              <p:cond delay="0"/>
+                            </p:stCondLst>
+                            <p:childTnLst>
+                              <p:par>
+                                <p:cTn id="5" presetID="1" presetClass="mediacall" presetSubtype="0" fill="hold" nodeType="clickEffect">
+                                  <p:stCondLst>
+                                    <p:cond delay="0"/>
+                                  </p:stCondLst>
+                                  <p:childTnLst>
+                                    <p:cmd type="call" cmd="playFrom(0.0)">
+                                      <p:cBhvr>
+                                        <p:cTn id="6" dur="27750" fill="hold"/>
+                                        <p:tgtEl>
+                                          <p:spTgt spid="10"/>
+                                        </p:tgtEl>
+                                      </p:cBhvr>
+                                    </p:cmd>
+                                  </p:childTnLst>
+                                </p:cTn>
+                              </p:par>
+                            </p:childTnLst>
+                          </p:cTn>
+                        </p:par>
+                      </p:childTnLst>
+                    </p:cTn>
+                  </p:par>
+                </p:childTnLst>
+              </p:cTn>
+              <p:prevCondLst>
+                <p:cond evt="onPrev" delay="0">
+                  <p:tgtEl>
+                    <p:sldTgt/>
+                  </p:tgtEl>
+                </p:cond>
+              </p:prevCondLst>
+              <p:nextCondLst>
+                <p:cond evt="onNext" delay="0">
+                  <p:tgtEl>
+                    <p:sldTgt/>
+                  </p:tgtEl>
+                </p:cond>
+              </p:nextCondLst>
+            </p:seq>
+            <p:video>
+              <p:cMediaNode vol="80000">
+                <p:cTn id="7" fill="hold" display="0">
+                  <p:stCondLst>
+                    <p:cond delay="indefinite"/>
+                  </p:stCondLst>
+                </p:cTn>
+                <p:tgtEl>
+                  <p:spTgt spid="10"/>
+                </p:tgtEl>
+              </p:cMediaNode>
+            </p:video>
+            <p:seq concurrent="1" nextAc="seek">
+              <p:cTn id="8" restart="whenNotActive" fill="hold" evtFilter="cancelBubble" nodeType="interactiveSeq">
+                <p:stCondLst>
+                  <p:cond evt="onClick" delay="0">
+                    <p:tgtEl>
+                      <p:spTgt spid="10"/>
+                    </p:tgtEl>
+                  </p:cond>
+                </p:stCondLst>
+                <p:endSync evt="end" delay="0">
+                  <p:rtn val="all"/>
+                </p:endSync>
+                <p:childTnLst>
+                  <p:par>
+                    <p:cTn id="9" fill="hold">
+                      <p:stCondLst>
+                        <p:cond delay="0"/>
+                      </p:stCondLst>
+                      <p:childTnLst>
+                        <p:par>
+                          <p:cTn id="10" fill="hold">
+                            <p:stCondLst>
+                              <p:cond delay="0"/>
+                            </p:stCondLst>
+                            <p:childTnLst>
+                              <p:par>
+                                <p:cTn id="11" presetID="2" presetClass="mediacall" presetSubtype="0" fill="hold" nodeType="clickEffect">
+                                  <p:stCondLst>
+                                    <p:cond delay="0"/>
+                                  </p:stCondLst>
+                                  <p:childTnLst>
+                                    <p:cmd type="call" cmd="togglePause">
+                                      <p:cBhvr>
+                                        <p:cTn id="12" dur="1" fill="hold"/>
+                                        <p:tgtEl>
+                                          <p:spTgt spid="10"/>
+                                        </p:tgtEl>
+                                      </p:cBhvr>
+                                    </p:cmd>
+                                  </p:childTnLst>
+                                </p:cTn>
+                              </p:par>
+                            </p:childTnLst>
+                          </p:cTn>
+                        </p:par>
+                      </p:childTnLst>
+                    </p:cTn>
+                  </p:par>
+                </p:childTnLst>
+              </p:cTn>
+              <p:nextCondLst>
+                <p:cond evt="onClick" delay="0">
+                  <p:tgtEl>
+                    <p:spTgt spid="10"/>
+                  </p:tgtEl>
+                </p:cond>
+              </p:nextCondLst>
+            </p:seq>
+          </p:childTnLst>
+        </p:cTn>
+      </p:par>
+    </p:tnLst>
+  </p:timing>
 </p:sld>
 </file>
 
@@ -7581,7 +7319,7 @@
           <p:cNvPr id="2" name="Title 1">
             <a:extLst>
               <a:ext uri="{FF2B5EF4-FFF2-40B4-BE49-F238E27FC236}">
-                <a16:creationId xmlns:a16="http://schemas.microsoft.com/office/drawing/2014/main" id="{97CF2A9A-196C-954F-A875-9C4959C8AA39}"/>
+                <a16:creationId xmlns:a16="http://schemas.microsoft.com/office/drawing/2014/main" id="{379AB5ED-6553-1846-B555-799D1634AE13}"/>
               </a:ext>
             </a:extLst>
           </p:cNvPr>
@@ -7599,202 +7337,43 @@
           <a:p>
             <a:r>
               <a:rPr lang="en-US" dirty="0"/>
-              <a:t>Formula for average pressure in pinch at stagnation from energy balance</a:t>
-            </a:r>
-          </a:p>
-        </p:txBody>
-      </p:sp>
-      <p:sp>
-        <p:nvSpPr>
-          <p:cNvPr id="7" name="Content Placeholder 6">
-            <a:extLst>
-              <a:ext uri="{FF2B5EF4-FFF2-40B4-BE49-F238E27FC236}">
-                <a16:creationId xmlns:a16="http://schemas.microsoft.com/office/drawing/2014/main" id="{636A3E22-9690-CA42-BE5A-DA58A54ACF26}"/>
-              </a:ext>
-            </a:extLst>
-          </p:cNvPr>
-          <p:cNvSpPr>
-            <a:spLocks noGrp="1"/>
-          </p:cNvSpPr>
-          <p:nvPr>
-            <p:ph sz="half" idx="1"/>
-          </p:nvPr>
-        </p:nvSpPr>
-        <p:spPr>
-          <a:xfrm>
-            <a:off x="838200" y="1825625"/>
-            <a:ext cx="10247722" cy="4055701"/>
-          </a:xfrm>
-        </p:spPr>
-        <p:txBody>
-          <a:bodyPr>
-            <a:normAutofit/>
-          </a:bodyPr>
-          <a:lstStyle/>
-          <a:p>
-            <a:r>
-              <a:rPr lang="en-US" sz="2200" dirty="0"/>
-              <a:t>Average density at stagnation from mass conservation</a:t>
-            </a:r>
-          </a:p>
-          <a:p>
-            <a:endParaRPr lang="en-US" sz="2200" dirty="0"/>
-          </a:p>
-          <a:p>
-            <a:endParaRPr lang="en-US" sz="2200" dirty="0"/>
-          </a:p>
-          <a:p>
-            <a:r>
-              <a:rPr lang="en-US" sz="2200" dirty="0"/>
-              <a:t>Magnetic field energy at stagnation can be expressed in terms of current and compression ratio</a:t>
-            </a:r>
-          </a:p>
-          <a:p>
-            <a:endParaRPr lang="en-US" sz="2200" dirty="0"/>
-          </a:p>
-          <a:p>
-            <a:endParaRPr lang="en-US" sz="2200" dirty="0"/>
-          </a:p>
-          <a:p>
-            <a:r>
-              <a:rPr lang="en-US" sz="2200" dirty="0"/>
-              <a:t>Average pressure from energy balance equation</a:t>
+              <a:t>Stagnation occurs at r/R = 0.13 in cylindrical</a:t>
             </a:r>
           </a:p>
         </p:txBody>
       </p:sp>
       <p:pic>
         <p:nvPicPr>
-          <p:cNvPr id="8" name="Picture 7">
-            <a:extLst>
-              <a:ext uri="{FF2B5EF4-FFF2-40B4-BE49-F238E27FC236}">
-                <a16:creationId xmlns:a16="http://schemas.microsoft.com/office/drawing/2014/main" id="{4D65988D-1FD5-4C47-96F7-2423E527849E}"/>
+          <p:cNvPr id="5" name="Content Placeholder 4">
+            <a:extLst>
+              <a:ext uri="{FF2B5EF4-FFF2-40B4-BE49-F238E27FC236}">
+                <a16:creationId xmlns:a16="http://schemas.microsoft.com/office/drawing/2014/main" id="{54A40380-BE63-D941-A681-85D69C77D34D}"/>
               </a:ext>
             </a:extLst>
           </p:cNvPr>
           <p:cNvPicPr>
-            <a:picLocks noChangeAspect="1"/>
+            <a:picLocks noGrp="1" noChangeAspect="1"/>
           </p:cNvPicPr>
-          <p:nvPr/>
+          <p:nvPr>
+            <p:ph idx="1"/>
+          </p:nvPr>
         </p:nvPicPr>
-        <p:blipFill>
+        <p:blipFill rotWithShape="1">
           <a:blip r:embed="rId2"/>
-          <a:stretch>
-            <a:fillRect/>
-          </a:stretch>
+          <a:srcRect l="8005" t="5557" r="7668" b="3910"/>
+          <a:stretch/>
         </p:blipFill>
         <p:spPr>
           <a:xfrm>
-            <a:off x="1444985" y="3851573"/>
-            <a:ext cx="6800134" cy="689448"/>
-          </a:xfrm>
-          <a:prstGeom prst="rect">
-            <a:avLst/>
-          </a:prstGeom>
-        </p:spPr>
-      </p:pic>
-      <p:pic>
-        <p:nvPicPr>
-          <p:cNvPr id="9" name="Picture 8">
-            <a:extLst>
-              <a:ext uri="{FF2B5EF4-FFF2-40B4-BE49-F238E27FC236}">
-                <a16:creationId xmlns:a16="http://schemas.microsoft.com/office/drawing/2014/main" id="{A71E263E-3B62-5F48-AE8B-18EC9D1DA2D3}"/>
-              </a:ext>
-            </a:extLst>
-          </p:cNvPr>
-          <p:cNvPicPr>
-            <a:picLocks noChangeAspect="1"/>
-          </p:cNvPicPr>
-          <p:nvPr/>
-        </p:nvPicPr>
-        <p:blipFill>
-          <a:blip r:embed="rId3"/>
-          <a:stretch>
-            <a:fillRect/>
-          </a:stretch>
-        </p:blipFill>
-        <p:spPr>
-          <a:xfrm>
-            <a:off x="1444985" y="2360840"/>
-            <a:ext cx="3683196" cy="654025"/>
-          </a:xfrm>
-          <a:prstGeom prst="rect">
-            <a:avLst/>
-          </a:prstGeom>
-        </p:spPr>
-      </p:pic>
-      <p:pic>
-        <p:nvPicPr>
-          <p:cNvPr id="10" name="Picture 9">
-            <a:extLst>
-              <a:ext uri="{FF2B5EF4-FFF2-40B4-BE49-F238E27FC236}">
-                <a16:creationId xmlns:a16="http://schemas.microsoft.com/office/drawing/2014/main" id="{7C47AB61-010E-584B-A486-EFB3D2A5D24C}"/>
-              </a:ext>
-            </a:extLst>
-          </p:cNvPr>
-          <p:cNvPicPr>
-            <a:picLocks noChangeAspect="1"/>
-          </p:cNvPicPr>
-          <p:nvPr/>
-        </p:nvPicPr>
-        <p:blipFill>
-          <a:blip r:embed="rId4"/>
-          <a:stretch>
-            <a:fillRect/>
-          </a:stretch>
-        </p:blipFill>
-        <p:spPr>
-          <a:xfrm>
-            <a:off x="1444985" y="5211173"/>
-            <a:ext cx="5791527" cy="1340305"/>
-          </a:xfrm>
-          <a:prstGeom prst="rect">
-            <a:avLst/>
-          </a:prstGeom>
-        </p:spPr>
-      </p:pic>
-      <p:pic>
-        <p:nvPicPr>
-          <p:cNvPr id="11" name="Picture 10">
-            <a:extLst>
-              <a:ext uri="{FF2B5EF4-FFF2-40B4-BE49-F238E27FC236}">
-                <a16:creationId xmlns:a16="http://schemas.microsoft.com/office/drawing/2014/main" id="{5DB6076F-691A-7240-A765-9D1BD3BFBBEA}"/>
-              </a:ext>
-            </a:extLst>
-          </p:cNvPr>
-          <p:cNvPicPr>
-            <a:picLocks noChangeAspect="1"/>
-          </p:cNvPicPr>
-          <p:nvPr/>
-        </p:nvPicPr>
-        <p:blipFill>
-          <a:blip r:embed="rId5"/>
-          <a:stretch>
-            <a:fillRect/>
-          </a:stretch>
-        </p:blipFill>
-        <p:spPr>
-          <a:xfrm>
-            <a:off x="7515224" y="1659771"/>
-            <a:ext cx="4445361" cy="867625"/>
-          </a:xfrm>
-          <a:prstGeom prst="rect">
-            <a:avLst/>
-          </a:prstGeom>
-          <a:solidFill>
-            <a:srgbClr val="FFFF00"/>
-          </a:solidFill>
-          <a:ln>
-            <a:solidFill>
-              <a:srgbClr val="FF0000"/>
-            </a:solidFill>
-          </a:ln>
+            <a:off x="324836" y="2232837"/>
+            <a:ext cx="11370977" cy="4008475"/>
+          </a:xfrm>
         </p:spPr>
       </p:pic>
     </p:spTree>
     <p:extLst>
       <p:ext uri="{BB962C8B-B14F-4D97-AF65-F5344CB8AC3E}">
-        <p14:creationId xmlns:p14="http://schemas.microsoft.com/office/powerpoint/2010/main" val="3826254033"/>
+        <p14:creationId xmlns:p14="http://schemas.microsoft.com/office/powerpoint/2010/main" val="811920754"/>
       </p:ext>
     </p:extLst>
   </p:cSld>
@@ -7823,10 +7402,10 @@
       </p:grpSpPr>
       <p:sp>
         <p:nvSpPr>
-          <p:cNvPr id="5" name="Title 4">
-            <a:extLst>
-              <a:ext uri="{FF2B5EF4-FFF2-40B4-BE49-F238E27FC236}">
-                <a16:creationId xmlns:a16="http://schemas.microsoft.com/office/drawing/2014/main" id="{A583EF43-98D1-4946-B769-C623AC264002}"/>
+          <p:cNvPr id="2" name="Title 1">
+            <a:extLst>
+              <a:ext uri="{FF2B5EF4-FFF2-40B4-BE49-F238E27FC236}">
+                <a16:creationId xmlns:a16="http://schemas.microsoft.com/office/drawing/2014/main" id="{E6A1D61F-CE23-2342-A1E7-F8D58540638E}"/>
               </a:ext>
             </a:extLst>
           </p:cNvPr>
@@ -7837,145 +7416,233 @@
             <p:ph type="title"/>
           </p:nvPr>
         </p:nvSpPr>
-        <p:spPr/>
+        <p:spPr>
+          <a:xfrm>
+            <a:off x="838196" y="14411"/>
+            <a:ext cx="10974572" cy="1325563"/>
+          </a:xfrm>
+        </p:spPr>
         <p:txBody>
           <a:bodyPr>
-            <a:noAutofit/>
+            <a:normAutofit fontScale="90000"/>
           </a:bodyPr>
           <a:lstStyle/>
           <a:p>
             <a:r>
               <a:rPr lang="en-US" sz="3600" dirty="0"/>
-              <a:t>1D model gives average temperature at stagnation in terms of energy per unit length in magnetic field, particles per unit length, and adiabatic coefficient</a:t>
-            </a:r>
-          </a:p>
-        </p:txBody>
-      </p:sp>
-      <p:sp>
-        <p:nvSpPr>
-          <p:cNvPr id="6" name="Content Placeholder 5">
-            <a:extLst>
-              <a:ext uri="{FF2B5EF4-FFF2-40B4-BE49-F238E27FC236}">
-                <a16:creationId xmlns:a16="http://schemas.microsoft.com/office/drawing/2014/main" id="{4AD51918-ED08-A14E-B783-B03CD27EC253}"/>
-              </a:ext>
-            </a:extLst>
-          </p:cNvPr>
-          <p:cNvSpPr>
-            <a:spLocks noGrp="1"/>
-          </p:cNvSpPr>
-          <p:nvPr>
-            <p:ph idx="1"/>
-          </p:nvPr>
-        </p:nvSpPr>
-        <p:spPr>
-          <a:xfrm>
-            <a:off x="838200" y="3921551"/>
-            <a:ext cx="10515600" cy="2255411"/>
-          </a:xfrm>
-        </p:spPr>
-        <p:txBody>
-          <a:bodyPr>
-            <a:normAutofit fontScale="92500" lnSpcReduction="10000"/>
+              <a:t>Rate of Energy input into magnetic field is the same as rate of energy input into plasma for small skin layer even for cylindrical</a:t>
+            </a:r>
+          </a:p>
+        </p:txBody>
+      </p:sp>
+      <p:sp>
+        <p:nvSpPr>
+          <p:cNvPr id="9" name="TextBox 8">
+            <a:extLst>
+              <a:ext uri="{FF2B5EF4-FFF2-40B4-BE49-F238E27FC236}">
+                <a16:creationId xmlns:a16="http://schemas.microsoft.com/office/drawing/2014/main" id="{95CDD9B4-2C0D-8F4B-821D-7BD58071118A}"/>
+              </a:ext>
+            </a:extLst>
+          </p:cNvPr>
+          <p:cNvSpPr txBox="1"/>
+          <p:nvPr/>
+        </p:nvSpPr>
+        <p:spPr>
+          <a:xfrm>
+            <a:off x="838196" y="2255757"/>
+            <a:ext cx="2731265" cy="461665"/>
+          </a:xfrm>
+          <a:prstGeom prst="rect">
+            <a:avLst/>
+          </a:prstGeom>
+          <a:noFill/>
+        </p:spPr>
+        <p:txBody>
+          <a:bodyPr wrap="square" rtlCol="0">
+            <a:spAutoFit/>
           </a:bodyPr>
           <a:lstStyle/>
           <a:p>
             <a:r>
-              <a:rPr lang="en-US" dirty="0"/>
-              <a:t>μ</a:t>
-            </a:r>
-            <a:r>
-              <a:rPr lang="en-US" baseline="-25000" dirty="0"/>
-              <a:t>0</a:t>
-            </a:r>
-            <a:r>
-              <a:rPr lang="en-US" dirty="0"/>
-              <a:t>I</a:t>
-            </a:r>
-            <a:r>
-              <a:rPr lang="en-US" baseline="30000" dirty="0"/>
-              <a:t>2</a:t>
-            </a:r>
-            <a:r>
-              <a:rPr lang="en-US" dirty="0"/>
-              <a:t>/4𝜋 x ln(R/</a:t>
-            </a:r>
-            <a:r>
-              <a:rPr lang="en-US" dirty="0" err="1"/>
-              <a:t>r</a:t>
-            </a:r>
-            <a:r>
-              <a:rPr lang="en-US" baseline="-25000" dirty="0" err="1"/>
-              <a:t>s</a:t>
-            </a:r>
-            <a:r>
-              <a:rPr lang="en-US" dirty="0"/>
-              <a:t>) is energy per unit length in magnetic field at stagnation</a:t>
-            </a:r>
-          </a:p>
-          <a:p>
-            <a:r>
-              <a:rPr lang="en-US" dirty="0"/>
-              <a:t>𝜋R</a:t>
-            </a:r>
-            <a:r>
-              <a:rPr lang="en-US" baseline="30000" dirty="0"/>
-              <a:t>2</a:t>
-            </a:r>
-            <a:r>
-              <a:rPr lang="en-US" dirty="0"/>
-              <a:t>n</a:t>
-            </a:r>
-            <a:r>
-              <a:rPr lang="en-US" baseline="-25000" dirty="0"/>
-              <a:t>0</a:t>
-            </a:r>
-            <a:r>
-              <a:rPr lang="en-US" dirty="0"/>
-              <a:t> is particles per unit length of plasma being compressed</a:t>
-            </a:r>
-          </a:p>
-          <a:p>
-            <a:r>
-              <a:rPr lang="en-US" dirty="0"/>
-              <a:t>I is current</a:t>
-            </a:r>
-          </a:p>
-          <a:p>
-            <a:r>
-              <a:rPr lang="en-US" dirty="0" err="1"/>
-              <a:t>γ</a:t>
-            </a:r>
-            <a:r>
-              <a:rPr lang="en-US" dirty="0"/>
-              <a:t> is adiabatic coefficient (5/3 for ideal gas)</a:t>
-            </a:r>
-          </a:p>
-          <a:p>
-            <a:r>
-              <a:rPr lang="en-US" dirty="0"/>
-              <a:t>R/</a:t>
-            </a:r>
-            <a:r>
-              <a:rPr lang="en-US" dirty="0" err="1"/>
-              <a:t>r</a:t>
-            </a:r>
-            <a:r>
-              <a:rPr lang="en-US" baseline="-25000" dirty="0" err="1"/>
-              <a:t>s</a:t>
-            </a:r>
-            <a:r>
-              <a:rPr lang="en-US" dirty="0"/>
-              <a:t> is compression ratio (1.0/0.13=7.7 from 1D shock calculation)</a:t>
+              <a:rPr lang="en-US" sz="2400" b="1" dirty="0"/>
+              <a:t>From Ampere’s law:</a:t>
+            </a:r>
+          </a:p>
+        </p:txBody>
+      </p:sp>
+      <p:sp>
+        <p:nvSpPr>
+          <p:cNvPr id="10" name="TextBox 9">
+            <a:extLst>
+              <a:ext uri="{FF2B5EF4-FFF2-40B4-BE49-F238E27FC236}">
+                <a16:creationId xmlns:a16="http://schemas.microsoft.com/office/drawing/2014/main" id="{D8CDD6DF-431D-8641-AD58-D046502E1669}"/>
+              </a:ext>
+            </a:extLst>
+          </p:cNvPr>
+          <p:cNvSpPr txBox="1"/>
+          <p:nvPr/>
+        </p:nvSpPr>
+        <p:spPr>
+          <a:xfrm>
+            <a:off x="838197" y="3633205"/>
+            <a:ext cx="3733804" cy="461665"/>
+          </a:xfrm>
+          <a:prstGeom prst="rect">
+            <a:avLst/>
+          </a:prstGeom>
+          <a:noFill/>
+        </p:spPr>
+        <p:txBody>
+          <a:bodyPr wrap="square" rtlCol="0">
+            <a:spAutoFit/>
+          </a:bodyPr>
+          <a:lstStyle/>
+          <a:p>
+            <a:r>
+              <a:rPr lang="en-US" sz="2400" b="1" dirty="0"/>
+              <a:t>Also from thin skin current</a:t>
+            </a:r>
+          </a:p>
+        </p:txBody>
+      </p:sp>
+      <p:sp>
+        <p:nvSpPr>
+          <p:cNvPr id="15" name="TextBox 14">
+            <a:extLst>
+              <a:ext uri="{FF2B5EF4-FFF2-40B4-BE49-F238E27FC236}">
+                <a16:creationId xmlns:a16="http://schemas.microsoft.com/office/drawing/2014/main" id="{A13BDA67-A6C7-B24E-9752-8A4C85607383}"/>
+              </a:ext>
+            </a:extLst>
+          </p:cNvPr>
+          <p:cNvSpPr txBox="1"/>
+          <p:nvPr/>
+        </p:nvSpPr>
+        <p:spPr>
+          <a:xfrm>
+            <a:off x="838197" y="5262518"/>
+            <a:ext cx="6928693" cy="461665"/>
+          </a:xfrm>
+          <a:prstGeom prst="rect">
+            <a:avLst/>
+          </a:prstGeom>
+          <a:noFill/>
+        </p:spPr>
+        <p:txBody>
+          <a:bodyPr wrap="square" rtlCol="0">
+            <a:spAutoFit/>
+          </a:bodyPr>
+          <a:lstStyle/>
+          <a:p>
+            <a:r>
+              <a:rPr lang="en-US" sz="2400" b="1" dirty="0"/>
+              <a:t>From total energy conservation</a:t>
             </a:r>
           </a:p>
         </p:txBody>
       </p:sp>
       <p:pic>
         <p:nvPicPr>
-          <p:cNvPr id="7" name="Picture 6">
-            <a:extLst>
-              <a:ext uri="{FF2B5EF4-FFF2-40B4-BE49-F238E27FC236}">
-                <a16:creationId xmlns:a16="http://schemas.microsoft.com/office/drawing/2014/main" id="{65D4E358-779D-3543-9052-C4D532E9066A}"/>
+          <p:cNvPr id="11" name="Content Placeholder 10">
+            <a:extLst>
+              <a:ext uri="{FF2B5EF4-FFF2-40B4-BE49-F238E27FC236}">
+                <a16:creationId xmlns:a16="http://schemas.microsoft.com/office/drawing/2014/main" id="{C85747A4-2F38-C544-83C1-8F26A3869AB1}"/>
+              </a:ext>
+            </a:extLst>
+          </p:cNvPr>
+          <p:cNvPicPr>
+            <a:picLocks noGrp="1" noChangeAspect="1"/>
+          </p:cNvPicPr>
+          <p:nvPr>
+            <p:ph idx="1"/>
+          </p:nvPr>
+        </p:nvPicPr>
+        <p:blipFill>
+          <a:blip r:embed="rId2"/>
+          <a:stretch>
+            <a:fillRect/>
+          </a:stretch>
+        </p:blipFill>
+        <p:spPr>
+          <a:xfrm>
+            <a:off x="913681" y="2777497"/>
+            <a:ext cx="5186866" cy="612570"/>
+          </a:xfrm>
+          <a:prstGeom prst="rect">
+            <a:avLst/>
+          </a:prstGeom>
+        </p:spPr>
+      </p:pic>
+      <p:sp>
+        <p:nvSpPr>
+          <p:cNvPr id="18" name="TextBox 17">
+            <a:extLst>
+              <a:ext uri="{FF2B5EF4-FFF2-40B4-BE49-F238E27FC236}">
+                <a16:creationId xmlns:a16="http://schemas.microsoft.com/office/drawing/2014/main" id="{1C090803-81D5-9C41-A8EA-8BE8923BBB45}"/>
+              </a:ext>
+            </a:extLst>
+          </p:cNvPr>
+          <p:cNvSpPr txBox="1"/>
+          <p:nvPr/>
+        </p:nvSpPr>
+        <p:spPr>
+          <a:xfrm>
+            <a:off x="6401257" y="2255757"/>
+            <a:ext cx="3704277" cy="461665"/>
+          </a:xfrm>
+          <a:prstGeom prst="rect">
+            <a:avLst/>
+          </a:prstGeom>
+          <a:noFill/>
+        </p:spPr>
+        <p:txBody>
+          <a:bodyPr wrap="square" rtlCol="0">
+            <a:spAutoFit/>
+          </a:bodyPr>
+          <a:lstStyle/>
+          <a:p>
+            <a:r>
+              <a:rPr lang="en-US" sz="2400" b="1" dirty="0"/>
+              <a:t>From thin skin current</a:t>
+            </a:r>
+          </a:p>
+        </p:txBody>
+      </p:sp>
+      <p:pic>
+        <p:nvPicPr>
+          <p:cNvPr id="26" name="Picture 25">
+            <a:extLst>
+              <a:ext uri="{FF2B5EF4-FFF2-40B4-BE49-F238E27FC236}">
+                <a16:creationId xmlns:a16="http://schemas.microsoft.com/office/drawing/2014/main" id="{3894A379-950F-3741-94AC-E39C8C0F6527}"/>
+              </a:ext>
+            </a:extLst>
+          </p:cNvPr>
+          <p:cNvPicPr>
+            <a:picLocks noChangeAspect="1"/>
+          </p:cNvPicPr>
+          <p:nvPr/>
+        </p:nvPicPr>
+        <p:blipFill>
+          <a:blip r:embed="rId3"/>
+          <a:stretch>
+            <a:fillRect/>
+          </a:stretch>
+        </p:blipFill>
+        <p:spPr>
+          <a:xfrm>
+            <a:off x="6447147" y="2772982"/>
+            <a:ext cx="3887700" cy="698347"/>
+          </a:xfrm>
+          <a:prstGeom prst="rect">
+            <a:avLst/>
+          </a:prstGeom>
+        </p:spPr>
+      </p:pic>
+      <p:pic>
+        <p:nvPicPr>
+          <p:cNvPr id="3" name="Picture 2">
+            <a:extLst>
+              <a:ext uri="{FF2B5EF4-FFF2-40B4-BE49-F238E27FC236}">
+                <a16:creationId xmlns:a16="http://schemas.microsoft.com/office/drawing/2014/main" id="{759FF8A9-4200-494F-B3DF-455520ACA67D}"/>
               </a:ext>
             </a:extLst>
           </p:cNvPr>
@@ -7985,14 +7652,14 @@
           <p:nvPr/>
         </p:nvPicPr>
         <p:blipFill rotWithShape="1">
-          <a:blip r:embed="rId2"/>
-          <a:srcRect l="23" t="-2575" r="-1255" b="-10327"/>
+          <a:blip r:embed="rId4"/>
+          <a:srcRect l="-1982" t="-3711" r="-502" b="-5886"/>
           <a:stretch/>
         </p:blipFill>
         <p:spPr>
           <a:xfrm>
-            <a:off x="1003011" y="2250178"/>
-            <a:ext cx="10149840" cy="1280160"/>
+            <a:off x="2926080" y="1280159"/>
+            <a:ext cx="5900134" cy="828089"/>
           </a:xfrm>
           <a:prstGeom prst="rect">
             <a:avLst/>
@@ -8007,10 +7674,70 @@
           </a:ln>
         </p:spPr>
       </p:pic>
+      <p:pic>
+        <p:nvPicPr>
+          <p:cNvPr id="4" name="Picture 3">
+            <a:extLst>
+              <a:ext uri="{FF2B5EF4-FFF2-40B4-BE49-F238E27FC236}">
+                <a16:creationId xmlns:a16="http://schemas.microsoft.com/office/drawing/2014/main" id="{7B9FACFE-110F-004E-A5F3-CBC273022FF3}"/>
+              </a:ext>
+            </a:extLst>
+          </p:cNvPr>
+          <p:cNvPicPr>
+            <a:picLocks noChangeAspect="1"/>
+          </p:cNvPicPr>
+          <p:nvPr/>
+        </p:nvPicPr>
+        <p:blipFill>
+          <a:blip r:embed="rId5"/>
+          <a:stretch>
+            <a:fillRect/>
+          </a:stretch>
+        </p:blipFill>
+        <p:spPr>
+          <a:xfrm>
+            <a:off x="919717" y="4123842"/>
+            <a:ext cx="9185818" cy="713391"/>
+          </a:xfrm>
+          <a:prstGeom prst="rect">
+            <a:avLst/>
+          </a:prstGeom>
+        </p:spPr>
+      </p:pic>
+      <p:pic>
+        <p:nvPicPr>
+          <p:cNvPr id="5" name="Picture 4">
+            <a:extLst>
+              <a:ext uri="{FF2B5EF4-FFF2-40B4-BE49-F238E27FC236}">
+                <a16:creationId xmlns:a16="http://schemas.microsoft.com/office/drawing/2014/main" id="{E3CE1B99-C1C3-B14F-8C1B-01865D752596}"/>
+              </a:ext>
+            </a:extLst>
+          </p:cNvPr>
+          <p:cNvPicPr>
+            <a:picLocks noChangeAspect="1"/>
+          </p:cNvPicPr>
+          <p:nvPr/>
+        </p:nvPicPr>
+        <p:blipFill>
+          <a:blip r:embed="rId6"/>
+          <a:stretch>
+            <a:fillRect/>
+          </a:stretch>
+        </p:blipFill>
+        <p:spPr>
+          <a:xfrm>
+            <a:off x="913681" y="5724184"/>
+            <a:ext cx="10144179" cy="668528"/>
+          </a:xfrm>
+          <a:prstGeom prst="rect">
+            <a:avLst/>
+          </a:prstGeom>
+        </p:spPr>
+      </p:pic>
     </p:spTree>
     <p:extLst>
       <p:ext uri="{BB962C8B-B14F-4D97-AF65-F5344CB8AC3E}">
-        <p14:creationId xmlns:p14="http://schemas.microsoft.com/office/powerpoint/2010/main" val="1527677136"/>
+        <p14:creationId xmlns:p14="http://schemas.microsoft.com/office/powerpoint/2010/main" val="2625907330"/>
       </p:ext>
     </p:extLst>
   </p:cSld>
@@ -8039,10 +7766,10 @@
       </p:grpSpPr>
       <p:sp>
         <p:nvSpPr>
-          <p:cNvPr id="2" name="Title 1">
-            <a:extLst>
-              <a:ext uri="{FF2B5EF4-FFF2-40B4-BE49-F238E27FC236}">
-                <a16:creationId xmlns:a16="http://schemas.microsoft.com/office/drawing/2014/main" id="{9D68D13C-6CD2-9047-BEDC-E98DCCDCF34F}"/>
+          <p:cNvPr id="9" name="Title 8">
+            <a:extLst>
+              <a:ext uri="{FF2B5EF4-FFF2-40B4-BE49-F238E27FC236}">
+                <a16:creationId xmlns:a16="http://schemas.microsoft.com/office/drawing/2014/main" id="{7BC9B4AD-7694-1F41-90FC-1E7AD3D95C09}"/>
               </a:ext>
             </a:extLst>
           </p:cNvPr>
@@ -8060,99 +7787,108 @@
           <a:p>
             <a:r>
               <a:rPr lang="en-US" dirty="0"/>
-              <a:t>Useful form of equation</a:t>
-            </a:r>
-          </a:p>
-        </p:txBody>
-      </p:sp>
-      <p:sp>
-        <p:nvSpPr>
-          <p:cNvPr id="3" name="Content Placeholder 2">
-            <a:extLst>
-              <a:ext uri="{FF2B5EF4-FFF2-40B4-BE49-F238E27FC236}">
-                <a16:creationId xmlns:a16="http://schemas.microsoft.com/office/drawing/2014/main" id="{998C58B8-BCDF-A24F-A430-ADC9B5E433BE}"/>
-              </a:ext>
-            </a:extLst>
-          </p:cNvPr>
-          <p:cNvSpPr>
-            <a:spLocks noGrp="1"/>
-          </p:cNvSpPr>
-          <p:nvPr>
-            <p:ph idx="1"/>
-          </p:nvPr>
-        </p:nvSpPr>
-        <p:spPr>
-          <a:xfrm>
-            <a:off x="838200" y="5505253"/>
-            <a:ext cx="10515600" cy="1180756"/>
-          </a:xfrm>
-        </p:spPr>
-        <p:txBody>
-          <a:bodyPr>
-            <a:normAutofit lnSpcReduction="10000"/>
+              <a:t>Example B</a:t>
+            </a:r>
+            <a:r>
+              <a:rPr lang="en-US" baseline="-25000" dirty="0"/>
+              <a:t>𝜃</a:t>
+            </a:r>
+            <a:r>
+              <a:rPr lang="en-US" dirty="0"/>
+              <a:t> from 1MA/3Torr/3cm run</a:t>
+            </a:r>
+          </a:p>
+        </p:txBody>
+      </p:sp>
+      <p:sp>
+        <p:nvSpPr>
+          <p:cNvPr id="10" name="TextBox 9">
+            <a:extLst>
+              <a:ext uri="{FF2B5EF4-FFF2-40B4-BE49-F238E27FC236}">
+                <a16:creationId xmlns:a16="http://schemas.microsoft.com/office/drawing/2014/main" id="{B1C52584-1FF9-7F44-A3C0-39DA660D2284}"/>
+              </a:ext>
+            </a:extLst>
+          </p:cNvPr>
+          <p:cNvSpPr txBox="1"/>
+          <p:nvPr/>
+        </p:nvSpPr>
+        <p:spPr>
+          <a:xfrm>
+            <a:off x="7390614" y="1690688"/>
+            <a:ext cx="3733015" cy="3416320"/>
+          </a:xfrm>
+          <a:prstGeom prst="rect">
+            <a:avLst/>
+          </a:prstGeom>
+          <a:noFill/>
+        </p:spPr>
+        <p:txBody>
+          <a:bodyPr wrap="square" rtlCol="0">
+            <a:spAutoFit/>
           </a:bodyPr>
           <a:lstStyle/>
           <a:p>
-            <a:r>
-              <a:rPr lang="en-US" dirty="0"/>
-              <a:t>Last two expressions give &lt;</a:t>
-            </a:r>
-            <a:r>
-              <a:rPr lang="en-US" dirty="0" err="1"/>
-              <a:t>Ti+Te</a:t>
-            </a:r>
-            <a:r>
-              <a:rPr lang="en-US" dirty="0"/>
-              <a:t>&gt; in units of eV where current I is in MA, anode radius R is in cm, fill density n</a:t>
-            </a:r>
-            <a:r>
-              <a:rPr lang="en-US" baseline="-25000" dirty="0"/>
-              <a:t>0</a:t>
-            </a:r>
-            <a:r>
-              <a:rPr lang="en-US" dirty="0"/>
-              <a:t> is in 1/cm</a:t>
-            </a:r>
-            <a:r>
-              <a:rPr lang="en-US" baseline="30000" dirty="0"/>
-              <a:t>3</a:t>
-            </a:r>
-            <a:r>
-              <a:rPr lang="en-US" dirty="0"/>
-              <a:t>, D2 fill pressure P</a:t>
-            </a:r>
-            <a:r>
-              <a:rPr lang="en-US" baseline="-25000" dirty="0"/>
-              <a:t>0</a:t>
-            </a:r>
-            <a:r>
-              <a:rPr lang="en-US" dirty="0"/>
-              <a:t> is in Torr, and </a:t>
-            </a:r>
-            <a:r>
-              <a:rPr lang="en-US" dirty="0" err="1"/>
-              <a:t>γ</a:t>
-            </a:r>
-            <a:r>
-              <a:rPr lang="en-US" dirty="0"/>
-              <a:t>=5/3 is assumed </a:t>
-            </a:r>
+            <a:pPr marL="285750" indent="-285750">
+              <a:buFont typeface="Arial" panose="020B0604020202020204" pitchFamily="34" charset="0"/>
+              <a:buChar char="•"/>
+            </a:pPr>
+            <a:r>
+              <a:rPr lang="en-US" sz="2400" dirty="0"/>
+              <a:t>Skin layer between r1(t) and r2(t)</a:t>
+            </a:r>
+          </a:p>
+          <a:p>
+            <a:pPr marL="285750" indent="-285750">
+              <a:buFont typeface="Arial" panose="020B0604020202020204" pitchFamily="34" charset="0"/>
+              <a:buChar char="•"/>
+            </a:pPr>
+            <a:r>
+              <a:rPr lang="en-US" sz="2400" dirty="0"/>
+              <a:t>Magnetic flux/energy in skin layer is much less than that in vacuum for thin skin layer</a:t>
+            </a:r>
+          </a:p>
+          <a:p>
+            <a:pPr marL="285750" indent="-285750">
+              <a:buFont typeface="Arial" panose="020B0604020202020204" pitchFamily="34" charset="0"/>
+              <a:buChar char="•"/>
+            </a:pPr>
+            <a:r>
+              <a:rPr lang="en-US" sz="2400" dirty="0" err="1"/>
+              <a:t>rB</a:t>
+            </a:r>
+            <a:r>
+              <a:rPr lang="en-US" sz="2400" baseline="-25000" dirty="0"/>
+              <a:t>𝜃</a:t>
+            </a:r>
+            <a:r>
+              <a:rPr lang="en-US" sz="2400" dirty="0"/>
+              <a:t> propagates in like a square pulse</a:t>
+            </a:r>
+          </a:p>
+          <a:p>
+            <a:pPr marL="285750" indent="-285750">
+              <a:buFont typeface="Arial" panose="020B0604020202020204" pitchFamily="34" charset="0"/>
+              <a:buChar char="•"/>
+            </a:pPr>
+            <a:endParaRPr lang="en-US" sz="2400" dirty="0"/>
           </a:p>
         </p:txBody>
       </p:sp>
       <p:pic>
         <p:nvPicPr>
-          <p:cNvPr id="5" name="Picture 4">
-            <a:extLst>
-              <a:ext uri="{FF2B5EF4-FFF2-40B4-BE49-F238E27FC236}">
-                <a16:creationId xmlns:a16="http://schemas.microsoft.com/office/drawing/2014/main" id="{FBB0A511-E975-0D40-B1DD-C84F25C78124}"/>
+          <p:cNvPr id="14" name="Content Placeholder 13">
+            <a:extLst>
+              <a:ext uri="{FF2B5EF4-FFF2-40B4-BE49-F238E27FC236}">
+                <a16:creationId xmlns:a16="http://schemas.microsoft.com/office/drawing/2014/main" id="{CEB7BFE3-F8BB-2C4E-9035-4C098E241769}"/>
               </a:ext>
             </a:extLst>
           </p:cNvPr>
           <p:cNvPicPr>
-            <a:picLocks noChangeAspect="1"/>
+            <a:picLocks noGrp="1" noChangeAspect="1"/>
           </p:cNvPicPr>
-          <p:nvPr/>
+          <p:nvPr>
+            <p:ph idx="1"/>
+          </p:nvPr>
         </p:nvPicPr>
         <p:blipFill>
           <a:blip r:embed="rId2"/>
@@ -8162,18 +7898,15 @@
         </p:blipFill>
         <p:spPr>
           <a:xfrm>
-            <a:off x="2038350" y="1619250"/>
-            <a:ext cx="8115300" cy="3619500"/>
-          </a:xfrm>
-          <a:prstGeom prst="rect">
-            <a:avLst/>
-          </a:prstGeom>
+            <a:off x="1213515" y="1690688"/>
+            <a:ext cx="5801784" cy="4351338"/>
+          </a:xfrm>
         </p:spPr>
       </p:pic>
     </p:spTree>
     <p:extLst>
       <p:ext uri="{BB962C8B-B14F-4D97-AF65-F5344CB8AC3E}">
-        <p14:creationId xmlns:p14="http://schemas.microsoft.com/office/powerpoint/2010/main" val="2248385463"/>
+        <p14:creationId xmlns:p14="http://schemas.microsoft.com/office/powerpoint/2010/main" val="3645496105"/>
       </p:ext>
     </p:extLst>
   </p:cSld>
@@ -8202,10 +7935,10 @@
       </p:grpSpPr>
       <p:sp>
         <p:nvSpPr>
-          <p:cNvPr id="4" name="Title 3">
-            <a:extLst>
-              <a:ext uri="{FF2B5EF4-FFF2-40B4-BE49-F238E27FC236}">
-                <a16:creationId xmlns:a16="http://schemas.microsoft.com/office/drawing/2014/main" id="{FE1D93D7-59F6-D242-A4F0-E8A7E9E36331}"/>
+          <p:cNvPr id="2" name="Title 1">
+            <a:extLst>
+              <a:ext uri="{FF2B5EF4-FFF2-40B4-BE49-F238E27FC236}">
+                <a16:creationId xmlns:a16="http://schemas.microsoft.com/office/drawing/2014/main" id="{97CF2A9A-196C-954F-A875-9C4959C8AA39}"/>
               </a:ext>
             </a:extLst>
           </p:cNvPr>
@@ -8223,26 +7956,83 @@
           <a:p>
             <a:r>
               <a:rPr lang="en-US" dirty="0"/>
-              <a:t>Density and Pressure profiles at stagnation from 1MA/3Torr/3CM run in cylindrical</a:t>
+              <a:t>Thermal energy in pinch at stagnation equals energy stored in magnetic field</a:t>
+            </a:r>
+          </a:p>
+        </p:txBody>
+      </p:sp>
+      <p:sp>
+        <p:nvSpPr>
+          <p:cNvPr id="7" name="Content Placeholder 6">
+            <a:extLst>
+              <a:ext uri="{FF2B5EF4-FFF2-40B4-BE49-F238E27FC236}">
+                <a16:creationId xmlns:a16="http://schemas.microsoft.com/office/drawing/2014/main" id="{636A3E22-9690-CA42-BE5A-DA58A54ACF26}"/>
+              </a:ext>
+            </a:extLst>
+          </p:cNvPr>
+          <p:cNvSpPr>
+            <a:spLocks noGrp="1"/>
+          </p:cNvSpPr>
+          <p:nvPr>
+            <p:ph sz="half" idx="1"/>
+          </p:nvPr>
+        </p:nvSpPr>
+        <p:spPr>
+          <a:xfrm>
+            <a:off x="838200" y="1825625"/>
+            <a:ext cx="10247722" cy="4055701"/>
+          </a:xfrm>
+        </p:spPr>
+        <p:txBody>
+          <a:bodyPr>
+            <a:normAutofit/>
+          </a:bodyPr>
+          <a:lstStyle/>
+          <a:p>
+            <a:r>
+              <a:rPr lang="en-US" sz="2200" dirty="0"/>
+              <a:t>Average density at stagnation from mass conservation</a:t>
+            </a:r>
+          </a:p>
+          <a:p>
+            <a:endParaRPr lang="en-US" sz="2200" dirty="0"/>
+          </a:p>
+          <a:p>
+            <a:endParaRPr lang="en-US" sz="2200" dirty="0"/>
+          </a:p>
+          <a:p>
+            <a:r>
+              <a:rPr lang="en-US" sz="2200" dirty="0"/>
+              <a:t>Magnetic field energy at stagnation can be expressed in terms of current and compression ratio</a:t>
+            </a:r>
+          </a:p>
+          <a:p>
+            <a:endParaRPr lang="en-US" sz="2200" dirty="0"/>
+          </a:p>
+          <a:p>
+            <a:endParaRPr lang="en-US" sz="2200" dirty="0"/>
+          </a:p>
+          <a:p>
+            <a:r>
+              <a:rPr lang="en-US" sz="2200" dirty="0"/>
+              <a:t>Average pressure from energy balance equation</a:t>
             </a:r>
           </a:p>
         </p:txBody>
       </p:sp>
       <p:pic>
         <p:nvPicPr>
-          <p:cNvPr id="8" name="Content Placeholder 7">
-            <a:extLst>
-              <a:ext uri="{FF2B5EF4-FFF2-40B4-BE49-F238E27FC236}">
-                <a16:creationId xmlns:a16="http://schemas.microsoft.com/office/drawing/2014/main" id="{88AF1C77-46F3-624D-957F-065DD4492C8E}"/>
+          <p:cNvPr id="8" name="Picture 7">
+            <a:extLst>
+              <a:ext uri="{FF2B5EF4-FFF2-40B4-BE49-F238E27FC236}">
+                <a16:creationId xmlns:a16="http://schemas.microsoft.com/office/drawing/2014/main" id="{4D65988D-1FD5-4C47-96F7-2423E527849E}"/>
               </a:ext>
             </a:extLst>
           </p:cNvPr>
           <p:cNvPicPr>
-            <a:picLocks noGrp="1" noChangeAspect="1"/>
+            <a:picLocks noChangeAspect="1"/>
           </p:cNvPicPr>
-          <p:nvPr>
-            <p:ph sz="half" idx="1"/>
-          </p:nvPr>
+          <p:nvPr/>
         </p:nvPicPr>
         <p:blipFill>
           <a:blip r:embed="rId2"/>
@@ -8252,26 +8042,27 @@
         </p:blipFill>
         <p:spPr>
           <a:xfrm>
-            <a:off x="838200" y="2058194"/>
-            <a:ext cx="5181600" cy="3886200"/>
-          </a:xfrm>
+            <a:off x="1444985" y="3851573"/>
+            <a:ext cx="6800134" cy="689448"/>
+          </a:xfrm>
+          <a:prstGeom prst="rect">
+            <a:avLst/>
+          </a:prstGeom>
         </p:spPr>
       </p:pic>
       <p:pic>
         <p:nvPicPr>
-          <p:cNvPr id="10" name="Content Placeholder 9">
-            <a:extLst>
-              <a:ext uri="{FF2B5EF4-FFF2-40B4-BE49-F238E27FC236}">
-                <a16:creationId xmlns:a16="http://schemas.microsoft.com/office/drawing/2014/main" id="{2C7B357D-B906-4042-AFE7-73FF9C92ED4F}"/>
+          <p:cNvPr id="9" name="Picture 8">
+            <a:extLst>
+              <a:ext uri="{FF2B5EF4-FFF2-40B4-BE49-F238E27FC236}">
+                <a16:creationId xmlns:a16="http://schemas.microsoft.com/office/drawing/2014/main" id="{A71E263E-3B62-5F48-AE8B-18EC9D1DA2D3}"/>
               </a:ext>
             </a:extLst>
           </p:cNvPr>
           <p:cNvPicPr>
-            <a:picLocks noGrp="1" noChangeAspect="1"/>
+            <a:picLocks noChangeAspect="1"/>
           </p:cNvPicPr>
-          <p:nvPr>
-            <p:ph sz="half" idx="2"/>
-          </p:nvPr>
+          <p:nvPr/>
         </p:nvPicPr>
         <p:blipFill>
           <a:blip r:embed="rId3"/>
@@ -8281,97 +8072,86 @@
         </p:blipFill>
         <p:spPr>
           <a:xfrm>
-            <a:off x="6172200" y="2058194"/>
-            <a:ext cx="5181600" cy="3886200"/>
-          </a:xfrm>
-        </p:spPr>
-      </p:pic>
-      <p:sp>
-        <p:nvSpPr>
-          <p:cNvPr id="11" name="TextBox 10">
-            <a:extLst>
-              <a:ext uri="{FF2B5EF4-FFF2-40B4-BE49-F238E27FC236}">
-                <a16:creationId xmlns:a16="http://schemas.microsoft.com/office/drawing/2014/main" id="{7F214EDC-277C-4D41-8420-86B4EDD01E8B}"/>
-              </a:ext>
-            </a:extLst>
-          </p:cNvPr>
-          <p:cNvSpPr txBox="1"/>
-          <p:nvPr/>
-        </p:nvSpPr>
-        <p:spPr>
-          <a:xfrm>
-            <a:off x="754144" y="6117996"/>
-            <a:ext cx="9935852" cy="646331"/>
+            <a:off x="1444985" y="2360840"/>
+            <a:ext cx="3683196" cy="654025"/>
           </a:xfrm>
           <a:prstGeom prst="rect">
             <a:avLst/>
           </a:prstGeom>
-          <a:noFill/>
-        </p:spPr>
-        <p:txBody>
-          <a:bodyPr wrap="square" rtlCol="0">
-            <a:spAutoFit/>
-          </a:bodyPr>
-          <a:lstStyle/>
-          <a:p>
-            <a:pPr marL="285750" indent="-285750">
-              <a:buFont typeface="Arial" panose="020B0604020202020204" pitchFamily="34" charset="0"/>
-              <a:buChar char="•"/>
-            </a:pPr>
-            <a:r>
-              <a:rPr lang="en-US" dirty="0"/>
-              <a:t>Average normalized density at stagnation from mass conservation is (R/</a:t>
-            </a:r>
-            <a:r>
-              <a:rPr lang="en-US" dirty="0" err="1"/>
-              <a:t>r</a:t>
-            </a:r>
-            <a:r>
-              <a:rPr lang="en-US" baseline="-25000" dirty="0" err="1"/>
-              <a:t>s</a:t>
-            </a:r>
-            <a:r>
-              <a:rPr lang="en-US" dirty="0"/>
-              <a:t>)</a:t>
-            </a:r>
-            <a:r>
-              <a:rPr lang="en-US" baseline="30000" dirty="0"/>
-              <a:t>2</a:t>
-            </a:r>
-            <a:r>
-              <a:rPr lang="en-US" dirty="0"/>
-              <a:t> = (1.0/0.13)</a:t>
-            </a:r>
-            <a:r>
-              <a:rPr lang="en-US" baseline="30000" dirty="0"/>
-              <a:t>2</a:t>
-            </a:r>
-            <a:r>
-              <a:rPr lang="en-US" dirty="0"/>
-              <a:t> = 59</a:t>
-            </a:r>
-          </a:p>
-          <a:p>
-            <a:pPr marL="285750" indent="-285750">
-              <a:buFont typeface="Arial" panose="020B0604020202020204" pitchFamily="34" charset="0"/>
-              <a:buChar char="•"/>
-            </a:pPr>
-            <a:r>
-              <a:rPr lang="en-US" dirty="0"/>
-              <a:t>Average normalized total pressure at stagnation from formula is 4.6x10</a:t>
-            </a:r>
-            <a:r>
-              <a:rPr lang="en-US" baseline="30000" dirty="0"/>
-              <a:t>4</a:t>
-            </a:r>
-            <a:endParaRPr lang="en-US" dirty="0"/>
-          </a:p>
-        </p:txBody>
-      </p:sp>
+        </p:spPr>
+      </p:pic>
+      <p:pic>
+        <p:nvPicPr>
+          <p:cNvPr id="10" name="Picture 9">
+            <a:extLst>
+              <a:ext uri="{FF2B5EF4-FFF2-40B4-BE49-F238E27FC236}">
+                <a16:creationId xmlns:a16="http://schemas.microsoft.com/office/drawing/2014/main" id="{7C47AB61-010E-584B-A486-EFB3D2A5D24C}"/>
+              </a:ext>
+            </a:extLst>
+          </p:cNvPr>
+          <p:cNvPicPr>
+            <a:picLocks noChangeAspect="1"/>
+          </p:cNvPicPr>
+          <p:nvPr/>
+        </p:nvPicPr>
+        <p:blipFill>
+          <a:blip r:embed="rId4"/>
+          <a:stretch>
+            <a:fillRect/>
+          </a:stretch>
+        </p:blipFill>
+        <p:spPr>
+          <a:xfrm>
+            <a:off x="1444985" y="5211173"/>
+            <a:ext cx="5791527" cy="1340305"/>
+          </a:xfrm>
+          <a:prstGeom prst="rect">
+            <a:avLst/>
+          </a:prstGeom>
+        </p:spPr>
+      </p:pic>
+      <p:pic>
+        <p:nvPicPr>
+          <p:cNvPr id="11" name="Picture 10">
+            <a:extLst>
+              <a:ext uri="{FF2B5EF4-FFF2-40B4-BE49-F238E27FC236}">
+                <a16:creationId xmlns:a16="http://schemas.microsoft.com/office/drawing/2014/main" id="{5DB6076F-691A-7240-A765-9D1BD3BFBBEA}"/>
+              </a:ext>
+            </a:extLst>
+          </p:cNvPr>
+          <p:cNvPicPr>
+            <a:picLocks noChangeAspect="1"/>
+          </p:cNvPicPr>
+          <p:nvPr/>
+        </p:nvPicPr>
+        <p:blipFill>
+          <a:blip r:embed="rId5"/>
+          <a:stretch>
+            <a:fillRect/>
+          </a:stretch>
+        </p:blipFill>
+        <p:spPr>
+          <a:xfrm>
+            <a:off x="7515224" y="1927028"/>
+            <a:ext cx="4445361" cy="867625"/>
+          </a:xfrm>
+          <a:prstGeom prst="rect">
+            <a:avLst/>
+          </a:prstGeom>
+          <a:solidFill>
+            <a:srgbClr val="FFFF00"/>
+          </a:solidFill>
+          <a:ln>
+            <a:solidFill>
+              <a:srgbClr val="FF0000"/>
+            </a:solidFill>
+          </a:ln>
+        </p:spPr>
+      </p:pic>
     </p:spTree>
     <p:extLst>
       <p:ext uri="{BB962C8B-B14F-4D97-AF65-F5344CB8AC3E}">
-        <p14:creationId xmlns:p14="http://schemas.microsoft.com/office/powerpoint/2010/main" val="712277673"/>
+        <p14:creationId xmlns:p14="http://schemas.microsoft.com/office/powerpoint/2010/main" val="3826254033"/>
       </p:ext>
     </p:extLst>
   </p:cSld>
@@ -8400,10 +8180,10 @@
       </p:grpSpPr>
       <p:sp>
         <p:nvSpPr>
-          <p:cNvPr id="2" name="Title 1">
-            <a:extLst>
-              <a:ext uri="{FF2B5EF4-FFF2-40B4-BE49-F238E27FC236}">
-                <a16:creationId xmlns:a16="http://schemas.microsoft.com/office/drawing/2014/main" id="{8596A110-1C79-5044-A075-CB6D5FF96E09}"/>
+          <p:cNvPr id="5" name="Title 4">
+            <a:extLst>
+              <a:ext uri="{FF2B5EF4-FFF2-40B4-BE49-F238E27FC236}">
+                <a16:creationId xmlns:a16="http://schemas.microsoft.com/office/drawing/2014/main" id="{A583EF43-98D1-4946-B769-C623AC264002}"/>
               </a:ext>
             </a:extLst>
           </p:cNvPr>
@@ -8416,151 +8196,184 @@
         </p:nvSpPr>
         <p:spPr/>
         <p:txBody>
-          <a:bodyPr/>
+          <a:bodyPr>
+            <a:noAutofit/>
+          </a:bodyPr>
+          <a:lstStyle/>
+          <a:p>
+            <a:r>
+              <a:rPr lang="en-US" sz="3600" dirty="0"/>
+              <a:t>1D model gives average temperature at stagnation in terms of energy per unit length in magnetic field, particles per unit length, and adiabatic coefficient</a:t>
+            </a:r>
+          </a:p>
+        </p:txBody>
+      </p:sp>
+      <p:sp>
+        <p:nvSpPr>
+          <p:cNvPr id="6" name="Content Placeholder 5">
+            <a:extLst>
+              <a:ext uri="{FF2B5EF4-FFF2-40B4-BE49-F238E27FC236}">
+                <a16:creationId xmlns:a16="http://schemas.microsoft.com/office/drawing/2014/main" id="{4AD51918-ED08-A14E-B783-B03CD27EC253}"/>
+              </a:ext>
+            </a:extLst>
+          </p:cNvPr>
+          <p:cNvSpPr>
+            <a:spLocks noGrp="1"/>
+          </p:cNvSpPr>
+          <p:nvPr>
+            <p:ph idx="1"/>
+          </p:nvPr>
+        </p:nvSpPr>
+        <p:spPr>
+          <a:xfrm>
+            <a:off x="838200" y="3921551"/>
+            <a:ext cx="10515600" cy="2255411"/>
+          </a:xfrm>
+        </p:spPr>
+        <p:txBody>
+          <a:bodyPr>
+            <a:normAutofit fontScale="77500" lnSpcReduction="20000"/>
+          </a:bodyPr>
           <a:lstStyle/>
           <a:p>
             <a:r>
               <a:rPr lang="en-US" dirty="0"/>
-              <a:t>Ion temperature on axis at stagnation is about 4 times higher than &lt;</a:t>
+              <a:t>μ</a:t>
+            </a:r>
+            <a:r>
+              <a:rPr lang="en-US" baseline="-25000" dirty="0"/>
+              <a:t>0</a:t>
+            </a:r>
+            <a:r>
+              <a:rPr lang="en-US" dirty="0"/>
+              <a:t>I</a:t>
+            </a:r>
+            <a:r>
+              <a:rPr lang="en-US" baseline="30000" dirty="0"/>
+              <a:t>2</a:t>
+            </a:r>
+            <a:r>
+              <a:rPr lang="en-US" dirty="0"/>
+              <a:t>/4𝜋 x ln(R/</a:t>
             </a:r>
             <a:r>
               <a:rPr lang="en-US" dirty="0" err="1"/>
-              <a:t>Ti+Te</a:t>
+              <a:t>r</a:t>
+            </a:r>
+            <a:r>
+              <a:rPr lang="en-US" baseline="-25000" dirty="0" err="1"/>
+              <a:t>s</a:t>
             </a:r>
             <a:r>
               <a:rPr lang="en-US" dirty="0"/>
-              <a:t>&gt;/2</a:t>
+              <a:t>) is energy per unit length in magnetic field at stagnation</a:t>
+            </a:r>
+          </a:p>
+          <a:p>
+            <a:r>
+              <a:rPr lang="en-US" dirty="0"/>
+              <a:t>𝜋R</a:t>
+            </a:r>
+            <a:r>
+              <a:rPr lang="en-US" baseline="30000" dirty="0"/>
+              <a:t>2</a:t>
+            </a:r>
+            <a:r>
+              <a:rPr lang="en-US" dirty="0"/>
+              <a:t>n</a:t>
+            </a:r>
+            <a:r>
+              <a:rPr lang="en-US" baseline="-25000" dirty="0"/>
+              <a:t>0</a:t>
+            </a:r>
+            <a:r>
+              <a:rPr lang="en-US" dirty="0"/>
+              <a:t> is particles per unit length of plasma being compressed</a:t>
+            </a:r>
+          </a:p>
+          <a:p>
+            <a:r>
+              <a:rPr lang="en-US" dirty="0"/>
+              <a:t>I is current</a:t>
+            </a:r>
+          </a:p>
+          <a:p>
+            <a:r>
+              <a:rPr lang="en-US" dirty="0" err="1"/>
+              <a:t>γ</a:t>
+            </a:r>
+            <a:r>
+              <a:rPr lang="en-US" dirty="0"/>
+              <a:t> is adiabatic coefficient (5/3 for ideal gas)</a:t>
+            </a:r>
+          </a:p>
+          <a:p>
+            <a:r>
+              <a:rPr lang="en-US" dirty="0"/>
+              <a:t>R/</a:t>
+            </a:r>
+            <a:r>
+              <a:rPr lang="en-US" dirty="0" err="1"/>
+              <a:t>r</a:t>
+            </a:r>
+            <a:r>
+              <a:rPr lang="en-US" baseline="-25000" dirty="0" err="1"/>
+              <a:t>s</a:t>
+            </a:r>
+            <a:r>
+              <a:rPr lang="en-US" dirty="0"/>
+              <a:t> is compression ratio (1.0/0.13=7.7 from 1D shock calculation)</a:t>
+            </a:r>
+          </a:p>
+          <a:p>
+            <a:r>
+              <a:rPr lang="en-US" dirty="0"/>
+              <a:t>Larger than Cartesian by 2 ln(0.13)/(1-0.1) = 4.53</a:t>
             </a:r>
           </a:p>
         </p:txBody>
       </p:sp>
       <p:pic>
         <p:nvPicPr>
-          <p:cNvPr id="8" name="Content Placeholder 7">
-            <a:extLst>
-              <a:ext uri="{FF2B5EF4-FFF2-40B4-BE49-F238E27FC236}">
-                <a16:creationId xmlns:a16="http://schemas.microsoft.com/office/drawing/2014/main" id="{4FEEC82C-2B9A-494D-86EB-77CC2B2EE3A6}"/>
+          <p:cNvPr id="7" name="Picture 6">
+            <a:extLst>
+              <a:ext uri="{FF2B5EF4-FFF2-40B4-BE49-F238E27FC236}">
+                <a16:creationId xmlns:a16="http://schemas.microsoft.com/office/drawing/2014/main" id="{65D4E358-779D-3543-9052-C4D532E9066A}"/>
               </a:ext>
             </a:extLst>
           </p:cNvPr>
           <p:cNvPicPr>
-            <a:picLocks noGrp="1" noChangeAspect="1"/>
+            <a:picLocks noChangeAspect="1"/>
           </p:cNvPicPr>
-          <p:nvPr>
-            <p:ph sz="half" idx="2"/>
-          </p:nvPr>
+          <p:nvPr/>
         </p:nvPicPr>
-        <p:blipFill>
+        <p:blipFill rotWithShape="1">
           <a:blip r:embed="rId2"/>
-          <a:stretch>
-            <a:fillRect/>
-          </a:stretch>
+          <a:srcRect l="23" t="-2575" r="-1255" b="-10327"/>
+          <a:stretch/>
         </p:blipFill>
         <p:spPr>
           <a:xfrm>
-            <a:off x="6172200" y="1747109"/>
-            <a:ext cx="5181600" cy="3886200"/>
-          </a:xfrm>
-        </p:spPr>
-      </p:pic>
-      <p:pic>
-        <p:nvPicPr>
-          <p:cNvPr id="11" name="Content Placeholder 7">
-            <a:extLst>
-              <a:ext uri="{FF2B5EF4-FFF2-40B4-BE49-F238E27FC236}">
-                <a16:creationId xmlns:a16="http://schemas.microsoft.com/office/drawing/2014/main" id="{E8C13250-F082-0E47-A01C-680384DA1C87}"/>
-              </a:ext>
-            </a:extLst>
-          </p:cNvPr>
-          <p:cNvPicPr>
-            <a:picLocks noGrp="1" noChangeAspect="1"/>
-          </p:cNvPicPr>
-          <p:nvPr>
-            <p:ph sz="half" idx="1"/>
-          </p:nvPr>
-        </p:nvPicPr>
-        <p:blipFill>
-          <a:blip r:embed="rId3"/>
-          <a:stretch>
-            <a:fillRect/>
-          </a:stretch>
-        </p:blipFill>
-        <p:spPr>
-          <a:xfrm>
-            <a:off x="838200" y="1747109"/>
-            <a:ext cx="5181600" cy="3886200"/>
-          </a:xfrm>
-        </p:spPr>
-      </p:pic>
-      <p:sp>
-        <p:nvSpPr>
-          <p:cNvPr id="12" name="TextBox 11">
-            <a:extLst>
-              <a:ext uri="{FF2B5EF4-FFF2-40B4-BE49-F238E27FC236}">
-                <a16:creationId xmlns:a16="http://schemas.microsoft.com/office/drawing/2014/main" id="{91B95ECE-EAB9-9C48-A08E-0C9E25414E87}"/>
-              </a:ext>
-            </a:extLst>
-          </p:cNvPr>
-          <p:cNvSpPr txBox="1"/>
-          <p:nvPr/>
-        </p:nvSpPr>
-        <p:spPr>
-          <a:xfrm>
-            <a:off x="754144" y="5806911"/>
-            <a:ext cx="9935852" cy="923330"/>
+            <a:off x="1003011" y="2250178"/>
+            <a:ext cx="10149840" cy="1280160"/>
           </a:xfrm>
           <a:prstGeom prst="rect">
             <a:avLst/>
           </a:prstGeom>
-          <a:noFill/>
-        </p:spPr>
-        <p:txBody>
-          <a:bodyPr wrap="square" rtlCol="0">
-            <a:spAutoFit/>
-          </a:bodyPr>
-          <a:lstStyle/>
-          <a:p>
-            <a:pPr marL="285750" indent="-285750">
-              <a:buFont typeface="Arial" panose="020B0604020202020204" pitchFamily="34" charset="0"/>
-              <a:buChar char="•"/>
-            </a:pPr>
-            <a:r>
-              <a:rPr lang="en-US" dirty="0"/>
-              <a:t>Average (</a:t>
-            </a:r>
-            <a:r>
-              <a:rPr lang="en-US" dirty="0" err="1"/>
-              <a:t>Ti+Te</a:t>
-            </a:r>
-            <a:r>
-              <a:rPr lang="en-US" dirty="0"/>
-              <a:t>)/2 at stagnation from formula is 780 eV</a:t>
-            </a:r>
-          </a:p>
-          <a:p>
-            <a:pPr marL="285750" indent="-285750">
-              <a:buFont typeface="Arial" panose="020B0604020202020204" pitchFamily="34" charset="0"/>
-              <a:buChar char="•"/>
-            </a:pPr>
-            <a:r>
-              <a:rPr lang="en-US" dirty="0"/>
-              <a:t>However, most of the pressure is in the ions and density is lower than average on axis, giving peak </a:t>
-            </a:r>
-            <a:r>
-              <a:rPr lang="en-US" dirty="0" err="1"/>
-              <a:t>Ti</a:t>
-            </a:r>
-            <a:r>
-              <a:rPr lang="en-US" dirty="0"/>
-              <a:t> about a factor of 4 higher than average from formula</a:t>
-            </a:r>
-          </a:p>
-        </p:txBody>
-      </p:sp>
+          <a:solidFill>
+            <a:srgbClr val="FFFF00"/>
+          </a:solidFill>
+          <a:ln>
+            <a:solidFill>
+              <a:srgbClr val="FF0000"/>
+            </a:solidFill>
+          </a:ln>
+        </p:spPr>
+      </p:pic>
     </p:spTree>
     <p:extLst>
       <p:ext uri="{BB962C8B-B14F-4D97-AF65-F5344CB8AC3E}">
-        <p14:creationId xmlns:p14="http://schemas.microsoft.com/office/powerpoint/2010/main" val="2397758504"/>
+        <p14:creationId xmlns:p14="http://schemas.microsoft.com/office/powerpoint/2010/main" val="1527677136"/>
       </p:ext>
     </p:extLst>
   </p:cSld>
@@ -8592,7 +8405,7 @@
           <p:cNvPr id="2" name="Title 1">
             <a:extLst>
               <a:ext uri="{FF2B5EF4-FFF2-40B4-BE49-F238E27FC236}">
-                <a16:creationId xmlns:a16="http://schemas.microsoft.com/office/drawing/2014/main" id="{8596A110-1C79-5044-A075-CB6D5FF96E09}"/>
+                <a16:creationId xmlns:a16="http://schemas.microsoft.com/office/drawing/2014/main" id="{9D68D13C-6CD2-9047-BEDC-E98DCCDCF34F}"/>
               </a:ext>
             </a:extLst>
           </p:cNvPr>
@@ -8610,46 +8423,42 @@
           <a:p>
             <a:r>
               <a:rPr lang="en-US" dirty="0"/>
-              <a:t>Results are similar at 200kA/1.5Torr/1.5cm</a:t>
-            </a:r>
-          </a:p>
-        </p:txBody>
-      </p:sp>
-      <p:sp>
-        <p:nvSpPr>
-          <p:cNvPr id="12" name="TextBox 11">
-            <a:extLst>
-              <a:ext uri="{FF2B5EF4-FFF2-40B4-BE49-F238E27FC236}">
-                <a16:creationId xmlns:a16="http://schemas.microsoft.com/office/drawing/2014/main" id="{91B95ECE-EAB9-9C48-A08E-0C9E25414E87}"/>
-              </a:ext>
-            </a:extLst>
-          </p:cNvPr>
-          <p:cNvSpPr txBox="1"/>
-          <p:nvPr/>
-        </p:nvSpPr>
-        <p:spPr>
-          <a:xfrm>
-            <a:off x="754144" y="5806911"/>
-            <a:ext cx="9935852" cy="923330"/>
-          </a:xfrm>
-          <a:prstGeom prst="rect">
-            <a:avLst/>
-          </a:prstGeom>
-          <a:noFill/>
-        </p:spPr>
-        <p:txBody>
-          <a:bodyPr wrap="square" rtlCol="0">
-            <a:spAutoFit/>
+              <a:t>Useful form of equation</a:t>
+            </a:r>
+          </a:p>
+        </p:txBody>
+      </p:sp>
+      <p:sp>
+        <p:nvSpPr>
+          <p:cNvPr id="3" name="Content Placeholder 2">
+            <a:extLst>
+              <a:ext uri="{FF2B5EF4-FFF2-40B4-BE49-F238E27FC236}">
+                <a16:creationId xmlns:a16="http://schemas.microsoft.com/office/drawing/2014/main" id="{998C58B8-BCDF-A24F-A430-ADC9B5E433BE}"/>
+              </a:ext>
+            </a:extLst>
+          </p:cNvPr>
+          <p:cNvSpPr>
+            <a:spLocks noGrp="1"/>
+          </p:cNvSpPr>
+          <p:nvPr>
+            <p:ph idx="1"/>
+          </p:nvPr>
+        </p:nvSpPr>
+        <p:spPr>
+          <a:xfrm>
+            <a:off x="838200" y="5505253"/>
+            <a:ext cx="10515600" cy="1180756"/>
+          </a:xfrm>
+        </p:spPr>
+        <p:txBody>
+          <a:bodyPr>
+            <a:normAutofit lnSpcReduction="10000"/>
           </a:bodyPr>
           <a:lstStyle/>
           <a:p>
-            <a:pPr marL="285750" indent="-285750">
-              <a:buFont typeface="Arial" panose="020B0604020202020204" pitchFamily="34" charset="0"/>
-              <a:buChar char="•"/>
-            </a:pPr>
             <a:r>
               <a:rPr lang="en-US" dirty="0"/>
-              <a:t>Average (</a:t>
+              <a:t>Last two expressions give &lt;</a:t>
             </a:r>
             <a:r>
               <a:rPr lang="en-US" dirty="0" err="1"/>
@@ -8657,44 +8466,56 @@
             </a:r>
             <a:r>
               <a:rPr lang="en-US" dirty="0"/>
-              <a:t>)/2 at stagnation from formula is 240 eV</a:t>
-            </a:r>
-          </a:p>
-          <a:p>
-            <a:pPr marL="285750" indent="-285750">
-              <a:buFont typeface="Arial" panose="020B0604020202020204" pitchFamily="34" charset="0"/>
-              <a:buChar char="•"/>
-            </a:pPr>
+              <a:t>&gt; in units of eV where current I is in MA, anode radius R is in cm, fill density n</a:t>
+            </a:r>
+            <a:r>
+              <a:rPr lang="en-US" baseline="-25000" dirty="0"/>
+              <a:t>0</a:t>
+            </a:r>
             <a:r>
               <a:rPr lang="en-US" dirty="0"/>
-              <a:t>However, most of the pressure is in the ions and density is lower than average on axis, giving peak </a:t>
+              <a:t> is in 1/cm</a:t>
+            </a:r>
+            <a:r>
+              <a:rPr lang="en-US" baseline="30000" dirty="0"/>
+              <a:t>3</a:t>
+            </a:r>
+            <a:r>
+              <a:rPr lang="en-US" dirty="0"/>
+              <a:t>, D2 fill pressure P</a:t>
+            </a:r>
+            <a:r>
+              <a:rPr lang="en-US" baseline="-25000" dirty="0"/>
+              <a:t>0</a:t>
+            </a:r>
+            <a:r>
+              <a:rPr lang="en-US" dirty="0"/>
+              <a:t> is in Torr, and </a:t>
             </a:r>
             <a:r>
               <a:rPr lang="en-US" dirty="0" err="1"/>
-              <a:t>Ti</a:t>
+              <a:t>γ</a:t>
             </a:r>
             <a:r>
               <a:rPr lang="en-US" dirty="0"/>
-              <a:t> about a factor of 4 higher than average from formula</a:t>
+              <a:t>=5/3 is assumed </a:t>
             </a:r>
           </a:p>
         </p:txBody>
       </p:sp>
       <p:pic>
         <p:nvPicPr>
-          <p:cNvPr id="17" name="Content Placeholder 16">
-            <a:extLst>
-              <a:ext uri="{FF2B5EF4-FFF2-40B4-BE49-F238E27FC236}">
-                <a16:creationId xmlns:a16="http://schemas.microsoft.com/office/drawing/2014/main" id="{62A958FA-215A-EA46-9379-CC75A1F83C14}"/>
+          <p:cNvPr id="5" name="Picture 4">
+            <a:extLst>
+              <a:ext uri="{FF2B5EF4-FFF2-40B4-BE49-F238E27FC236}">
+                <a16:creationId xmlns:a16="http://schemas.microsoft.com/office/drawing/2014/main" id="{FBB0A511-E975-0D40-B1DD-C84F25C78124}"/>
               </a:ext>
             </a:extLst>
           </p:cNvPr>
           <p:cNvPicPr>
-            <a:picLocks noGrp="1" noChangeAspect="1"/>
+            <a:picLocks noChangeAspect="1"/>
           </p:cNvPicPr>
-          <p:nvPr>
-            <p:ph sz="half" idx="1"/>
-          </p:nvPr>
+          <p:nvPr/>
         </p:nvPicPr>
         <p:blipFill>
           <a:blip r:embed="rId2"/>
@@ -8704,44 +8525,18 @@
         </p:blipFill>
         <p:spPr>
           <a:xfrm>
-            <a:off x="838200" y="1784811"/>
-            <a:ext cx="5181600" cy="3886200"/>
-          </a:xfrm>
-        </p:spPr>
-      </p:pic>
-      <p:pic>
-        <p:nvPicPr>
-          <p:cNvPr id="21" name="Content Placeholder 20">
-            <a:extLst>
-              <a:ext uri="{FF2B5EF4-FFF2-40B4-BE49-F238E27FC236}">
-                <a16:creationId xmlns:a16="http://schemas.microsoft.com/office/drawing/2014/main" id="{1BCA7B67-1D91-F54C-8AE9-9D9C9DB4D438}"/>
-              </a:ext>
-            </a:extLst>
-          </p:cNvPr>
-          <p:cNvPicPr>
-            <a:picLocks noGrp="1" noChangeAspect="1"/>
-          </p:cNvPicPr>
-          <p:nvPr>
-            <p:ph sz="half" idx="2"/>
-          </p:nvPr>
-        </p:nvPicPr>
-        <p:blipFill>
-          <a:blip r:embed="rId3"/>
-          <a:stretch>
-            <a:fillRect/>
-          </a:stretch>
-        </p:blipFill>
-        <p:spPr>
-          <a:xfrm>
-            <a:off x="6172200" y="1784811"/>
-            <a:ext cx="5181600" cy="3886200"/>
-          </a:xfrm>
+            <a:off x="2038350" y="1619250"/>
+            <a:ext cx="8115300" cy="3619500"/>
+          </a:xfrm>
+          <a:prstGeom prst="rect">
+            <a:avLst/>
+          </a:prstGeom>
         </p:spPr>
       </p:pic>
     </p:spTree>
     <p:extLst>
       <p:ext uri="{BB962C8B-B14F-4D97-AF65-F5344CB8AC3E}">
-        <p14:creationId xmlns:p14="http://schemas.microsoft.com/office/powerpoint/2010/main" val="1665492696"/>
+        <p14:creationId xmlns:p14="http://schemas.microsoft.com/office/powerpoint/2010/main" val="2248385463"/>
       </p:ext>
     </p:extLst>
   </p:cSld>
@@ -8770,10 +8565,10 @@
       </p:grpSpPr>
       <p:sp>
         <p:nvSpPr>
-          <p:cNvPr id="2" name="Title 1">
-            <a:extLst>
-              <a:ext uri="{FF2B5EF4-FFF2-40B4-BE49-F238E27FC236}">
-                <a16:creationId xmlns:a16="http://schemas.microsoft.com/office/drawing/2014/main" id="{8596A110-1C79-5044-A075-CB6D5FF96E09}"/>
+          <p:cNvPr id="4" name="Title 3">
+            <a:extLst>
+              <a:ext uri="{FF2B5EF4-FFF2-40B4-BE49-F238E27FC236}">
+                <a16:creationId xmlns:a16="http://schemas.microsoft.com/office/drawing/2014/main" id="{FE1D93D7-59F6-D242-A4F0-E8A7E9E36331}"/>
               </a:ext>
             </a:extLst>
           </p:cNvPr>
@@ -8784,7 +8579,12 @@
             <p:ph type="title"/>
           </p:nvPr>
         </p:nvSpPr>
-        <p:spPr/>
+        <p:spPr>
+          <a:xfrm>
+            <a:off x="684914" y="311963"/>
+            <a:ext cx="10974572" cy="1293554"/>
+          </a:xfrm>
+        </p:spPr>
         <p:txBody>
           <a:bodyPr>
             <a:normAutofit fontScale="90000"/>
@@ -8793,11 +8593,88 @@
           <a:p>
             <a:r>
               <a:rPr lang="en-US" dirty="0"/>
-              <a:t>Global energy from MJ and kJ sims show magnetic field energy equals thermal energy </a:t>
-            </a:r>
-            <a:r>
-              <a:rPr lang="en-US"/>
-              <a:t>at stagnation</a:t>
+              <a:t>Pressure profiles at stagnation from 1MA/3Torr/3CM run in cylindrical matches that from formula</a:t>
+            </a:r>
+          </a:p>
+        </p:txBody>
+      </p:sp>
+      <p:sp>
+        <p:nvSpPr>
+          <p:cNvPr id="11" name="TextBox 10">
+            <a:extLst>
+              <a:ext uri="{FF2B5EF4-FFF2-40B4-BE49-F238E27FC236}">
+                <a16:creationId xmlns:a16="http://schemas.microsoft.com/office/drawing/2014/main" id="{7F214EDC-277C-4D41-8420-86B4EDD01E8B}"/>
+              </a:ext>
+            </a:extLst>
+          </p:cNvPr>
+          <p:cNvSpPr txBox="1"/>
+          <p:nvPr/>
+        </p:nvSpPr>
+        <p:spPr>
+          <a:xfrm>
+            <a:off x="754144" y="6117996"/>
+            <a:ext cx="9935852" cy="646331"/>
+          </a:xfrm>
+          <a:prstGeom prst="rect">
+            <a:avLst/>
+          </a:prstGeom>
+          <a:noFill/>
+        </p:spPr>
+        <p:txBody>
+          <a:bodyPr wrap="square" rtlCol="0">
+            <a:spAutoFit/>
+          </a:bodyPr>
+          <a:lstStyle/>
+          <a:p>
+            <a:pPr marL="285750" indent="-285750">
+              <a:buFont typeface="Arial" panose="020B0604020202020204" pitchFamily="34" charset="0"/>
+              <a:buChar char="•"/>
+            </a:pPr>
+            <a:r>
+              <a:rPr lang="en-US" dirty="0"/>
+              <a:t>Average normalized density at stagnation from mass conservation is (R/</a:t>
+            </a:r>
+            <a:r>
+              <a:rPr lang="en-US" dirty="0" err="1"/>
+              <a:t>r</a:t>
+            </a:r>
+            <a:r>
+              <a:rPr lang="en-US" baseline="-25000" dirty="0" err="1"/>
+              <a:t>s</a:t>
+            </a:r>
+            <a:r>
+              <a:rPr lang="en-US" dirty="0"/>
+              <a:t>)</a:t>
+            </a:r>
+            <a:r>
+              <a:rPr lang="en-US" baseline="30000" dirty="0"/>
+              <a:t>2</a:t>
+            </a:r>
+            <a:r>
+              <a:rPr lang="en-US" dirty="0"/>
+              <a:t> = (1.0/0.13)</a:t>
+            </a:r>
+            <a:r>
+              <a:rPr lang="en-US" baseline="30000" dirty="0"/>
+              <a:t>2</a:t>
+            </a:r>
+            <a:r>
+              <a:rPr lang="en-US" dirty="0"/>
+              <a:t> = 59</a:t>
+            </a:r>
+          </a:p>
+          <a:p>
+            <a:pPr marL="285750" indent="-285750">
+              <a:buFont typeface="Arial" panose="020B0604020202020204" pitchFamily="34" charset="0"/>
+              <a:buChar char="•"/>
+            </a:pPr>
+            <a:r>
+              <a:rPr lang="en-US" dirty="0"/>
+              <a:t>Average normalized total pressure at stagnation from formula is 4.6x10</a:t>
+            </a:r>
+            <a:r>
+              <a:rPr lang="en-US" baseline="30000" dirty="0"/>
+              <a:t>4</a:t>
             </a:r>
             <a:endParaRPr lang="en-US" dirty="0"/>
           </a:p>
@@ -8805,10 +8682,10 @@
       </p:sp>
       <p:pic>
         <p:nvPicPr>
-          <p:cNvPr id="6" name="Content Placeholder 5">
-            <a:extLst>
-              <a:ext uri="{FF2B5EF4-FFF2-40B4-BE49-F238E27FC236}">
-                <a16:creationId xmlns:a16="http://schemas.microsoft.com/office/drawing/2014/main" id="{02EB8A1F-900B-D949-9926-8C40E44C1FF7}"/>
+          <p:cNvPr id="13" name="Content Placeholder 12">
+            <a:extLst>
+              <a:ext uri="{FF2B5EF4-FFF2-40B4-BE49-F238E27FC236}">
+                <a16:creationId xmlns:a16="http://schemas.microsoft.com/office/drawing/2014/main" id="{DA74C9E3-1FF0-C841-976D-D8679E5BED1F}"/>
               </a:ext>
             </a:extLst>
           </p:cNvPr>
@@ -8834,10 +8711,10 @@
       </p:pic>
       <p:pic>
         <p:nvPicPr>
-          <p:cNvPr id="9" name="Content Placeholder 8">
-            <a:extLst>
-              <a:ext uri="{FF2B5EF4-FFF2-40B4-BE49-F238E27FC236}">
-                <a16:creationId xmlns:a16="http://schemas.microsoft.com/office/drawing/2014/main" id="{9743B24A-E26D-6748-8627-93A9B6D35530}"/>
+          <p:cNvPr id="17" name="Content Placeholder 16">
+            <a:extLst>
+              <a:ext uri="{FF2B5EF4-FFF2-40B4-BE49-F238E27FC236}">
+                <a16:creationId xmlns:a16="http://schemas.microsoft.com/office/drawing/2014/main" id="{0DEDA200-18C4-EE4C-94D4-677820CDEA07}"/>
               </a:ext>
             </a:extLst>
           </p:cNvPr>
@@ -8861,12 +8738,136 @@
           </a:xfrm>
         </p:spPr>
       </p:pic>
-      <p:sp>
-        <p:nvSpPr>
-          <p:cNvPr id="10" name="TextBox 9">
-            <a:extLst>
-              <a:ext uri="{FF2B5EF4-FFF2-40B4-BE49-F238E27FC236}">
-                <a16:creationId xmlns:a16="http://schemas.microsoft.com/office/drawing/2014/main" id="{4C30C632-43F0-EB40-92F0-10E486D9ADD7}"/>
+    </p:spTree>
+    <p:extLst>
+      <p:ext uri="{BB962C8B-B14F-4D97-AF65-F5344CB8AC3E}">
+        <p14:creationId xmlns:p14="http://schemas.microsoft.com/office/powerpoint/2010/main" val="712277673"/>
+      </p:ext>
+    </p:extLst>
+  </p:cSld>
+  <p:clrMapOvr>
+    <a:masterClrMapping/>
+  </p:clrMapOvr>
+</p:sld>
+</file>
+
+<file path=ppt/slides/slide28.xml><?xml version="1.0" encoding="utf-8"?>
+<p:sld xmlns:a="http://schemas.openxmlformats.org/drawingml/2006/main" xmlns:r="http://schemas.openxmlformats.org/officeDocument/2006/relationships" xmlns:p="http://schemas.openxmlformats.org/presentationml/2006/main">
+  <p:cSld>
+    <p:spTree>
+      <p:nvGrpSpPr>
+        <p:cNvPr id="1" name=""/>
+        <p:cNvGrpSpPr/>
+        <p:nvPr/>
+      </p:nvGrpSpPr>
+      <p:grpSpPr>
+        <a:xfrm>
+          <a:off x="0" y="0"/>
+          <a:ext cx="0" cy="0"/>
+          <a:chOff x="0" y="0"/>
+          <a:chExt cx="0" cy="0"/>
+        </a:xfrm>
+      </p:grpSpPr>
+      <p:pic>
+        <p:nvPicPr>
+          <p:cNvPr id="29" name="Content Placeholder 28">
+            <a:extLst>
+              <a:ext uri="{FF2B5EF4-FFF2-40B4-BE49-F238E27FC236}">
+                <a16:creationId xmlns:a16="http://schemas.microsoft.com/office/drawing/2014/main" id="{4A04B8E3-9104-E449-9C17-A27064600607}"/>
+              </a:ext>
+            </a:extLst>
+          </p:cNvPr>
+          <p:cNvPicPr>
+            <a:picLocks noGrp="1" noChangeAspect="1"/>
+          </p:cNvPicPr>
+          <p:nvPr>
+            <p:ph sz="half" idx="2"/>
+          </p:nvPr>
+        </p:nvPicPr>
+        <p:blipFill>
+          <a:blip r:embed="rId2"/>
+          <a:stretch>
+            <a:fillRect/>
+          </a:stretch>
+        </p:blipFill>
+        <p:spPr>
+          <a:xfrm>
+            <a:off x="6172200" y="2058194"/>
+            <a:ext cx="5181600" cy="3886200"/>
+          </a:xfrm>
+        </p:spPr>
+      </p:pic>
+      <p:pic>
+        <p:nvPicPr>
+          <p:cNvPr id="25" name="Content Placeholder 24">
+            <a:extLst>
+              <a:ext uri="{FF2B5EF4-FFF2-40B4-BE49-F238E27FC236}">
+                <a16:creationId xmlns:a16="http://schemas.microsoft.com/office/drawing/2014/main" id="{33823502-F40D-9148-AB5F-2944E476C5C4}"/>
+              </a:ext>
+            </a:extLst>
+          </p:cNvPr>
+          <p:cNvPicPr>
+            <a:picLocks noGrp="1" noChangeAspect="1"/>
+          </p:cNvPicPr>
+          <p:nvPr>
+            <p:ph sz="half" idx="1"/>
+          </p:nvPr>
+        </p:nvPicPr>
+        <p:blipFill>
+          <a:blip r:embed="rId3"/>
+          <a:stretch>
+            <a:fillRect/>
+          </a:stretch>
+        </p:blipFill>
+        <p:spPr>
+          <a:xfrm>
+            <a:off x="838200" y="2058194"/>
+            <a:ext cx="5181600" cy="3886200"/>
+          </a:xfrm>
+        </p:spPr>
+      </p:pic>
+      <p:sp>
+        <p:nvSpPr>
+          <p:cNvPr id="2" name="Title 1">
+            <a:extLst>
+              <a:ext uri="{FF2B5EF4-FFF2-40B4-BE49-F238E27FC236}">
+                <a16:creationId xmlns:a16="http://schemas.microsoft.com/office/drawing/2014/main" id="{8596A110-1C79-5044-A075-CB6D5FF96E09}"/>
+              </a:ext>
+            </a:extLst>
+          </p:cNvPr>
+          <p:cNvSpPr>
+            <a:spLocks noGrp="1"/>
+          </p:cNvSpPr>
+          <p:nvPr>
+            <p:ph type="title"/>
+          </p:nvPr>
+        </p:nvSpPr>
+        <p:spPr/>
+        <p:txBody>
+          <a:bodyPr/>
+          <a:lstStyle/>
+          <a:p>
+            <a:r>
+              <a:rPr lang="en-US" dirty="0"/>
+              <a:t>Ion temperature on axis at stagnation is about 4 times higher than &lt;</a:t>
+            </a:r>
+            <a:r>
+              <a:rPr lang="en-US" dirty="0" err="1"/>
+              <a:t>Ti+Te</a:t>
+            </a:r>
+            <a:r>
+              <a:rPr lang="en-US" dirty="0"/>
+              <a:t>&gt;/2</a:t>
+            </a:r>
+          </a:p>
+        </p:txBody>
+      </p:sp>
+      <p:sp>
+        <p:nvSpPr>
+          <p:cNvPr id="12" name="TextBox 11">
+            <a:extLst>
+              <a:ext uri="{FF2B5EF4-FFF2-40B4-BE49-F238E27FC236}">
+                <a16:creationId xmlns:a16="http://schemas.microsoft.com/office/drawing/2014/main" id="{91B95ECE-EAB9-9C48-A08E-0C9E25414E87}"/>
               </a:ext>
             </a:extLst>
           </p:cNvPr>
@@ -8875,8 +8876,8 @@
         </p:nvSpPr>
         <p:spPr>
           <a:xfrm>
-            <a:off x="2384982" y="1690688"/>
-            <a:ext cx="2328420" cy="461665"/>
+            <a:off x="754144" y="5806911"/>
+            <a:ext cx="9935852" cy="923330"/>
           </a:xfrm>
           <a:prstGeom prst="rect">
             <a:avLst/>
@@ -8889,19 +8890,181 @@
           </a:bodyPr>
           <a:lstStyle/>
           <a:p>
-            <a:r>
-              <a:rPr lang="en-US" sz="2400" b="1" dirty="0"/>
-              <a:t>1MA/3Torr/3cm</a:t>
-            </a:r>
-          </a:p>
-        </p:txBody>
-      </p:sp>
-      <p:sp>
-        <p:nvSpPr>
-          <p:cNvPr id="11" name="TextBox 10">
-            <a:extLst>
-              <a:ext uri="{FF2B5EF4-FFF2-40B4-BE49-F238E27FC236}">
-                <a16:creationId xmlns:a16="http://schemas.microsoft.com/office/drawing/2014/main" id="{A2F53F2D-0D34-F24F-8944-8EC4957759CD}"/>
+            <a:pPr marL="285750" indent="-285750">
+              <a:buFont typeface="Arial" panose="020B0604020202020204" pitchFamily="34" charset="0"/>
+              <a:buChar char="•"/>
+            </a:pPr>
+            <a:r>
+              <a:rPr lang="en-US" dirty="0"/>
+              <a:t>Average (</a:t>
+            </a:r>
+            <a:r>
+              <a:rPr lang="en-US" dirty="0" err="1"/>
+              <a:t>Ti+Te</a:t>
+            </a:r>
+            <a:r>
+              <a:rPr lang="en-US" dirty="0"/>
+              <a:t>)/2 at stagnation from formula is 777 eV</a:t>
+            </a:r>
+          </a:p>
+          <a:p>
+            <a:pPr marL="285750" indent="-285750">
+              <a:buFont typeface="Arial" panose="020B0604020202020204" pitchFamily="34" charset="0"/>
+              <a:buChar char="•"/>
+            </a:pPr>
+            <a:r>
+              <a:rPr lang="en-US" dirty="0"/>
+              <a:t>However, most of the pressure is in the ions and density is lower than average on axis, giving peak </a:t>
+            </a:r>
+            <a:r>
+              <a:rPr lang="en-US" dirty="0" err="1"/>
+              <a:t>Ti</a:t>
+            </a:r>
+            <a:r>
+              <a:rPr lang="en-US" dirty="0"/>
+              <a:t> about a factor of 4 higher than average from formula</a:t>
+            </a:r>
+          </a:p>
+        </p:txBody>
+      </p:sp>
+    </p:spTree>
+    <p:extLst>
+      <p:ext uri="{BB962C8B-B14F-4D97-AF65-F5344CB8AC3E}">
+        <p14:creationId xmlns:p14="http://schemas.microsoft.com/office/powerpoint/2010/main" val="2397758504"/>
+      </p:ext>
+    </p:extLst>
+  </p:cSld>
+  <p:clrMapOvr>
+    <a:masterClrMapping/>
+  </p:clrMapOvr>
+</p:sld>
+</file>
+
+<file path=ppt/slides/slide29.xml><?xml version="1.0" encoding="utf-8"?>
+<p:sld xmlns:a="http://schemas.openxmlformats.org/drawingml/2006/main" xmlns:r="http://schemas.openxmlformats.org/officeDocument/2006/relationships" xmlns:p="http://schemas.openxmlformats.org/presentationml/2006/main">
+  <p:cSld>
+    <p:spTree>
+      <p:nvGrpSpPr>
+        <p:cNvPr id="1" name=""/>
+        <p:cNvGrpSpPr/>
+        <p:nvPr/>
+      </p:nvGrpSpPr>
+      <p:grpSpPr>
+        <a:xfrm>
+          <a:off x="0" y="0"/>
+          <a:ext cx="0" cy="0"/>
+          <a:chOff x="0" y="0"/>
+          <a:chExt cx="0" cy="0"/>
+        </a:xfrm>
+      </p:grpSpPr>
+      <p:sp>
+        <p:nvSpPr>
+          <p:cNvPr id="5" name="Title 4">
+            <a:extLst>
+              <a:ext uri="{FF2B5EF4-FFF2-40B4-BE49-F238E27FC236}">
+                <a16:creationId xmlns:a16="http://schemas.microsoft.com/office/drawing/2014/main" id="{79F33913-21B8-0C4F-B042-F4726001946B}"/>
+              </a:ext>
+            </a:extLst>
+          </p:cNvPr>
+          <p:cNvSpPr>
+            <a:spLocks noGrp="1"/>
+          </p:cNvSpPr>
+          <p:nvPr>
+            <p:ph type="title"/>
+          </p:nvPr>
+        </p:nvSpPr>
+        <p:spPr/>
+        <p:txBody>
+          <a:bodyPr/>
+          <a:lstStyle/>
+          <a:p>
+            <a:r>
+              <a:rPr lang="en-US" dirty="0"/>
+              <a:t>On-axis ion temperature actually peaks a little later than stagnation</a:t>
+            </a:r>
+          </a:p>
+        </p:txBody>
+      </p:sp>
+      <p:pic>
+        <p:nvPicPr>
+          <p:cNvPr id="8" name="Content Placeholder 7">
+            <a:extLst>
+              <a:ext uri="{FF2B5EF4-FFF2-40B4-BE49-F238E27FC236}">
+                <a16:creationId xmlns:a16="http://schemas.microsoft.com/office/drawing/2014/main" id="{0494AB70-69D7-2C44-BCBF-5CBCAA4F156E}"/>
+              </a:ext>
+            </a:extLst>
+          </p:cNvPr>
+          <p:cNvPicPr>
+            <a:picLocks noGrp="1" noChangeAspect="1"/>
+          </p:cNvPicPr>
+          <p:nvPr>
+            <p:ph idx="1"/>
+          </p:nvPr>
+        </p:nvPicPr>
+        <p:blipFill>
+          <a:blip r:embed="rId2"/>
+          <a:stretch>
+            <a:fillRect/>
+          </a:stretch>
+        </p:blipFill>
+        <p:spPr>
+          <a:xfrm>
+            <a:off x="3195108" y="1825625"/>
+            <a:ext cx="5801784" cy="4351338"/>
+          </a:xfrm>
+        </p:spPr>
+      </p:pic>
+      <p:cxnSp>
+        <p:nvCxnSpPr>
+          <p:cNvPr id="10" name="Straight Arrow Connector 9">
+            <a:extLst>
+              <a:ext uri="{FF2B5EF4-FFF2-40B4-BE49-F238E27FC236}">
+                <a16:creationId xmlns:a16="http://schemas.microsoft.com/office/drawing/2014/main" id="{D86BC200-0A4D-9C42-9201-27115E850DD5}"/>
+              </a:ext>
+            </a:extLst>
+          </p:cNvPr>
+          <p:cNvCxnSpPr>
+            <a:cxnSpLocks/>
+          </p:cNvCxnSpPr>
+          <p:nvPr/>
+        </p:nvCxnSpPr>
+        <p:spPr>
+          <a:xfrm>
+            <a:off x="5826642" y="4051005"/>
+            <a:ext cx="1127051" cy="0"/>
+          </a:xfrm>
+          <a:prstGeom prst="straightConnector1">
+            <a:avLst/>
+          </a:prstGeom>
+          <a:ln w="28575">
+            <a:solidFill>
+              <a:srgbClr val="00B050"/>
+            </a:solidFill>
+            <a:headEnd type="triangle"/>
+            <a:tailEnd type="triangle"/>
+          </a:ln>
+        </p:spPr>
+        <p:style>
+          <a:lnRef idx="1">
+            <a:schemeClr val="accent1"/>
+          </a:lnRef>
+          <a:fillRef idx="0">
+            <a:schemeClr val="accent1"/>
+          </a:fillRef>
+          <a:effectRef idx="0">
+            <a:schemeClr val="accent1"/>
+          </a:effectRef>
+          <a:fontRef idx="minor">
+            <a:schemeClr val="tx1"/>
+          </a:fontRef>
+        </p:style>
+      </p:cxnSp>
+      <p:sp>
+        <p:nvSpPr>
+          <p:cNvPr id="13" name="TextBox 12">
+            <a:extLst>
+              <a:ext uri="{FF2B5EF4-FFF2-40B4-BE49-F238E27FC236}">
+                <a16:creationId xmlns:a16="http://schemas.microsoft.com/office/drawing/2014/main" id="{EBF6DFAB-F6D4-A249-9BD2-0B796509DB7B}"/>
               </a:ext>
             </a:extLst>
           </p:cNvPr>
@@ -8910,13 +9073,15 @@
         </p:nvSpPr>
         <p:spPr>
           <a:xfrm>
-            <a:off x="7364300" y="1690687"/>
-            <a:ext cx="3095133" cy="461665"/>
+            <a:off x="5917017" y="3624838"/>
+            <a:ext cx="738963" cy="369332"/>
           </a:xfrm>
           <a:prstGeom prst="rect">
             <a:avLst/>
           </a:prstGeom>
-          <a:noFill/>
+          <a:solidFill>
+            <a:schemeClr val="bg1"/>
+          </a:solidFill>
         </p:spPr>
         <p:txBody>
           <a:bodyPr wrap="square" rtlCol="0">
@@ -8925,8 +9090,12 @@
           <a:lstStyle/>
           <a:p>
             <a:r>
-              <a:rPr lang="en-US" sz="2400" b="1" dirty="0"/>
-              <a:t>200kA/1.5Torr/1.5cm</a:t>
+              <a:rPr lang="en-US" b="1" dirty="0">
+                <a:solidFill>
+                  <a:srgbClr val="00B050"/>
+                </a:solidFill>
+              </a:rPr>
+              <a:t>25 ns</a:t>
             </a:r>
           </a:p>
         </p:txBody>
@@ -8934,7 +9103,7 @@
     </p:spTree>
     <p:extLst>
       <p:ext uri="{BB962C8B-B14F-4D97-AF65-F5344CB8AC3E}">
-        <p14:creationId xmlns:p14="http://schemas.microsoft.com/office/powerpoint/2010/main" val="2563483800"/>
+        <p14:creationId xmlns:p14="http://schemas.microsoft.com/office/powerpoint/2010/main" val="4120747668"/>
       </p:ext>
     </p:extLst>
   </p:cSld>
@@ -9064,6 +9233,375 @@
     <p:extLst>
       <p:ext uri="{BB962C8B-B14F-4D97-AF65-F5344CB8AC3E}">
         <p14:creationId xmlns:p14="http://schemas.microsoft.com/office/powerpoint/2010/main" val="3042122405"/>
+      </p:ext>
+    </p:extLst>
+  </p:cSld>
+  <p:clrMapOvr>
+    <a:masterClrMapping/>
+  </p:clrMapOvr>
+</p:sld>
+</file>
+
+<file path=ppt/slides/slide30.xml><?xml version="1.0" encoding="utf-8"?>
+<p:sld xmlns:a="http://schemas.openxmlformats.org/drawingml/2006/main" xmlns:r="http://schemas.openxmlformats.org/officeDocument/2006/relationships" xmlns:p="http://schemas.openxmlformats.org/presentationml/2006/main">
+  <p:cSld>
+    <p:spTree>
+      <p:nvGrpSpPr>
+        <p:cNvPr id="1" name=""/>
+        <p:cNvGrpSpPr/>
+        <p:nvPr/>
+      </p:nvGrpSpPr>
+      <p:grpSpPr>
+        <a:xfrm>
+          <a:off x="0" y="0"/>
+          <a:ext cx="0" cy="0"/>
+          <a:chOff x="0" y="0"/>
+          <a:chExt cx="0" cy="0"/>
+        </a:xfrm>
+      </p:grpSpPr>
+      <p:sp>
+        <p:nvSpPr>
+          <p:cNvPr id="2" name="Title 1">
+            <a:extLst>
+              <a:ext uri="{FF2B5EF4-FFF2-40B4-BE49-F238E27FC236}">
+                <a16:creationId xmlns:a16="http://schemas.microsoft.com/office/drawing/2014/main" id="{8596A110-1C79-5044-A075-CB6D5FF96E09}"/>
+              </a:ext>
+            </a:extLst>
+          </p:cNvPr>
+          <p:cNvSpPr>
+            <a:spLocks noGrp="1"/>
+          </p:cNvSpPr>
+          <p:nvPr>
+            <p:ph type="title"/>
+          </p:nvPr>
+        </p:nvSpPr>
+        <p:spPr/>
+        <p:txBody>
+          <a:bodyPr/>
+          <a:lstStyle/>
+          <a:p>
+            <a:r>
+              <a:rPr lang="en-US" dirty="0"/>
+              <a:t>Results are similar at 200kA/1.5Torr/1.5cm</a:t>
+            </a:r>
+          </a:p>
+        </p:txBody>
+      </p:sp>
+      <p:sp>
+        <p:nvSpPr>
+          <p:cNvPr id="12" name="TextBox 11">
+            <a:extLst>
+              <a:ext uri="{FF2B5EF4-FFF2-40B4-BE49-F238E27FC236}">
+                <a16:creationId xmlns:a16="http://schemas.microsoft.com/office/drawing/2014/main" id="{91B95ECE-EAB9-9C48-A08E-0C9E25414E87}"/>
+              </a:ext>
+            </a:extLst>
+          </p:cNvPr>
+          <p:cNvSpPr txBox="1"/>
+          <p:nvPr/>
+        </p:nvSpPr>
+        <p:spPr>
+          <a:xfrm>
+            <a:off x="754144" y="5806911"/>
+            <a:ext cx="9935852" cy="923330"/>
+          </a:xfrm>
+          <a:prstGeom prst="rect">
+            <a:avLst/>
+          </a:prstGeom>
+          <a:noFill/>
+        </p:spPr>
+        <p:txBody>
+          <a:bodyPr wrap="square" rtlCol="0">
+            <a:spAutoFit/>
+          </a:bodyPr>
+          <a:lstStyle/>
+          <a:p>
+            <a:pPr marL="285750" indent="-285750">
+              <a:buFont typeface="Arial" panose="020B0604020202020204" pitchFamily="34" charset="0"/>
+              <a:buChar char="•"/>
+            </a:pPr>
+            <a:r>
+              <a:rPr lang="en-US" dirty="0"/>
+              <a:t>Average (</a:t>
+            </a:r>
+            <a:r>
+              <a:rPr lang="en-US" dirty="0" err="1"/>
+              <a:t>Ti+Te</a:t>
+            </a:r>
+            <a:r>
+              <a:rPr lang="en-US" dirty="0"/>
+              <a:t>)/2 at stagnation from formula is 240 eV</a:t>
+            </a:r>
+          </a:p>
+          <a:p>
+            <a:pPr marL="285750" indent="-285750">
+              <a:buFont typeface="Arial" panose="020B0604020202020204" pitchFamily="34" charset="0"/>
+              <a:buChar char="•"/>
+            </a:pPr>
+            <a:r>
+              <a:rPr lang="en-US" dirty="0"/>
+              <a:t>However, most of the pressure is in the ions and density is lower than average on axis, giving peak </a:t>
+            </a:r>
+            <a:r>
+              <a:rPr lang="en-US" dirty="0" err="1"/>
+              <a:t>Ti</a:t>
+            </a:r>
+            <a:r>
+              <a:rPr lang="en-US" dirty="0"/>
+              <a:t> about a factor of 4 higher than average from formula</a:t>
+            </a:r>
+          </a:p>
+        </p:txBody>
+      </p:sp>
+      <p:pic>
+        <p:nvPicPr>
+          <p:cNvPr id="17" name="Content Placeholder 16">
+            <a:extLst>
+              <a:ext uri="{FF2B5EF4-FFF2-40B4-BE49-F238E27FC236}">
+                <a16:creationId xmlns:a16="http://schemas.microsoft.com/office/drawing/2014/main" id="{62A958FA-215A-EA46-9379-CC75A1F83C14}"/>
+              </a:ext>
+            </a:extLst>
+          </p:cNvPr>
+          <p:cNvPicPr>
+            <a:picLocks noGrp="1" noChangeAspect="1"/>
+          </p:cNvPicPr>
+          <p:nvPr>
+            <p:ph sz="half" idx="1"/>
+          </p:nvPr>
+        </p:nvPicPr>
+        <p:blipFill>
+          <a:blip r:embed="rId2"/>
+          <a:stretch>
+            <a:fillRect/>
+          </a:stretch>
+        </p:blipFill>
+        <p:spPr>
+          <a:xfrm>
+            <a:off x="838200" y="1784811"/>
+            <a:ext cx="5181600" cy="3886200"/>
+          </a:xfrm>
+        </p:spPr>
+      </p:pic>
+      <p:pic>
+        <p:nvPicPr>
+          <p:cNvPr id="21" name="Content Placeholder 20">
+            <a:extLst>
+              <a:ext uri="{FF2B5EF4-FFF2-40B4-BE49-F238E27FC236}">
+                <a16:creationId xmlns:a16="http://schemas.microsoft.com/office/drawing/2014/main" id="{1BCA7B67-1D91-F54C-8AE9-9D9C9DB4D438}"/>
+              </a:ext>
+            </a:extLst>
+          </p:cNvPr>
+          <p:cNvPicPr>
+            <a:picLocks noGrp="1" noChangeAspect="1"/>
+          </p:cNvPicPr>
+          <p:nvPr>
+            <p:ph sz="half" idx="2"/>
+          </p:nvPr>
+        </p:nvPicPr>
+        <p:blipFill>
+          <a:blip r:embed="rId3"/>
+          <a:stretch>
+            <a:fillRect/>
+          </a:stretch>
+        </p:blipFill>
+        <p:spPr>
+          <a:xfrm>
+            <a:off x="6172200" y="1784811"/>
+            <a:ext cx="5181600" cy="3886200"/>
+          </a:xfrm>
+        </p:spPr>
+      </p:pic>
+    </p:spTree>
+    <p:extLst>
+      <p:ext uri="{BB962C8B-B14F-4D97-AF65-F5344CB8AC3E}">
+        <p14:creationId xmlns:p14="http://schemas.microsoft.com/office/powerpoint/2010/main" val="1665492696"/>
+      </p:ext>
+    </p:extLst>
+  </p:cSld>
+  <p:clrMapOvr>
+    <a:masterClrMapping/>
+  </p:clrMapOvr>
+</p:sld>
+</file>
+
+<file path=ppt/slides/slide31.xml><?xml version="1.0" encoding="utf-8"?>
+<p:sld xmlns:a="http://schemas.openxmlformats.org/drawingml/2006/main" xmlns:r="http://schemas.openxmlformats.org/officeDocument/2006/relationships" xmlns:p="http://schemas.openxmlformats.org/presentationml/2006/main">
+  <p:cSld>
+    <p:spTree>
+      <p:nvGrpSpPr>
+        <p:cNvPr id="1" name=""/>
+        <p:cNvGrpSpPr/>
+        <p:nvPr/>
+      </p:nvGrpSpPr>
+      <p:grpSpPr>
+        <a:xfrm>
+          <a:off x="0" y="0"/>
+          <a:ext cx="0" cy="0"/>
+          <a:chOff x="0" y="0"/>
+          <a:chExt cx="0" cy="0"/>
+        </a:xfrm>
+      </p:grpSpPr>
+      <p:sp>
+        <p:nvSpPr>
+          <p:cNvPr id="2" name="Title 1">
+            <a:extLst>
+              <a:ext uri="{FF2B5EF4-FFF2-40B4-BE49-F238E27FC236}">
+                <a16:creationId xmlns:a16="http://schemas.microsoft.com/office/drawing/2014/main" id="{8596A110-1C79-5044-A075-CB6D5FF96E09}"/>
+              </a:ext>
+            </a:extLst>
+          </p:cNvPr>
+          <p:cNvSpPr>
+            <a:spLocks noGrp="1"/>
+          </p:cNvSpPr>
+          <p:nvPr>
+            <p:ph type="title"/>
+          </p:nvPr>
+        </p:nvSpPr>
+        <p:spPr/>
+        <p:txBody>
+          <a:bodyPr>
+            <a:normAutofit fontScale="90000"/>
+          </a:bodyPr>
+          <a:lstStyle/>
+          <a:p>
+            <a:r>
+              <a:rPr lang="en-US" dirty="0"/>
+              <a:t>Global energy from MJ and kJ sims show magnetic field energy equals thermal energy at stagnation</a:t>
+            </a:r>
+          </a:p>
+        </p:txBody>
+      </p:sp>
+      <p:pic>
+        <p:nvPicPr>
+          <p:cNvPr id="6" name="Content Placeholder 5">
+            <a:extLst>
+              <a:ext uri="{FF2B5EF4-FFF2-40B4-BE49-F238E27FC236}">
+                <a16:creationId xmlns:a16="http://schemas.microsoft.com/office/drawing/2014/main" id="{02EB8A1F-900B-D949-9926-8C40E44C1FF7}"/>
+              </a:ext>
+            </a:extLst>
+          </p:cNvPr>
+          <p:cNvPicPr>
+            <a:picLocks noGrp="1" noChangeAspect="1"/>
+          </p:cNvPicPr>
+          <p:nvPr>
+            <p:ph sz="half" idx="1"/>
+          </p:nvPr>
+        </p:nvPicPr>
+        <p:blipFill>
+          <a:blip r:embed="rId2"/>
+          <a:stretch>
+            <a:fillRect/>
+          </a:stretch>
+        </p:blipFill>
+        <p:spPr>
+          <a:xfrm>
+            <a:off x="838200" y="2058194"/>
+            <a:ext cx="5181600" cy="3886200"/>
+          </a:xfrm>
+        </p:spPr>
+      </p:pic>
+      <p:pic>
+        <p:nvPicPr>
+          <p:cNvPr id="9" name="Content Placeholder 8">
+            <a:extLst>
+              <a:ext uri="{FF2B5EF4-FFF2-40B4-BE49-F238E27FC236}">
+                <a16:creationId xmlns:a16="http://schemas.microsoft.com/office/drawing/2014/main" id="{9743B24A-E26D-6748-8627-93A9B6D35530}"/>
+              </a:ext>
+            </a:extLst>
+          </p:cNvPr>
+          <p:cNvPicPr>
+            <a:picLocks noGrp="1" noChangeAspect="1"/>
+          </p:cNvPicPr>
+          <p:nvPr>
+            <p:ph sz="half" idx="2"/>
+          </p:nvPr>
+        </p:nvPicPr>
+        <p:blipFill>
+          <a:blip r:embed="rId3"/>
+          <a:stretch>
+            <a:fillRect/>
+          </a:stretch>
+        </p:blipFill>
+        <p:spPr>
+          <a:xfrm>
+            <a:off x="6172200" y="2058194"/>
+            <a:ext cx="5181600" cy="3886200"/>
+          </a:xfrm>
+        </p:spPr>
+      </p:pic>
+      <p:sp>
+        <p:nvSpPr>
+          <p:cNvPr id="10" name="TextBox 9">
+            <a:extLst>
+              <a:ext uri="{FF2B5EF4-FFF2-40B4-BE49-F238E27FC236}">
+                <a16:creationId xmlns:a16="http://schemas.microsoft.com/office/drawing/2014/main" id="{4C30C632-43F0-EB40-92F0-10E486D9ADD7}"/>
+              </a:ext>
+            </a:extLst>
+          </p:cNvPr>
+          <p:cNvSpPr txBox="1"/>
+          <p:nvPr/>
+        </p:nvSpPr>
+        <p:spPr>
+          <a:xfrm>
+            <a:off x="2384982" y="1690688"/>
+            <a:ext cx="2328420" cy="461665"/>
+          </a:xfrm>
+          <a:prstGeom prst="rect">
+            <a:avLst/>
+          </a:prstGeom>
+          <a:noFill/>
+        </p:spPr>
+        <p:txBody>
+          <a:bodyPr wrap="square" rtlCol="0">
+            <a:spAutoFit/>
+          </a:bodyPr>
+          <a:lstStyle/>
+          <a:p>
+            <a:r>
+              <a:rPr lang="en-US" sz="2400" b="1" dirty="0"/>
+              <a:t>1MA/3Torr/3cm</a:t>
+            </a:r>
+          </a:p>
+        </p:txBody>
+      </p:sp>
+      <p:sp>
+        <p:nvSpPr>
+          <p:cNvPr id="11" name="TextBox 10">
+            <a:extLst>
+              <a:ext uri="{FF2B5EF4-FFF2-40B4-BE49-F238E27FC236}">
+                <a16:creationId xmlns:a16="http://schemas.microsoft.com/office/drawing/2014/main" id="{A2F53F2D-0D34-F24F-8944-8EC4957759CD}"/>
+              </a:ext>
+            </a:extLst>
+          </p:cNvPr>
+          <p:cNvSpPr txBox="1"/>
+          <p:nvPr/>
+        </p:nvSpPr>
+        <p:spPr>
+          <a:xfrm>
+            <a:off x="7364300" y="1690687"/>
+            <a:ext cx="3095133" cy="461665"/>
+          </a:xfrm>
+          <a:prstGeom prst="rect">
+            <a:avLst/>
+          </a:prstGeom>
+          <a:noFill/>
+        </p:spPr>
+        <p:txBody>
+          <a:bodyPr wrap="square" rtlCol="0">
+            <a:spAutoFit/>
+          </a:bodyPr>
+          <a:lstStyle/>
+          <a:p>
+            <a:r>
+              <a:rPr lang="en-US" sz="2400" b="1" dirty="0"/>
+              <a:t>200kA/1.5Torr/1.5cm</a:t>
+            </a:r>
+          </a:p>
+        </p:txBody>
+      </p:sp>
+    </p:spTree>
+    <p:extLst>
+      <p:ext uri="{BB962C8B-B14F-4D97-AF65-F5344CB8AC3E}">
+        <p14:creationId xmlns:p14="http://schemas.microsoft.com/office/powerpoint/2010/main" val="2563483800"/>
       </p:ext>
     </p:extLst>
   </p:cSld>
@@ -9957,7 +10495,9 @@
           </a:xfrm>
         </p:spPr>
         <p:txBody>
-          <a:bodyPr/>
+          <a:bodyPr>
+            <a:normAutofit fontScale="92500"/>
+          </a:bodyPr>
           <a:lstStyle/>
           <a:p>
             <a:pPr marL="0" indent="0">
@@ -9973,7 +10513,19 @@
             </a:r>
             <a:r>
               <a:rPr lang="en-US" dirty="0"/>
-              <a:t>=0), the post-shock ram energy density is equal to the post-shock thermal energy density and the shock moves faster than u</a:t>
+              <a:t>=0)</a:t>
+            </a:r>
+          </a:p>
+          <a:p>
+            <a:r>
+              <a:rPr lang="en-US" dirty="0"/>
+              <a:t>post-shock ram energy density is equal to the post-shock thermal energy density</a:t>
+            </a:r>
+          </a:p>
+          <a:p>
+            <a:r>
+              <a:rPr lang="en-US" dirty="0"/>
+              <a:t>shock moves faster than u</a:t>
             </a:r>
             <a:r>
               <a:rPr lang="en-US" baseline="-25000" dirty="0"/>
